--- a/An Agile, Sprint-Based Course.pptx
+++ b/An Agile, Sprint-Based Course.pptx
@@ -5,22 +5,18 @@
     <p:sldMasterId id="2147483648" r:id="rId1"/>
   </p:sldMasterIdLst>
   <p:notesMasterIdLst>
-    <p:notesMasterId r:id="rId15"/>
+    <p:notesMasterId r:id="rId11"/>
   </p:notesMasterIdLst>
   <p:sldIdLst>
-    <p:sldId id="257" r:id="rId2"/>
-    <p:sldId id="263" r:id="rId3"/>
-    <p:sldId id="258" r:id="rId4"/>
-    <p:sldId id="261" r:id="rId5"/>
-    <p:sldId id="269" r:id="rId6"/>
-    <p:sldId id="259" r:id="rId7"/>
-    <p:sldId id="260" r:id="rId8"/>
-    <p:sldId id="262" r:id="rId9"/>
-    <p:sldId id="267" r:id="rId10"/>
-    <p:sldId id="268" r:id="rId11"/>
-    <p:sldId id="265" r:id="rId12"/>
-    <p:sldId id="266" r:id="rId13"/>
-    <p:sldId id="264" r:id="rId14"/>
+    <p:sldId id="269" r:id="rId2"/>
+    <p:sldId id="259" r:id="rId3"/>
+    <p:sldId id="260" r:id="rId4"/>
+    <p:sldId id="262" r:id="rId5"/>
+    <p:sldId id="267" r:id="rId6"/>
+    <p:sldId id="268" r:id="rId7"/>
+    <p:sldId id="265" r:id="rId8"/>
+    <p:sldId id="266" r:id="rId9"/>
+    <p:sldId id="264" r:id="rId10"/>
   </p:sldIdLst>
   <p:sldSz cx="9144000" cy="6858000" type="screen4x3"/>
   <p:notesSz cx="6858000" cy="9144000"/>
@@ -220,7 +216,7 @@
           <a:p>
             <a:fld id="{D0FE861C-486B-4E18-A0E9-A790238A915C}" type="datetimeFigureOut">
               <a:rPr lang="en-US" smtClean="0"/>
-              <a:t>8/22/2018</a:t>
+              <a:t>1/9/2019</a:t>
             </a:fld>
             <a:endParaRPr lang="en-US" dirty="0"/>
           </a:p>
@@ -519,10 +515,16 @@
         </p:spPr>
         <p:txBody>
           <a:bodyPr/>
-          <a:lstStyle/>
-          <a:p>
-            <a:r>
-              <a:rPr lang="en-US"/>
+          <a:lstStyle>
+            <a:lvl1pPr>
+              <a:defRPr>
+                <a:latin typeface="Bookman Old Style" panose="02050604050505020204" pitchFamily="18" charset="0"/>
+              </a:defRPr>
+            </a:lvl1pPr>
+          </a:lstStyle>
+          <a:p>
+            <a:r>
+              <a:rPr lang="en-US" dirty="0"/>
               <a:t>Click to edit Master title style</a:t>
             </a:r>
           </a:p>
@@ -555,6 +557,7 @@
                     <a:tint val="75000"/>
                   </a:schemeClr>
                 </a:solidFill>
+                <a:latin typeface="Bookman Old Style" panose="02050604050505020204" pitchFamily="18" charset="0"/>
               </a:defRPr>
             </a:lvl1pPr>
             <a:lvl2pPr marL="457200" indent="0" algn="ctr">
@@ -659,11 +662,18 @@
         <p:spPr/>
         <p:txBody>
           <a:bodyPr/>
-          <a:lstStyle/>
+          <a:lstStyle>
+            <a:lvl1pPr>
+              <a:defRPr>
+                <a:latin typeface="Bookman Old Style" panose="02050604050505020204" pitchFamily="18" charset="0"/>
+              </a:defRPr>
+            </a:lvl1pPr>
+          </a:lstStyle>
           <a:p>
             <a:fld id="{8102BAB4-8B8D-41DD-85C7-81A0CA962007}" type="datetimeFigureOut">
               <a:rPr lang="en-US" smtClean="0"/>
-              <a:t>8/22/2018</a:t>
+              <a:pPr/>
+              <a:t>1/9/2019</a:t>
             </a:fld>
             <a:endParaRPr lang="en-US" dirty="0"/>
           </a:p>
@@ -682,7 +692,13 @@
         <p:spPr/>
         <p:txBody>
           <a:bodyPr/>
-          <a:lstStyle/>
+          <a:lstStyle>
+            <a:lvl1pPr>
+              <a:defRPr>
+                <a:latin typeface="Bookman Old Style" panose="02050604050505020204" pitchFamily="18" charset="0"/>
+              </a:defRPr>
+            </a:lvl1pPr>
+          </a:lstStyle>
           <a:p>
             <a:endParaRPr lang="en-US" dirty="0"/>
           </a:p>
@@ -701,10 +717,17 @@
         <p:spPr/>
         <p:txBody>
           <a:bodyPr/>
-          <a:lstStyle/>
+          <a:lstStyle>
+            <a:lvl1pPr>
+              <a:defRPr>
+                <a:latin typeface="Bookman Old Style" panose="02050604050505020204" pitchFamily="18" charset="0"/>
+              </a:defRPr>
+            </a:lvl1pPr>
+          </a:lstStyle>
           <a:p>
             <a:fld id="{B044824F-EBE0-443F-8A8F-F64816AF04DC}" type="slidenum">
               <a:rPr lang="en-US" smtClean="0"/>
+              <a:pPr/>
               <a:t>‹#›</a:t>
             </a:fld>
             <a:endParaRPr lang="en-US" dirty="0"/>
@@ -826,7 +849,7 @@
           <a:p>
             <a:fld id="{8102BAB4-8B8D-41DD-85C7-81A0CA962007}" type="datetimeFigureOut">
               <a:rPr lang="en-US" smtClean="0"/>
-              <a:t>8/22/2018</a:t>
+              <a:t>1/9/2019</a:t>
             </a:fld>
             <a:endParaRPr lang="en-US" dirty="0"/>
           </a:p>
@@ -999,7 +1022,7 @@
           <a:p>
             <a:fld id="{8102BAB4-8B8D-41DD-85C7-81A0CA962007}" type="datetimeFigureOut">
               <a:rPr lang="en-US" smtClean="0"/>
-              <a:t>8/22/2018</a:t>
+              <a:t>1/9/2019</a:t>
             </a:fld>
             <a:endParaRPr lang="en-US" dirty="0"/>
           </a:p>
@@ -1162,7 +1185,7 @@
           <a:p>
             <a:fld id="{8102BAB4-8B8D-41DD-85C7-81A0CA962007}" type="datetimeFigureOut">
               <a:rPr lang="en-US" smtClean="0"/>
-              <a:t>8/22/2018</a:t>
+              <a:t>1/9/2019</a:t>
             </a:fld>
             <a:endParaRPr lang="en-US" dirty="0"/>
           </a:p>
@@ -1402,7 +1425,7 @@
           <a:p>
             <a:fld id="{8102BAB4-8B8D-41DD-85C7-81A0CA962007}" type="datetimeFigureOut">
               <a:rPr lang="en-US" smtClean="0"/>
-              <a:t>8/22/2018</a:t>
+              <a:t>1/9/2019</a:t>
             </a:fld>
             <a:endParaRPr lang="en-US" dirty="0"/>
           </a:p>
@@ -1682,7 +1705,7 @@
           <a:p>
             <a:fld id="{8102BAB4-8B8D-41DD-85C7-81A0CA962007}" type="datetimeFigureOut">
               <a:rPr lang="en-US" smtClean="0"/>
-              <a:t>8/22/2018</a:t>
+              <a:t>1/9/2019</a:t>
             </a:fld>
             <a:endParaRPr lang="en-US" dirty="0"/>
           </a:p>
@@ -2096,7 +2119,7 @@
           <a:p>
             <a:fld id="{8102BAB4-8B8D-41DD-85C7-81A0CA962007}" type="datetimeFigureOut">
               <a:rPr lang="en-US" smtClean="0"/>
-              <a:t>8/22/2018</a:t>
+              <a:t>1/9/2019</a:t>
             </a:fld>
             <a:endParaRPr lang="en-US" dirty="0"/>
           </a:p>
@@ -2208,7 +2231,7 @@
           <a:p>
             <a:fld id="{8102BAB4-8B8D-41DD-85C7-81A0CA962007}" type="datetimeFigureOut">
               <a:rPr lang="en-US" smtClean="0"/>
-              <a:t>8/22/2018</a:t>
+              <a:t>1/9/2019</a:t>
             </a:fld>
             <a:endParaRPr lang="en-US" dirty="0"/>
           </a:p>
@@ -2298,7 +2321,7 @@
           <a:p>
             <a:fld id="{8102BAB4-8B8D-41DD-85C7-81A0CA962007}" type="datetimeFigureOut">
               <a:rPr lang="en-US" smtClean="0"/>
-              <a:t>8/22/2018</a:t>
+              <a:t>1/9/2019</a:t>
             </a:fld>
             <a:endParaRPr lang="en-US" dirty="0"/>
           </a:p>
@@ -2568,7 +2591,7 @@
           <a:p>
             <a:fld id="{8102BAB4-8B8D-41DD-85C7-81A0CA962007}" type="datetimeFigureOut">
               <a:rPr lang="en-US" smtClean="0"/>
-              <a:t>8/22/2018</a:t>
+              <a:t>1/9/2019</a:t>
             </a:fld>
             <a:endParaRPr lang="en-US" dirty="0"/>
           </a:p>
@@ -2815,7 +2838,7 @@
           <a:p>
             <a:fld id="{8102BAB4-8B8D-41DD-85C7-81A0CA962007}" type="datetimeFigureOut">
               <a:rPr lang="en-US" smtClean="0"/>
-              <a:t>8/22/2018</a:t>
+              <a:t>1/9/2019</a:t>
             </a:fld>
             <a:endParaRPr lang="en-US" dirty="0"/>
           </a:p>
@@ -3015,13 +3038,15 @@
                     <a:tint val="75000"/>
                   </a:schemeClr>
                 </a:solidFill>
+                <a:latin typeface="Bookman Old Style" panose="02050604050505020204" pitchFamily="18" charset="0"/>
               </a:defRPr>
             </a:lvl1pPr>
           </a:lstStyle>
           <a:p>
             <a:fld id="{8102BAB4-8B8D-41DD-85C7-81A0CA962007}" type="datetimeFigureOut">
               <a:rPr lang="en-US" smtClean="0"/>
-              <a:t>8/22/2018</a:t>
+              <a:pPr/>
+              <a:t>1/9/2019</a:t>
             </a:fld>
             <a:endParaRPr lang="en-US" dirty="0"/>
           </a:p>
@@ -3056,6 +3081,7 @@
                     <a:tint val="75000"/>
                   </a:schemeClr>
                 </a:solidFill>
+                <a:latin typeface="Bookman Old Style" panose="02050604050505020204" pitchFamily="18" charset="0"/>
               </a:defRPr>
             </a:lvl1pPr>
           </a:lstStyle>
@@ -3093,12 +3119,14 @@
                     <a:tint val="75000"/>
                   </a:schemeClr>
                 </a:solidFill>
+                <a:latin typeface="Bookman Old Style" panose="02050604050505020204" pitchFamily="18" charset="0"/>
               </a:defRPr>
             </a:lvl1pPr>
           </a:lstStyle>
           <a:p>
             <a:fld id="{B044824F-EBE0-443F-8A8F-F64816AF04DC}" type="slidenum">
               <a:rPr lang="en-US" smtClean="0"/>
+              <a:pPr/>
               <a:t>‹#›</a:t>
             </a:fld>
             <a:endParaRPr lang="en-US" dirty="0"/>
@@ -3132,7 +3160,7 @@
           <a:solidFill>
             <a:schemeClr val="tx1"/>
           </a:solidFill>
-          <a:latin typeface="+mj-lt"/>
+          <a:latin typeface="Bookman Old Style" panose="02050604050505020204" pitchFamily="18" charset="0"/>
           <a:ea typeface="+mj-ea"/>
           <a:cs typeface="+mj-cs"/>
         </a:defRPr>
@@ -3149,7 +3177,7 @@
           <a:solidFill>
             <a:schemeClr val="tx1"/>
           </a:solidFill>
-          <a:latin typeface="+mn-lt"/>
+          <a:latin typeface="Bookman Old Style" panose="02050604050505020204" pitchFamily="18" charset="0"/>
           <a:ea typeface="+mn-ea"/>
           <a:cs typeface="+mn-cs"/>
         </a:defRPr>
@@ -3164,7 +3192,7 @@
           <a:solidFill>
             <a:schemeClr val="tx1"/>
           </a:solidFill>
-          <a:latin typeface="+mn-lt"/>
+          <a:latin typeface="Bookman Old Style" panose="02050604050505020204" pitchFamily="18" charset="0"/>
           <a:ea typeface="+mn-ea"/>
           <a:cs typeface="+mn-cs"/>
         </a:defRPr>
@@ -3179,7 +3207,7 @@
           <a:solidFill>
             <a:schemeClr val="tx1"/>
           </a:solidFill>
-          <a:latin typeface="+mn-lt"/>
+          <a:latin typeface="Bookman Old Style" panose="02050604050505020204" pitchFamily="18" charset="0"/>
           <a:ea typeface="+mn-ea"/>
           <a:cs typeface="+mn-cs"/>
         </a:defRPr>
@@ -3194,7 +3222,7 @@
           <a:solidFill>
             <a:schemeClr val="tx1"/>
           </a:solidFill>
-          <a:latin typeface="+mn-lt"/>
+          <a:latin typeface="Bookman Old Style" panose="02050604050505020204" pitchFamily="18" charset="0"/>
           <a:ea typeface="+mn-ea"/>
           <a:cs typeface="+mn-cs"/>
         </a:defRPr>
@@ -3209,7 +3237,7 @@
           <a:solidFill>
             <a:schemeClr val="tx1"/>
           </a:solidFill>
-          <a:latin typeface="+mn-lt"/>
+          <a:latin typeface="Bookman Old Style" panose="02050604050505020204" pitchFamily="18" charset="0"/>
           <a:ea typeface="+mn-ea"/>
           <a:cs typeface="+mn-cs"/>
         </a:defRPr>
@@ -3375,1197 +3403,6 @@
 </file>
 
 <file path=ppt/slides/slide1.xml><?xml version="1.0" encoding="utf-8"?>
-<p:sld xmlns:a="http://schemas.openxmlformats.org/drawingml/2006/main" xmlns:r="http://schemas.openxmlformats.org/officeDocument/2006/relationships" xmlns:p="http://schemas.openxmlformats.org/presentationml/2006/main" show="0">
-  <p:cSld>
-    <p:spTree>
-      <p:nvGrpSpPr>
-        <p:cNvPr id="1" name=""/>
-        <p:cNvGrpSpPr/>
-        <p:nvPr/>
-      </p:nvGrpSpPr>
-      <p:grpSpPr>
-        <a:xfrm>
-          <a:off x="0" y="0"/>
-          <a:ext cx="0" cy="0"/>
-          <a:chOff x="0" y="0"/>
-          <a:chExt cx="0" cy="0"/>
-        </a:xfrm>
-      </p:grpSpPr>
-      <p:sp>
-        <p:nvSpPr>
-          <p:cNvPr id="5" name="Rectangle: Rounded Corners 4">
-            <a:extLst>
-              <a:ext uri="{FF2B5EF4-FFF2-40B4-BE49-F238E27FC236}">
-                <a16:creationId xmlns:a16="http://schemas.microsoft.com/office/drawing/2014/main" id="{3D904E24-919D-40EC-A71D-58A14306F52F}"/>
-              </a:ext>
-            </a:extLst>
-          </p:cNvPr>
-          <p:cNvSpPr/>
-          <p:nvPr/>
-        </p:nvSpPr>
-        <p:spPr>
-          <a:xfrm>
-            <a:off x="228600" y="228600"/>
-            <a:ext cx="3429000" cy="6400800"/>
-          </a:xfrm>
-          <a:prstGeom prst="roundRect">
-            <a:avLst/>
-          </a:prstGeom>
-          <a:noFill/>
-        </p:spPr>
-        <p:style>
-          <a:lnRef idx="2">
-            <a:schemeClr val="accent1">
-              <a:shade val="50000"/>
-            </a:schemeClr>
-          </a:lnRef>
-          <a:fillRef idx="1">
-            <a:schemeClr val="accent1"/>
-          </a:fillRef>
-          <a:effectRef idx="0">
-            <a:schemeClr val="accent1"/>
-          </a:effectRef>
-          <a:fontRef idx="minor">
-            <a:schemeClr val="lt1"/>
-          </a:fontRef>
-        </p:style>
-        <p:txBody>
-          <a:bodyPr rtlCol="0" anchor="ctr"/>
-          <a:lstStyle/>
-          <a:p>
-            <a:pPr algn="ctr"/>
-            <a:endParaRPr lang="en-US" dirty="0"/>
-          </a:p>
-        </p:txBody>
-      </p:sp>
-      <p:sp>
-        <p:nvSpPr>
-          <p:cNvPr id="6" name="TextBox 5">
-            <a:extLst>
-              <a:ext uri="{FF2B5EF4-FFF2-40B4-BE49-F238E27FC236}">
-                <a16:creationId xmlns:a16="http://schemas.microsoft.com/office/drawing/2014/main" id="{6E7E0898-1254-4E64-8175-97EDD7C9479E}"/>
-              </a:ext>
-            </a:extLst>
-          </p:cNvPr>
-          <p:cNvSpPr txBox="1"/>
-          <p:nvPr/>
-        </p:nvSpPr>
-        <p:spPr>
-          <a:xfrm>
-            <a:off x="533400" y="685800"/>
-            <a:ext cx="2819400" cy="369332"/>
-          </a:xfrm>
-          <a:prstGeom prst="rect">
-            <a:avLst/>
-          </a:prstGeom>
-          <a:ln>
-            <a:noFill/>
-          </a:ln>
-        </p:spPr>
-        <p:style>
-          <a:lnRef idx="2">
-            <a:schemeClr val="dk1"/>
-          </a:lnRef>
-          <a:fillRef idx="1">
-            <a:schemeClr val="lt1"/>
-          </a:fillRef>
-          <a:effectRef idx="0">
-            <a:schemeClr val="dk1"/>
-          </a:effectRef>
-          <a:fontRef idx="minor">
-            <a:schemeClr val="dk1"/>
-          </a:fontRef>
-        </p:style>
-        <p:txBody>
-          <a:bodyPr wrap="square" rtlCol="0">
-            <a:spAutoFit/>
-          </a:bodyPr>
-          <a:lstStyle/>
-          <a:p>
-            <a:pPr algn="ctr"/>
-            <a:r>
-              <a:rPr lang="en-US" dirty="0"/>
-              <a:t>Week 1</a:t>
-            </a:r>
-          </a:p>
-        </p:txBody>
-      </p:sp>
-      <p:sp>
-        <p:nvSpPr>
-          <p:cNvPr id="7" name="TextBox 6">
-            <a:extLst>
-              <a:ext uri="{FF2B5EF4-FFF2-40B4-BE49-F238E27FC236}">
-                <a16:creationId xmlns:a16="http://schemas.microsoft.com/office/drawing/2014/main" id="{CDAA671B-4D26-4715-BF76-F10BBE9BA1D0}"/>
-              </a:ext>
-            </a:extLst>
-          </p:cNvPr>
-          <p:cNvSpPr txBox="1"/>
-          <p:nvPr/>
-        </p:nvSpPr>
-        <p:spPr>
-          <a:xfrm>
-            <a:off x="533400" y="5943600"/>
-            <a:ext cx="2819400" cy="369332"/>
-          </a:xfrm>
-          <a:prstGeom prst="rect">
-            <a:avLst/>
-          </a:prstGeom>
-          <a:ln>
-            <a:noFill/>
-          </a:ln>
-        </p:spPr>
-        <p:style>
-          <a:lnRef idx="2">
-            <a:schemeClr val="dk1"/>
-          </a:lnRef>
-          <a:fillRef idx="1">
-            <a:schemeClr val="lt1"/>
-          </a:fillRef>
-          <a:effectRef idx="0">
-            <a:schemeClr val="dk1"/>
-          </a:effectRef>
-          <a:fontRef idx="minor">
-            <a:schemeClr val="dk1"/>
-          </a:fontRef>
-        </p:style>
-        <p:txBody>
-          <a:bodyPr wrap="square" rtlCol="0">
-            <a:spAutoFit/>
-          </a:bodyPr>
-          <a:lstStyle/>
-          <a:p>
-            <a:pPr algn="ctr"/>
-            <a:r>
-              <a:rPr lang="en-US" dirty="0"/>
-              <a:t>Week 16</a:t>
-            </a:r>
-          </a:p>
-        </p:txBody>
-      </p:sp>
-      <p:cxnSp>
-        <p:nvCxnSpPr>
-          <p:cNvPr id="9" name="Straight Arrow Connector 8">
-            <a:extLst>
-              <a:ext uri="{FF2B5EF4-FFF2-40B4-BE49-F238E27FC236}">
-                <a16:creationId xmlns:a16="http://schemas.microsoft.com/office/drawing/2014/main" id="{44C92200-A3DA-4CBB-866D-BADFC4819C98}"/>
-              </a:ext>
-            </a:extLst>
-          </p:cNvPr>
-          <p:cNvCxnSpPr>
-            <a:cxnSpLocks/>
-          </p:cNvCxnSpPr>
-          <p:nvPr/>
-        </p:nvCxnSpPr>
-        <p:spPr>
-          <a:xfrm>
-            <a:off x="1943100" y="1371600"/>
-            <a:ext cx="0" cy="4419600"/>
-          </a:xfrm>
-          <a:prstGeom prst="straightConnector1">
-            <a:avLst/>
-          </a:prstGeom>
-          <a:ln w="76200">
-            <a:tailEnd type="triangle"/>
-          </a:ln>
-        </p:spPr>
-        <p:style>
-          <a:lnRef idx="1">
-            <a:schemeClr val="dk1"/>
-          </a:lnRef>
-          <a:fillRef idx="0">
-            <a:schemeClr val="dk1"/>
-          </a:fillRef>
-          <a:effectRef idx="0">
-            <a:schemeClr val="dk1"/>
-          </a:effectRef>
-          <a:fontRef idx="minor">
-            <a:schemeClr val="tx1"/>
-          </a:fontRef>
-        </p:style>
-      </p:cxnSp>
-      <p:sp>
-        <p:nvSpPr>
-          <p:cNvPr id="17" name="Rectangle: Rounded Corners 16">
-            <a:extLst>
-              <a:ext uri="{FF2B5EF4-FFF2-40B4-BE49-F238E27FC236}">
-                <a16:creationId xmlns:a16="http://schemas.microsoft.com/office/drawing/2014/main" id="{7B4B4608-67E0-4C11-81BC-5B1D276920CA}"/>
-              </a:ext>
-            </a:extLst>
-          </p:cNvPr>
-          <p:cNvSpPr/>
-          <p:nvPr/>
-        </p:nvSpPr>
-        <p:spPr>
-          <a:xfrm>
-            <a:off x="3675434" y="457200"/>
-            <a:ext cx="1665051" cy="457200"/>
-          </a:xfrm>
-          <a:prstGeom prst="roundRect">
-            <a:avLst/>
-          </a:prstGeom>
-        </p:spPr>
-        <p:style>
-          <a:lnRef idx="2">
-            <a:schemeClr val="accent2"/>
-          </a:lnRef>
-          <a:fillRef idx="1">
-            <a:schemeClr val="lt1"/>
-          </a:fillRef>
-          <a:effectRef idx="0">
-            <a:schemeClr val="accent2"/>
-          </a:effectRef>
-          <a:fontRef idx="minor">
-            <a:schemeClr val="dk1"/>
-          </a:fontRef>
-        </p:style>
-        <p:txBody>
-          <a:bodyPr rtlCol="0" anchor="ctr"/>
-          <a:lstStyle/>
-          <a:p>
-            <a:pPr algn="ctr"/>
-            <a:r>
-              <a:rPr lang="en-US" dirty="0">
-                <a:solidFill>
-                  <a:sysClr val="windowText" lastClr="000000"/>
-                </a:solidFill>
-              </a:rPr>
-              <a:t>HW</a:t>
-            </a:r>
-          </a:p>
-        </p:txBody>
-      </p:sp>
-      <p:sp>
-        <p:nvSpPr>
-          <p:cNvPr id="18" name="Rectangle: Rounded Corners 17">
-            <a:extLst>
-              <a:ext uri="{FF2B5EF4-FFF2-40B4-BE49-F238E27FC236}">
-                <a16:creationId xmlns:a16="http://schemas.microsoft.com/office/drawing/2014/main" id="{14030A7A-0044-4281-9D26-96E540A955BE}"/>
-              </a:ext>
-            </a:extLst>
-          </p:cNvPr>
-          <p:cNvSpPr/>
-          <p:nvPr/>
-        </p:nvSpPr>
-        <p:spPr>
-          <a:xfrm>
-            <a:off x="3675434" y="914400"/>
-            <a:ext cx="1665051" cy="457200"/>
-          </a:xfrm>
-          <a:prstGeom prst="roundRect">
-            <a:avLst/>
-          </a:prstGeom>
-        </p:spPr>
-        <p:style>
-          <a:lnRef idx="2">
-            <a:schemeClr val="accent2"/>
-          </a:lnRef>
-          <a:fillRef idx="1">
-            <a:schemeClr val="lt1"/>
-          </a:fillRef>
-          <a:effectRef idx="0">
-            <a:schemeClr val="accent2"/>
-          </a:effectRef>
-          <a:fontRef idx="minor">
-            <a:schemeClr val="dk1"/>
-          </a:fontRef>
-        </p:style>
-        <p:txBody>
-          <a:bodyPr rtlCol="0" anchor="ctr"/>
-          <a:lstStyle/>
-          <a:p>
-            <a:pPr algn="ctr"/>
-            <a:r>
-              <a:rPr lang="en-US" dirty="0">
-                <a:solidFill>
-                  <a:sysClr val="windowText" lastClr="000000"/>
-                </a:solidFill>
-              </a:rPr>
-              <a:t>HW</a:t>
-            </a:r>
-          </a:p>
-        </p:txBody>
-      </p:sp>
-      <p:sp>
-        <p:nvSpPr>
-          <p:cNvPr id="19" name="Rectangle: Rounded Corners 18">
-            <a:extLst>
-              <a:ext uri="{FF2B5EF4-FFF2-40B4-BE49-F238E27FC236}">
-                <a16:creationId xmlns:a16="http://schemas.microsoft.com/office/drawing/2014/main" id="{51515E95-6B22-43E5-B286-6144E58A4FDB}"/>
-              </a:ext>
-            </a:extLst>
-          </p:cNvPr>
-          <p:cNvSpPr/>
-          <p:nvPr/>
-        </p:nvSpPr>
-        <p:spPr>
-          <a:xfrm>
-            <a:off x="3675434" y="1371600"/>
-            <a:ext cx="1665051" cy="457200"/>
-          </a:xfrm>
-          <a:prstGeom prst="roundRect">
-            <a:avLst/>
-          </a:prstGeom>
-        </p:spPr>
-        <p:style>
-          <a:lnRef idx="2">
-            <a:schemeClr val="accent2"/>
-          </a:lnRef>
-          <a:fillRef idx="1">
-            <a:schemeClr val="lt1"/>
-          </a:fillRef>
-          <a:effectRef idx="0">
-            <a:schemeClr val="accent2"/>
-          </a:effectRef>
-          <a:fontRef idx="minor">
-            <a:schemeClr val="dk1"/>
-          </a:fontRef>
-        </p:style>
-        <p:txBody>
-          <a:bodyPr rtlCol="0" anchor="ctr"/>
-          <a:lstStyle/>
-          <a:p>
-            <a:pPr algn="ctr"/>
-            <a:r>
-              <a:rPr lang="en-US" dirty="0">
-                <a:solidFill>
-                  <a:sysClr val="windowText" lastClr="000000"/>
-                </a:solidFill>
-              </a:rPr>
-              <a:t>HW</a:t>
-            </a:r>
-          </a:p>
-        </p:txBody>
-      </p:sp>
-      <p:sp>
-        <p:nvSpPr>
-          <p:cNvPr id="20" name="Rectangle: Rounded Corners 19">
-            <a:extLst>
-              <a:ext uri="{FF2B5EF4-FFF2-40B4-BE49-F238E27FC236}">
-                <a16:creationId xmlns:a16="http://schemas.microsoft.com/office/drawing/2014/main" id="{02A3B114-F744-4588-B111-BBE59299C228}"/>
-              </a:ext>
-            </a:extLst>
-          </p:cNvPr>
-          <p:cNvSpPr/>
-          <p:nvPr/>
-        </p:nvSpPr>
-        <p:spPr>
-          <a:xfrm>
-            <a:off x="3675434" y="1828800"/>
-            <a:ext cx="1665051" cy="457200"/>
-          </a:xfrm>
-          <a:prstGeom prst="roundRect">
-            <a:avLst/>
-          </a:prstGeom>
-        </p:spPr>
-        <p:style>
-          <a:lnRef idx="2">
-            <a:schemeClr val="accent2"/>
-          </a:lnRef>
-          <a:fillRef idx="1">
-            <a:schemeClr val="lt1"/>
-          </a:fillRef>
-          <a:effectRef idx="0">
-            <a:schemeClr val="accent2"/>
-          </a:effectRef>
-          <a:fontRef idx="minor">
-            <a:schemeClr val="dk1"/>
-          </a:fontRef>
-        </p:style>
-        <p:txBody>
-          <a:bodyPr rtlCol="0" anchor="ctr"/>
-          <a:lstStyle/>
-          <a:p>
-            <a:pPr algn="ctr"/>
-            <a:r>
-              <a:rPr lang="en-US" dirty="0">
-                <a:solidFill>
-                  <a:sysClr val="windowText" lastClr="000000"/>
-                </a:solidFill>
-              </a:rPr>
-              <a:t>HW</a:t>
-            </a:r>
-          </a:p>
-        </p:txBody>
-      </p:sp>
-      <p:sp>
-        <p:nvSpPr>
-          <p:cNvPr id="21" name="Rectangle: Rounded Corners 20">
-            <a:extLst>
-              <a:ext uri="{FF2B5EF4-FFF2-40B4-BE49-F238E27FC236}">
-                <a16:creationId xmlns:a16="http://schemas.microsoft.com/office/drawing/2014/main" id="{A5E3FAD3-B75A-4063-8DB7-1AC38C5E0588}"/>
-              </a:ext>
-            </a:extLst>
-          </p:cNvPr>
-          <p:cNvSpPr/>
-          <p:nvPr/>
-        </p:nvSpPr>
-        <p:spPr>
-          <a:xfrm>
-            <a:off x="3675434" y="2286000"/>
-            <a:ext cx="1665051" cy="457200"/>
-          </a:xfrm>
-          <a:prstGeom prst="roundRect">
-            <a:avLst/>
-          </a:prstGeom>
-        </p:spPr>
-        <p:style>
-          <a:lnRef idx="2">
-            <a:schemeClr val="accent2"/>
-          </a:lnRef>
-          <a:fillRef idx="1">
-            <a:schemeClr val="lt1"/>
-          </a:fillRef>
-          <a:effectRef idx="0">
-            <a:schemeClr val="accent2"/>
-          </a:effectRef>
-          <a:fontRef idx="minor">
-            <a:schemeClr val="dk1"/>
-          </a:fontRef>
-        </p:style>
-        <p:txBody>
-          <a:bodyPr rtlCol="0" anchor="ctr"/>
-          <a:lstStyle/>
-          <a:p>
-            <a:pPr algn="ctr"/>
-            <a:r>
-              <a:rPr lang="en-US" dirty="0">
-                <a:solidFill>
-                  <a:sysClr val="windowText" lastClr="000000"/>
-                </a:solidFill>
-              </a:rPr>
-              <a:t>HW</a:t>
-            </a:r>
-          </a:p>
-        </p:txBody>
-      </p:sp>
-      <p:sp>
-        <p:nvSpPr>
-          <p:cNvPr id="22" name="Rectangle: Rounded Corners 21">
-            <a:extLst>
-              <a:ext uri="{FF2B5EF4-FFF2-40B4-BE49-F238E27FC236}">
-                <a16:creationId xmlns:a16="http://schemas.microsoft.com/office/drawing/2014/main" id="{E9A7BBF9-C7FB-4AB0-9C1F-533FA5D63014}"/>
-              </a:ext>
-            </a:extLst>
-          </p:cNvPr>
-          <p:cNvSpPr/>
-          <p:nvPr/>
-        </p:nvSpPr>
-        <p:spPr>
-          <a:xfrm>
-            <a:off x="3675434" y="2743200"/>
-            <a:ext cx="1665051" cy="457200"/>
-          </a:xfrm>
-          <a:prstGeom prst="roundRect">
-            <a:avLst/>
-          </a:prstGeom>
-        </p:spPr>
-        <p:style>
-          <a:lnRef idx="2">
-            <a:schemeClr val="accent2"/>
-          </a:lnRef>
-          <a:fillRef idx="1">
-            <a:schemeClr val="lt1"/>
-          </a:fillRef>
-          <a:effectRef idx="0">
-            <a:schemeClr val="accent2"/>
-          </a:effectRef>
-          <a:fontRef idx="minor">
-            <a:schemeClr val="dk1"/>
-          </a:fontRef>
-        </p:style>
-        <p:txBody>
-          <a:bodyPr rtlCol="0" anchor="ctr"/>
-          <a:lstStyle/>
-          <a:p>
-            <a:pPr algn="ctr"/>
-            <a:r>
-              <a:rPr lang="en-US" dirty="0">
-                <a:solidFill>
-                  <a:sysClr val="windowText" lastClr="000000"/>
-                </a:solidFill>
-              </a:rPr>
-              <a:t>HW</a:t>
-            </a:r>
-          </a:p>
-        </p:txBody>
-      </p:sp>
-      <p:sp>
-        <p:nvSpPr>
-          <p:cNvPr id="23" name="Rectangle: Rounded Corners 22">
-            <a:extLst>
-              <a:ext uri="{FF2B5EF4-FFF2-40B4-BE49-F238E27FC236}">
-                <a16:creationId xmlns:a16="http://schemas.microsoft.com/office/drawing/2014/main" id="{C5FBF94A-E9A3-4FAD-A6A0-D746D59184BD}"/>
-              </a:ext>
-            </a:extLst>
-          </p:cNvPr>
-          <p:cNvSpPr/>
-          <p:nvPr/>
-        </p:nvSpPr>
-        <p:spPr>
-          <a:xfrm>
-            <a:off x="3675434" y="3200400"/>
-            <a:ext cx="1665051" cy="457200"/>
-          </a:xfrm>
-          <a:prstGeom prst="roundRect">
-            <a:avLst/>
-          </a:prstGeom>
-        </p:spPr>
-        <p:style>
-          <a:lnRef idx="2">
-            <a:schemeClr val="accent2"/>
-          </a:lnRef>
-          <a:fillRef idx="1">
-            <a:schemeClr val="lt1"/>
-          </a:fillRef>
-          <a:effectRef idx="0">
-            <a:schemeClr val="accent2"/>
-          </a:effectRef>
-          <a:fontRef idx="minor">
-            <a:schemeClr val="dk1"/>
-          </a:fontRef>
-        </p:style>
-        <p:txBody>
-          <a:bodyPr rtlCol="0" anchor="ctr"/>
-          <a:lstStyle/>
-          <a:p>
-            <a:pPr algn="ctr"/>
-            <a:r>
-              <a:rPr lang="en-US" dirty="0">
-                <a:solidFill>
-                  <a:sysClr val="windowText" lastClr="000000"/>
-                </a:solidFill>
-              </a:rPr>
-              <a:t>HW</a:t>
-            </a:r>
-          </a:p>
-        </p:txBody>
-      </p:sp>
-      <p:sp>
-        <p:nvSpPr>
-          <p:cNvPr id="24" name="Rectangle: Rounded Corners 23">
-            <a:extLst>
-              <a:ext uri="{FF2B5EF4-FFF2-40B4-BE49-F238E27FC236}">
-                <a16:creationId xmlns:a16="http://schemas.microsoft.com/office/drawing/2014/main" id="{122E5EFF-83FB-4E2E-961C-8D4749E7B541}"/>
-              </a:ext>
-            </a:extLst>
-          </p:cNvPr>
-          <p:cNvSpPr/>
-          <p:nvPr/>
-        </p:nvSpPr>
-        <p:spPr>
-          <a:xfrm>
-            <a:off x="3675434" y="3657600"/>
-            <a:ext cx="1665051" cy="457200"/>
-          </a:xfrm>
-          <a:prstGeom prst="roundRect">
-            <a:avLst/>
-          </a:prstGeom>
-        </p:spPr>
-        <p:style>
-          <a:lnRef idx="2">
-            <a:schemeClr val="accent2"/>
-          </a:lnRef>
-          <a:fillRef idx="1">
-            <a:schemeClr val="lt1"/>
-          </a:fillRef>
-          <a:effectRef idx="0">
-            <a:schemeClr val="accent2"/>
-          </a:effectRef>
-          <a:fontRef idx="minor">
-            <a:schemeClr val="dk1"/>
-          </a:fontRef>
-        </p:style>
-        <p:txBody>
-          <a:bodyPr rtlCol="0" anchor="ctr"/>
-          <a:lstStyle/>
-          <a:p>
-            <a:pPr algn="ctr"/>
-            <a:r>
-              <a:rPr lang="en-US" dirty="0">
-                <a:solidFill>
-                  <a:sysClr val="windowText" lastClr="000000"/>
-                </a:solidFill>
-              </a:rPr>
-              <a:t>HW</a:t>
-            </a:r>
-          </a:p>
-        </p:txBody>
-      </p:sp>
-      <p:sp>
-        <p:nvSpPr>
-          <p:cNvPr id="25" name="Rectangle: Rounded Corners 24">
-            <a:extLst>
-              <a:ext uri="{FF2B5EF4-FFF2-40B4-BE49-F238E27FC236}">
-                <a16:creationId xmlns:a16="http://schemas.microsoft.com/office/drawing/2014/main" id="{CE1960FB-354D-4615-9994-2528D1A49159}"/>
-              </a:ext>
-            </a:extLst>
-          </p:cNvPr>
-          <p:cNvSpPr/>
-          <p:nvPr/>
-        </p:nvSpPr>
-        <p:spPr>
-          <a:xfrm>
-            <a:off x="3675434" y="4114800"/>
-            <a:ext cx="1665051" cy="457200"/>
-          </a:xfrm>
-          <a:prstGeom prst="roundRect">
-            <a:avLst/>
-          </a:prstGeom>
-        </p:spPr>
-        <p:style>
-          <a:lnRef idx="2">
-            <a:schemeClr val="accent2"/>
-          </a:lnRef>
-          <a:fillRef idx="1">
-            <a:schemeClr val="lt1"/>
-          </a:fillRef>
-          <a:effectRef idx="0">
-            <a:schemeClr val="accent2"/>
-          </a:effectRef>
-          <a:fontRef idx="minor">
-            <a:schemeClr val="dk1"/>
-          </a:fontRef>
-        </p:style>
-        <p:txBody>
-          <a:bodyPr rtlCol="0" anchor="ctr"/>
-          <a:lstStyle/>
-          <a:p>
-            <a:pPr algn="ctr"/>
-            <a:r>
-              <a:rPr lang="en-US" dirty="0">
-                <a:solidFill>
-                  <a:sysClr val="windowText" lastClr="000000"/>
-                </a:solidFill>
-              </a:rPr>
-              <a:t>HW</a:t>
-            </a:r>
-          </a:p>
-        </p:txBody>
-      </p:sp>
-      <p:sp>
-        <p:nvSpPr>
-          <p:cNvPr id="26" name="Rectangle: Rounded Corners 25">
-            <a:extLst>
-              <a:ext uri="{FF2B5EF4-FFF2-40B4-BE49-F238E27FC236}">
-                <a16:creationId xmlns:a16="http://schemas.microsoft.com/office/drawing/2014/main" id="{A6313120-E8EF-4FC0-8DD3-AD5CA9FBAA87}"/>
-              </a:ext>
-            </a:extLst>
-          </p:cNvPr>
-          <p:cNvSpPr/>
-          <p:nvPr/>
-        </p:nvSpPr>
-        <p:spPr>
-          <a:xfrm>
-            <a:off x="3675434" y="4572000"/>
-            <a:ext cx="1665051" cy="457200"/>
-          </a:xfrm>
-          <a:prstGeom prst="roundRect">
-            <a:avLst/>
-          </a:prstGeom>
-        </p:spPr>
-        <p:style>
-          <a:lnRef idx="2">
-            <a:schemeClr val="accent2"/>
-          </a:lnRef>
-          <a:fillRef idx="1">
-            <a:schemeClr val="lt1"/>
-          </a:fillRef>
-          <a:effectRef idx="0">
-            <a:schemeClr val="accent2"/>
-          </a:effectRef>
-          <a:fontRef idx="minor">
-            <a:schemeClr val="dk1"/>
-          </a:fontRef>
-        </p:style>
-        <p:txBody>
-          <a:bodyPr rtlCol="0" anchor="ctr"/>
-          <a:lstStyle/>
-          <a:p>
-            <a:pPr algn="ctr"/>
-            <a:r>
-              <a:rPr lang="en-US" dirty="0">
-                <a:solidFill>
-                  <a:sysClr val="windowText" lastClr="000000"/>
-                </a:solidFill>
-              </a:rPr>
-              <a:t>HW</a:t>
-            </a:r>
-          </a:p>
-        </p:txBody>
-      </p:sp>
-      <p:sp>
-        <p:nvSpPr>
-          <p:cNvPr id="27" name="Rectangle: Rounded Corners 26">
-            <a:extLst>
-              <a:ext uri="{FF2B5EF4-FFF2-40B4-BE49-F238E27FC236}">
-                <a16:creationId xmlns:a16="http://schemas.microsoft.com/office/drawing/2014/main" id="{21DA5CFC-C78A-46CA-9909-492D7F9657C8}"/>
-              </a:ext>
-            </a:extLst>
-          </p:cNvPr>
-          <p:cNvSpPr/>
-          <p:nvPr/>
-        </p:nvSpPr>
-        <p:spPr>
-          <a:xfrm>
-            <a:off x="3675434" y="5029200"/>
-            <a:ext cx="1665051" cy="457200"/>
-          </a:xfrm>
-          <a:prstGeom prst="roundRect">
-            <a:avLst/>
-          </a:prstGeom>
-        </p:spPr>
-        <p:style>
-          <a:lnRef idx="2">
-            <a:schemeClr val="accent2"/>
-          </a:lnRef>
-          <a:fillRef idx="1">
-            <a:schemeClr val="lt1"/>
-          </a:fillRef>
-          <a:effectRef idx="0">
-            <a:schemeClr val="accent2"/>
-          </a:effectRef>
-          <a:fontRef idx="minor">
-            <a:schemeClr val="dk1"/>
-          </a:fontRef>
-        </p:style>
-        <p:txBody>
-          <a:bodyPr rtlCol="0" anchor="ctr"/>
-          <a:lstStyle/>
-          <a:p>
-            <a:pPr algn="ctr"/>
-            <a:r>
-              <a:rPr lang="en-US" dirty="0">
-                <a:solidFill>
-                  <a:sysClr val="windowText" lastClr="000000"/>
-                </a:solidFill>
-              </a:rPr>
-              <a:t>HW</a:t>
-            </a:r>
-          </a:p>
-        </p:txBody>
-      </p:sp>
-      <p:sp>
-        <p:nvSpPr>
-          <p:cNvPr id="28" name="Rectangle: Rounded Corners 27">
-            <a:extLst>
-              <a:ext uri="{FF2B5EF4-FFF2-40B4-BE49-F238E27FC236}">
-                <a16:creationId xmlns:a16="http://schemas.microsoft.com/office/drawing/2014/main" id="{261EC68F-E5BF-4FEE-8396-B37F94EFE5D0}"/>
-              </a:ext>
-            </a:extLst>
-          </p:cNvPr>
-          <p:cNvSpPr/>
-          <p:nvPr/>
-        </p:nvSpPr>
-        <p:spPr>
-          <a:xfrm>
-            <a:off x="3675434" y="5486400"/>
-            <a:ext cx="1665051" cy="457200"/>
-          </a:xfrm>
-          <a:prstGeom prst="roundRect">
-            <a:avLst/>
-          </a:prstGeom>
-        </p:spPr>
-        <p:style>
-          <a:lnRef idx="2">
-            <a:schemeClr val="accent2"/>
-          </a:lnRef>
-          <a:fillRef idx="1">
-            <a:schemeClr val="lt1"/>
-          </a:fillRef>
-          <a:effectRef idx="0">
-            <a:schemeClr val="accent2"/>
-          </a:effectRef>
-          <a:fontRef idx="minor">
-            <a:schemeClr val="dk1"/>
-          </a:fontRef>
-        </p:style>
-        <p:txBody>
-          <a:bodyPr rtlCol="0" anchor="ctr"/>
-          <a:lstStyle/>
-          <a:p>
-            <a:pPr algn="ctr"/>
-            <a:r>
-              <a:rPr lang="en-US" dirty="0">
-                <a:solidFill>
-                  <a:sysClr val="windowText" lastClr="000000"/>
-                </a:solidFill>
-              </a:rPr>
-              <a:t>HW</a:t>
-            </a:r>
-          </a:p>
-        </p:txBody>
-      </p:sp>
-      <p:sp>
-        <p:nvSpPr>
-          <p:cNvPr id="33" name="Rectangle: Rounded Corners 32">
-            <a:extLst>
-              <a:ext uri="{FF2B5EF4-FFF2-40B4-BE49-F238E27FC236}">
-                <a16:creationId xmlns:a16="http://schemas.microsoft.com/office/drawing/2014/main" id="{6B65BA18-0AD0-43BE-911D-4095EF30432E}"/>
-              </a:ext>
-            </a:extLst>
-          </p:cNvPr>
-          <p:cNvSpPr/>
-          <p:nvPr/>
-        </p:nvSpPr>
-        <p:spPr>
-          <a:xfrm>
-            <a:off x="5358318" y="431260"/>
-            <a:ext cx="1665051" cy="1371600"/>
-          </a:xfrm>
-          <a:prstGeom prst="roundRect">
-            <a:avLst/>
-          </a:prstGeom>
-        </p:spPr>
-        <p:style>
-          <a:lnRef idx="2">
-            <a:schemeClr val="accent3"/>
-          </a:lnRef>
-          <a:fillRef idx="1">
-            <a:schemeClr val="lt1"/>
-          </a:fillRef>
-          <a:effectRef idx="0">
-            <a:schemeClr val="accent3"/>
-          </a:effectRef>
-          <a:fontRef idx="minor">
-            <a:schemeClr val="dk1"/>
-          </a:fontRef>
-        </p:style>
-        <p:txBody>
-          <a:bodyPr rtlCol="0" anchor="ctr"/>
-          <a:lstStyle/>
-          <a:p>
-            <a:pPr algn="ctr"/>
-            <a:r>
-              <a:rPr lang="en-US" dirty="0">
-                <a:solidFill>
-                  <a:sysClr val="windowText" lastClr="000000"/>
-                </a:solidFill>
-              </a:rPr>
-              <a:t>Project</a:t>
-            </a:r>
-          </a:p>
-        </p:txBody>
-      </p:sp>
-      <p:sp>
-        <p:nvSpPr>
-          <p:cNvPr id="34" name="Rectangle: Rounded Corners 33">
-            <a:extLst>
-              <a:ext uri="{FF2B5EF4-FFF2-40B4-BE49-F238E27FC236}">
-                <a16:creationId xmlns:a16="http://schemas.microsoft.com/office/drawing/2014/main" id="{0CCFC8E0-FAC8-4189-B701-CBE7EFC9A129}"/>
-              </a:ext>
-            </a:extLst>
-          </p:cNvPr>
-          <p:cNvSpPr/>
-          <p:nvPr/>
-        </p:nvSpPr>
-        <p:spPr>
-          <a:xfrm>
-            <a:off x="5376152" y="1809345"/>
-            <a:ext cx="1665051" cy="1371600"/>
-          </a:xfrm>
-          <a:prstGeom prst="roundRect">
-            <a:avLst/>
-          </a:prstGeom>
-        </p:spPr>
-        <p:style>
-          <a:lnRef idx="2">
-            <a:schemeClr val="accent3"/>
-          </a:lnRef>
-          <a:fillRef idx="1">
-            <a:schemeClr val="lt1"/>
-          </a:fillRef>
-          <a:effectRef idx="0">
-            <a:schemeClr val="accent3"/>
-          </a:effectRef>
-          <a:fontRef idx="minor">
-            <a:schemeClr val="dk1"/>
-          </a:fontRef>
-        </p:style>
-        <p:txBody>
-          <a:bodyPr rtlCol="0" anchor="ctr"/>
-          <a:lstStyle/>
-          <a:p>
-            <a:pPr algn="ctr"/>
-            <a:r>
-              <a:rPr lang="en-US" dirty="0">
-                <a:solidFill>
-                  <a:sysClr val="windowText" lastClr="000000"/>
-                </a:solidFill>
-              </a:rPr>
-              <a:t>Project</a:t>
-            </a:r>
-          </a:p>
-        </p:txBody>
-      </p:sp>
-      <p:sp>
-        <p:nvSpPr>
-          <p:cNvPr id="35" name="Rectangle: Rounded Corners 34">
-            <a:extLst>
-              <a:ext uri="{FF2B5EF4-FFF2-40B4-BE49-F238E27FC236}">
-                <a16:creationId xmlns:a16="http://schemas.microsoft.com/office/drawing/2014/main" id="{D23879C3-2A4B-4C04-90CA-44A737C7CE8E}"/>
-              </a:ext>
-            </a:extLst>
-          </p:cNvPr>
-          <p:cNvSpPr/>
-          <p:nvPr/>
-        </p:nvSpPr>
-        <p:spPr>
-          <a:xfrm>
-            <a:off x="5358318" y="3187430"/>
-            <a:ext cx="1665051" cy="1371600"/>
-          </a:xfrm>
-          <a:prstGeom prst="roundRect">
-            <a:avLst/>
-          </a:prstGeom>
-        </p:spPr>
-        <p:style>
-          <a:lnRef idx="2">
-            <a:schemeClr val="accent3"/>
-          </a:lnRef>
-          <a:fillRef idx="1">
-            <a:schemeClr val="lt1"/>
-          </a:fillRef>
-          <a:effectRef idx="0">
-            <a:schemeClr val="accent3"/>
-          </a:effectRef>
-          <a:fontRef idx="minor">
-            <a:schemeClr val="dk1"/>
-          </a:fontRef>
-        </p:style>
-        <p:txBody>
-          <a:bodyPr rtlCol="0" anchor="ctr"/>
-          <a:lstStyle/>
-          <a:p>
-            <a:pPr algn="ctr"/>
-            <a:r>
-              <a:rPr lang="en-US" dirty="0">
-                <a:solidFill>
-                  <a:sysClr val="windowText" lastClr="000000"/>
-                </a:solidFill>
-              </a:rPr>
-              <a:t>Project</a:t>
-            </a:r>
-          </a:p>
-        </p:txBody>
-      </p:sp>
-      <p:sp>
-        <p:nvSpPr>
-          <p:cNvPr id="36" name="Rectangle: Rounded Corners 35">
-            <a:extLst>
-              <a:ext uri="{FF2B5EF4-FFF2-40B4-BE49-F238E27FC236}">
-                <a16:creationId xmlns:a16="http://schemas.microsoft.com/office/drawing/2014/main" id="{32472C26-CD44-4DE4-B133-0916BF111B49}"/>
-              </a:ext>
-            </a:extLst>
-          </p:cNvPr>
-          <p:cNvSpPr/>
-          <p:nvPr/>
-        </p:nvSpPr>
-        <p:spPr>
-          <a:xfrm>
-            <a:off x="5358318" y="4572000"/>
-            <a:ext cx="1665051" cy="1371600"/>
-          </a:xfrm>
-          <a:prstGeom prst="roundRect">
-            <a:avLst/>
-          </a:prstGeom>
-        </p:spPr>
-        <p:style>
-          <a:lnRef idx="2">
-            <a:schemeClr val="accent3"/>
-          </a:lnRef>
-          <a:fillRef idx="1">
-            <a:schemeClr val="lt1"/>
-          </a:fillRef>
-          <a:effectRef idx="0">
-            <a:schemeClr val="accent3"/>
-          </a:effectRef>
-          <a:fontRef idx="minor">
-            <a:schemeClr val="dk1"/>
-          </a:fontRef>
-        </p:style>
-        <p:txBody>
-          <a:bodyPr rtlCol="0" anchor="ctr"/>
-          <a:lstStyle/>
-          <a:p>
-            <a:pPr algn="ctr"/>
-            <a:r>
-              <a:rPr lang="en-US" dirty="0">
-                <a:solidFill>
-                  <a:sysClr val="windowText" lastClr="000000"/>
-                </a:solidFill>
-              </a:rPr>
-              <a:t>Project</a:t>
-            </a:r>
-          </a:p>
-        </p:txBody>
-      </p:sp>
-      <p:sp>
-        <p:nvSpPr>
-          <p:cNvPr id="37" name="Rectangle: Rounded Corners 36">
-            <a:extLst>
-              <a:ext uri="{FF2B5EF4-FFF2-40B4-BE49-F238E27FC236}">
-                <a16:creationId xmlns:a16="http://schemas.microsoft.com/office/drawing/2014/main" id="{D8CDB5A7-76B3-49B3-9F86-0AFF647CC658}"/>
-              </a:ext>
-            </a:extLst>
-          </p:cNvPr>
-          <p:cNvSpPr/>
-          <p:nvPr/>
-        </p:nvSpPr>
-        <p:spPr>
-          <a:xfrm>
-            <a:off x="7059036" y="2292485"/>
-            <a:ext cx="1665051" cy="457200"/>
-          </a:xfrm>
-          <a:prstGeom prst="roundRect">
-            <a:avLst/>
-          </a:prstGeom>
-        </p:spPr>
-        <p:style>
-          <a:lnRef idx="2">
-            <a:schemeClr val="accent5"/>
-          </a:lnRef>
-          <a:fillRef idx="1">
-            <a:schemeClr val="lt1"/>
-          </a:fillRef>
-          <a:effectRef idx="0">
-            <a:schemeClr val="accent5"/>
-          </a:effectRef>
-          <a:fontRef idx="minor">
-            <a:schemeClr val="dk1"/>
-          </a:fontRef>
-        </p:style>
-        <p:txBody>
-          <a:bodyPr rtlCol="0" anchor="ctr"/>
-          <a:lstStyle/>
-          <a:p>
-            <a:pPr algn="ctr"/>
-            <a:r>
-              <a:rPr lang="en-US" dirty="0">
-                <a:solidFill>
-                  <a:sysClr val="windowText" lastClr="000000"/>
-                </a:solidFill>
-              </a:rPr>
-              <a:t>Midterm</a:t>
-            </a:r>
-          </a:p>
-        </p:txBody>
-      </p:sp>
-      <p:sp>
-        <p:nvSpPr>
-          <p:cNvPr id="38" name="Rectangle: Rounded Corners 37">
-            <a:extLst>
-              <a:ext uri="{FF2B5EF4-FFF2-40B4-BE49-F238E27FC236}">
-                <a16:creationId xmlns:a16="http://schemas.microsoft.com/office/drawing/2014/main" id="{BA8A1334-0496-4DBD-86B0-4F3962D1782A}"/>
-              </a:ext>
-            </a:extLst>
-          </p:cNvPr>
-          <p:cNvSpPr/>
-          <p:nvPr/>
-        </p:nvSpPr>
-        <p:spPr>
-          <a:xfrm>
-            <a:off x="7040392" y="4121285"/>
-            <a:ext cx="1665051" cy="457200"/>
-          </a:xfrm>
-          <a:prstGeom prst="roundRect">
-            <a:avLst/>
-          </a:prstGeom>
-        </p:spPr>
-        <p:style>
-          <a:lnRef idx="2">
-            <a:schemeClr val="accent5"/>
-          </a:lnRef>
-          <a:fillRef idx="1">
-            <a:schemeClr val="lt1"/>
-          </a:fillRef>
-          <a:effectRef idx="0">
-            <a:schemeClr val="accent5"/>
-          </a:effectRef>
-          <a:fontRef idx="minor">
-            <a:schemeClr val="dk1"/>
-          </a:fontRef>
-        </p:style>
-        <p:txBody>
-          <a:bodyPr rtlCol="0" anchor="ctr"/>
-          <a:lstStyle/>
-          <a:p>
-            <a:pPr algn="ctr"/>
-            <a:r>
-              <a:rPr lang="en-US" dirty="0">
-                <a:solidFill>
-                  <a:sysClr val="windowText" lastClr="000000"/>
-                </a:solidFill>
-              </a:rPr>
-              <a:t>Midterm</a:t>
-            </a:r>
-          </a:p>
-        </p:txBody>
-      </p:sp>
-      <p:sp>
-        <p:nvSpPr>
-          <p:cNvPr id="39" name="Rectangle: Rounded Corners 38">
-            <a:extLst>
-              <a:ext uri="{FF2B5EF4-FFF2-40B4-BE49-F238E27FC236}">
-                <a16:creationId xmlns:a16="http://schemas.microsoft.com/office/drawing/2014/main" id="{F280A80E-A6F4-439A-B911-6AF19FFCC119}"/>
-              </a:ext>
-            </a:extLst>
-          </p:cNvPr>
-          <p:cNvSpPr/>
-          <p:nvPr/>
-        </p:nvSpPr>
-        <p:spPr>
-          <a:xfrm>
-            <a:off x="3675434" y="5969540"/>
-            <a:ext cx="4995154" cy="457200"/>
-          </a:xfrm>
-          <a:prstGeom prst="roundRect">
-            <a:avLst/>
-          </a:prstGeom>
-        </p:spPr>
-        <p:style>
-          <a:lnRef idx="2">
-            <a:schemeClr val="accent6"/>
-          </a:lnRef>
-          <a:fillRef idx="1">
-            <a:schemeClr val="lt1"/>
-          </a:fillRef>
-          <a:effectRef idx="0">
-            <a:schemeClr val="accent6"/>
-          </a:effectRef>
-          <a:fontRef idx="minor">
-            <a:schemeClr val="dk1"/>
-          </a:fontRef>
-        </p:style>
-        <p:txBody>
-          <a:bodyPr rtlCol="0" anchor="ctr"/>
-          <a:lstStyle/>
-          <a:p>
-            <a:pPr algn="ctr"/>
-            <a:r>
-              <a:rPr lang="en-US" dirty="0">
-                <a:solidFill>
-                  <a:sysClr val="windowText" lastClr="000000"/>
-                </a:solidFill>
-              </a:rPr>
-              <a:t>Final</a:t>
-            </a:r>
-          </a:p>
-        </p:txBody>
-      </p:sp>
-    </p:spTree>
-    <p:extLst>
-      <p:ext uri="{BB962C8B-B14F-4D97-AF65-F5344CB8AC3E}">
-        <p14:creationId xmlns:p14="http://schemas.microsoft.com/office/powerpoint/2010/main" val="3759229644"/>
-      </p:ext>
-    </p:extLst>
-  </p:cSld>
-  <p:clrMapOvr>
-    <a:masterClrMapping/>
-  </p:clrMapOvr>
-</p:sld>
-</file>
-
-<file path=ppt/slides/slide10.xml><?xml version="1.0" encoding="utf-8"?>
 <p:sld xmlns:a="http://schemas.openxmlformats.org/drawingml/2006/main" xmlns:r="http://schemas.openxmlformats.org/officeDocument/2006/relationships" xmlns:p="http://schemas.openxmlformats.org/presentationml/2006/main">
   <p:cSld>
     <p:spTree>
@@ -4584,2985 +3421,6 @@
       </p:grpSpPr>
       <p:sp>
         <p:nvSpPr>
-          <p:cNvPr id="17" name="Rectangle: Rounded Corners 16">
-            <a:extLst>
-              <a:ext uri="{FF2B5EF4-FFF2-40B4-BE49-F238E27FC236}">
-                <a16:creationId xmlns:a16="http://schemas.microsoft.com/office/drawing/2014/main" id="{0E440D4A-FC74-41CD-A135-19CE2715DEB7}"/>
-              </a:ext>
-            </a:extLst>
-          </p:cNvPr>
-          <p:cNvSpPr/>
-          <p:nvPr/>
-        </p:nvSpPr>
-        <p:spPr>
-          <a:xfrm>
-            <a:off x="5532383" y="3223832"/>
-            <a:ext cx="1905000" cy="3264243"/>
-          </a:xfrm>
-          <a:prstGeom prst="roundRect">
-            <a:avLst/>
-          </a:prstGeom>
-        </p:spPr>
-        <p:style>
-          <a:lnRef idx="2">
-            <a:schemeClr val="accent4"/>
-          </a:lnRef>
-          <a:fillRef idx="1">
-            <a:schemeClr val="lt1"/>
-          </a:fillRef>
-          <a:effectRef idx="0">
-            <a:schemeClr val="accent4"/>
-          </a:effectRef>
-          <a:fontRef idx="minor">
-            <a:schemeClr val="dk1"/>
-          </a:fontRef>
-        </p:style>
-        <p:txBody>
-          <a:bodyPr rtlCol="0" anchor="ctr"/>
-          <a:lstStyle/>
-          <a:p>
-            <a:pPr algn="ctr"/>
-            <a:r>
-              <a:rPr lang="en-US" dirty="0"/>
-              <a:t>Sprint Group B</a:t>
-            </a:r>
-          </a:p>
-        </p:txBody>
-      </p:sp>
-      <p:sp>
-        <p:nvSpPr>
-          <p:cNvPr id="18" name="Rectangle: Rounded Corners 17">
-            <a:extLst>
-              <a:ext uri="{FF2B5EF4-FFF2-40B4-BE49-F238E27FC236}">
-                <a16:creationId xmlns:a16="http://schemas.microsoft.com/office/drawing/2014/main" id="{513FA99E-E6C9-4987-83A1-D49A8393BB51}"/>
-              </a:ext>
-            </a:extLst>
-          </p:cNvPr>
-          <p:cNvSpPr/>
-          <p:nvPr/>
-        </p:nvSpPr>
-        <p:spPr>
-          <a:xfrm>
-            <a:off x="3619500" y="983769"/>
-            <a:ext cx="1905000" cy="1627877"/>
-          </a:xfrm>
-          <a:prstGeom prst="roundRect">
-            <a:avLst/>
-          </a:prstGeom>
-        </p:spPr>
-        <p:style>
-          <a:lnRef idx="2">
-            <a:schemeClr val="accent4"/>
-          </a:lnRef>
-          <a:fillRef idx="1">
-            <a:schemeClr val="lt1"/>
-          </a:fillRef>
-          <a:effectRef idx="0">
-            <a:schemeClr val="accent4"/>
-          </a:effectRef>
-          <a:fontRef idx="minor">
-            <a:schemeClr val="dk1"/>
-          </a:fontRef>
-        </p:style>
-        <p:txBody>
-          <a:bodyPr rtlCol="0" anchor="ctr"/>
-          <a:lstStyle/>
-          <a:p>
-            <a:pPr algn="ctr"/>
-            <a:r>
-              <a:rPr lang="en-US" dirty="0"/>
-              <a:t>Week </a:t>
-            </a:r>
-          </a:p>
-        </p:txBody>
-      </p:sp>
-      <p:sp>
-        <p:nvSpPr>
-          <p:cNvPr id="22" name="Rectangle: Rounded Corners 21">
-            <a:extLst>
-              <a:ext uri="{FF2B5EF4-FFF2-40B4-BE49-F238E27FC236}">
-                <a16:creationId xmlns:a16="http://schemas.microsoft.com/office/drawing/2014/main" id="{214C748F-B946-4C4D-9244-4CD4A8ADAE6D}"/>
-              </a:ext>
-            </a:extLst>
-          </p:cNvPr>
-          <p:cNvSpPr/>
-          <p:nvPr/>
-        </p:nvSpPr>
-        <p:spPr>
-          <a:xfrm>
-            <a:off x="1706617" y="1628052"/>
-            <a:ext cx="1905000" cy="3264243"/>
-          </a:xfrm>
-          <a:prstGeom prst="roundRect">
-            <a:avLst/>
-          </a:prstGeom>
-        </p:spPr>
-        <p:style>
-          <a:lnRef idx="2">
-            <a:schemeClr val="accent4"/>
-          </a:lnRef>
-          <a:fillRef idx="1">
-            <a:schemeClr val="lt1"/>
-          </a:fillRef>
-          <a:effectRef idx="0">
-            <a:schemeClr val="accent4"/>
-          </a:effectRef>
-          <a:fontRef idx="minor">
-            <a:schemeClr val="dk1"/>
-          </a:fontRef>
-        </p:style>
-        <p:txBody>
-          <a:bodyPr rtlCol="0" anchor="ctr"/>
-          <a:lstStyle/>
-          <a:p>
-            <a:pPr algn="ctr"/>
-            <a:r>
-              <a:rPr lang="en-US" dirty="0"/>
-              <a:t>Sprint Group A</a:t>
-            </a:r>
-          </a:p>
-        </p:txBody>
-      </p:sp>
-      <p:sp>
-        <p:nvSpPr>
-          <p:cNvPr id="23" name="Rectangle: Rounded Corners 22">
-            <a:extLst>
-              <a:ext uri="{FF2B5EF4-FFF2-40B4-BE49-F238E27FC236}">
-                <a16:creationId xmlns:a16="http://schemas.microsoft.com/office/drawing/2014/main" id="{8946E746-24E5-44F8-8C66-CAFD2A8A184B}"/>
-              </a:ext>
-            </a:extLst>
-          </p:cNvPr>
-          <p:cNvSpPr/>
-          <p:nvPr/>
-        </p:nvSpPr>
-        <p:spPr>
-          <a:xfrm>
-            <a:off x="3619500" y="2611646"/>
-            <a:ext cx="1905000" cy="1627877"/>
-          </a:xfrm>
-          <a:prstGeom prst="roundRect">
-            <a:avLst/>
-          </a:prstGeom>
-        </p:spPr>
-        <p:style>
-          <a:lnRef idx="2">
-            <a:schemeClr val="accent4"/>
-          </a:lnRef>
-          <a:fillRef idx="1">
-            <a:schemeClr val="lt1"/>
-          </a:fillRef>
-          <a:effectRef idx="0">
-            <a:schemeClr val="accent4"/>
-          </a:effectRef>
-          <a:fontRef idx="minor">
-            <a:schemeClr val="dk1"/>
-          </a:fontRef>
-        </p:style>
-        <p:txBody>
-          <a:bodyPr rtlCol="0" anchor="ctr"/>
-          <a:lstStyle/>
-          <a:p>
-            <a:pPr algn="ctr"/>
-            <a:r>
-              <a:rPr lang="en-US" dirty="0"/>
-              <a:t>Week </a:t>
-            </a:r>
-          </a:p>
-        </p:txBody>
-      </p:sp>
-      <p:sp>
-        <p:nvSpPr>
-          <p:cNvPr id="24" name="Rectangle: Rounded Corners 23">
-            <a:extLst>
-              <a:ext uri="{FF2B5EF4-FFF2-40B4-BE49-F238E27FC236}">
-                <a16:creationId xmlns:a16="http://schemas.microsoft.com/office/drawing/2014/main" id="{15EBF89F-E4C5-4D04-B851-94C5C971ABA2}"/>
-              </a:ext>
-            </a:extLst>
-          </p:cNvPr>
-          <p:cNvSpPr/>
-          <p:nvPr/>
-        </p:nvSpPr>
-        <p:spPr>
-          <a:xfrm>
-            <a:off x="3619500" y="4239523"/>
-            <a:ext cx="1905000" cy="1627877"/>
-          </a:xfrm>
-          <a:prstGeom prst="roundRect">
-            <a:avLst/>
-          </a:prstGeom>
-        </p:spPr>
-        <p:style>
-          <a:lnRef idx="2">
-            <a:schemeClr val="accent4"/>
-          </a:lnRef>
-          <a:fillRef idx="1">
-            <a:schemeClr val="lt1"/>
-          </a:fillRef>
-          <a:effectRef idx="0">
-            <a:schemeClr val="accent4"/>
-          </a:effectRef>
-          <a:fontRef idx="minor">
-            <a:schemeClr val="dk1"/>
-          </a:fontRef>
-        </p:style>
-        <p:txBody>
-          <a:bodyPr rtlCol="0" anchor="ctr"/>
-          <a:lstStyle/>
-          <a:p>
-            <a:pPr algn="ctr"/>
-            <a:r>
-              <a:rPr lang="en-US" dirty="0"/>
-              <a:t>Week</a:t>
-            </a:r>
-          </a:p>
-        </p:txBody>
-      </p:sp>
-      <p:sp>
-        <p:nvSpPr>
-          <p:cNvPr id="13" name="Rectangle: Rounded Corners 12">
-            <a:extLst>
-              <a:ext uri="{FF2B5EF4-FFF2-40B4-BE49-F238E27FC236}">
-                <a16:creationId xmlns:a16="http://schemas.microsoft.com/office/drawing/2014/main" id="{681684BB-59A4-484F-ACDE-6C14558F2CCD}"/>
-              </a:ext>
-            </a:extLst>
-          </p:cNvPr>
-          <p:cNvSpPr/>
-          <p:nvPr/>
-        </p:nvSpPr>
-        <p:spPr>
-          <a:xfrm>
-            <a:off x="3619500" y="5874231"/>
-            <a:ext cx="1905000" cy="1627877"/>
-          </a:xfrm>
-          <a:prstGeom prst="roundRect">
-            <a:avLst/>
-          </a:prstGeom>
-        </p:spPr>
-        <p:style>
-          <a:lnRef idx="2">
-            <a:schemeClr val="accent4"/>
-          </a:lnRef>
-          <a:fillRef idx="1">
-            <a:schemeClr val="lt1"/>
-          </a:fillRef>
-          <a:effectRef idx="0">
-            <a:schemeClr val="accent4"/>
-          </a:effectRef>
-          <a:fontRef idx="minor">
-            <a:schemeClr val="dk1"/>
-          </a:fontRef>
-        </p:style>
-        <p:txBody>
-          <a:bodyPr rtlCol="0" anchor="ctr"/>
-          <a:lstStyle/>
-          <a:p>
-            <a:pPr algn="ctr"/>
-            <a:r>
-              <a:rPr lang="en-US" dirty="0"/>
-              <a:t>Week </a:t>
-            </a:r>
-          </a:p>
-        </p:txBody>
-      </p:sp>
-      <p:sp>
-        <p:nvSpPr>
-          <p:cNvPr id="2" name="Title 1">
-            <a:extLst>
-              <a:ext uri="{FF2B5EF4-FFF2-40B4-BE49-F238E27FC236}">
-                <a16:creationId xmlns:a16="http://schemas.microsoft.com/office/drawing/2014/main" id="{75E0EAE5-9AA9-4848-8E2D-54D7F57AB360}"/>
-              </a:ext>
-            </a:extLst>
-          </p:cNvPr>
-          <p:cNvSpPr>
-            <a:spLocks noGrp="1"/>
-          </p:cNvSpPr>
-          <p:nvPr>
-            <p:ph type="title"/>
-          </p:nvPr>
-        </p:nvSpPr>
-        <p:spPr>
-          <a:solidFill>
-            <a:schemeClr val="bg1"/>
-          </a:solidFill>
-        </p:spPr>
-        <p:txBody>
-          <a:bodyPr/>
-          <a:lstStyle/>
-          <a:p>
-            <a:r>
-              <a:rPr lang="en-US" dirty="0"/>
-              <a:t>Two groups in class</a:t>
-            </a:r>
-          </a:p>
-        </p:txBody>
-      </p:sp>
-    </p:spTree>
-    <p:extLst>
-      <p:ext uri="{BB962C8B-B14F-4D97-AF65-F5344CB8AC3E}">
-        <p14:creationId xmlns:p14="http://schemas.microsoft.com/office/powerpoint/2010/main" val="2551999765"/>
-      </p:ext>
-    </p:extLst>
-  </p:cSld>
-  <p:clrMapOvr>
-    <a:masterClrMapping/>
-  </p:clrMapOvr>
-</p:sld>
-</file>
-
-<file path=ppt/slides/slide11.xml><?xml version="1.0" encoding="utf-8"?>
-<p:sld xmlns:a="http://schemas.openxmlformats.org/drawingml/2006/main" xmlns:r="http://schemas.openxmlformats.org/officeDocument/2006/relationships" xmlns:p="http://schemas.openxmlformats.org/presentationml/2006/main">
-  <p:cSld>
-    <p:spTree>
-      <p:nvGrpSpPr>
-        <p:cNvPr id="1" name=""/>
-        <p:cNvGrpSpPr/>
-        <p:nvPr/>
-      </p:nvGrpSpPr>
-      <p:grpSpPr>
-        <a:xfrm>
-          <a:off x="0" y="0"/>
-          <a:ext cx="0" cy="0"/>
-          <a:chOff x="0" y="0"/>
-          <a:chExt cx="0" cy="0"/>
-        </a:xfrm>
-      </p:grpSpPr>
-      <p:sp>
-        <p:nvSpPr>
-          <p:cNvPr id="2" name="Title 1">
-            <a:extLst>
-              <a:ext uri="{FF2B5EF4-FFF2-40B4-BE49-F238E27FC236}">
-                <a16:creationId xmlns:a16="http://schemas.microsoft.com/office/drawing/2014/main" id="{0C24082B-EC41-4186-B4DC-CB298AF8084D}"/>
-              </a:ext>
-            </a:extLst>
-          </p:cNvPr>
-          <p:cNvSpPr>
-            <a:spLocks noGrp="1"/>
-          </p:cNvSpPr>
-          <p:nvPr>
-            <p:ph type="title"/>
-          </p:nvPr>
-        </p:nvSpPr>
-        <p:spPr/>
-        <p:txBody>
-          <a:bodyPr>
-            <a:normAutofit fontScale="90000"/>
-          </a:bodyPr>
-          <a:lstStyle/>
-          <a:p>
-            <a:r>
-              <a:rPr lang="en-US" dirty="0"/>
-              <a:t>What can I work on during a Sprint?</a:t>
-            </a:r>
-          </a:p>
-        </p:txBody>
-      </p:sp>
-      <p:sp>
-        <p:nvSpPr>
-          <p:cNvPr id="3" name="Content Placeholder 2">
-            <a:extLst>
-              <a:ext uri="{FF2B5EF4-FFF2-40B4-BE49-F238E27FC236}">
-                <a16:creationId xmlns:a16="http://schemas.microsoft.com/office/drawing/2014/main" id="{A231C8C5-B0CC-4008-AA5D-DCA2F8E57EB8}"/>
-              </a:ext>
-            </a:extLst>
-          </p:cNvPr>
-          <p:cNvSpPr>
-            <a:spLocks noGrp="1"/>
-          </p:cNvSpPr>
-          <p:nvPr>
-            <p:ph idx="1"/>
-          </p:nvPr>
-        </p:nvSpPr>
-        <p:spPr/>
-        <p:txBody>
-          <a:bodyPr/>
-          <a:lstStyle/>
-          <a:p>
-            <a:pPr marL="0" indent="0">
-              <a:buNone/>
-            </a:pPr>
-            <a:r>
-              <a:rPr lang="en-US" dirty="0"/>
-              <a:t>It’s up to you, as long as…</a:t>
-            </a:r>
-          </a:p>
-          <a:p>
-            <a:r>
-              <a:rPr lang="en-US" dirty="0"/>
-              <a:t>It’s relevant to the class</a:t>
-            </a:r>
-          </a:p>
-          <a:p>
-            <a:r>
-              <a:rPr lang="en-US" dirty="0"/>
-              <a:t>Covers the core pillars</a:t>
-            </a:r>
-          </a:p>
-          <a:p>
-            <a:r>
-              <a:rPr lang="en-US" dirty="0"/>
-              <a:t>Isn’t another assignment/work/project</a:t>
-            </a:r>
-          </a:p>
-        </p:txBody>
-      </p:sp>
-    </p:spTree>
-    <p:extLst>
-      <p:ext uri="{BB962C8B-B14F-4D97-AF65-F5344CB8AC3E}">
-        <p14:creationId xmlns:p14="http://schemas.microsoft.com/office/powerpoint/2010/main" val="2710456142"/>
-      </p:ext>
-    </p:extLst>
-  </p:cSld>
-  <p:clrMapOvr>
-    <a:masterClrMapping/>
-  </p:clrMapOvr>
-</p:sld>
-</file>
-
-<file path=ppt/slides/slide12.xml><?xml version="1.0" encoding="utf-8"?>
-<p:sld xmlns:a="http://schemas.openxmlformats.org/drawingml/2006/main" xmlns:r="http://schemas.openxmlformats.org/officeDocument/2006/relationships" xmlns:p="http://schemas.openxmlformats.org/presentationml/2006/main">
-  <p:cSld>
-    <p:spTree>
-      <p:nvGrpSpPr>
-        <p:cNvPr id="1" name=""/>
-        <p:cNvGrpSpPr/>
-        <p:nvPr/>
-      </p:nvGrpSpPr>
-      <p:grpSpPr>
-        <a:xfrm>
-          <a:off x="0" y="0"/>
-          <a:ext cx="0" cy="0"/>
-          <a:chOff x="0" y="0"/>
-          <a:chExt cx="0" cy="0"/>
-        </a:xfrm>
-      </p:grpSpPr>
-      <p:sp>
-        <p:nvSpPr>
-          <p:cNvPr id="2" name="Title 1">
-            <a:extLst>
-              <a:ext uri="{FF2B5EF4-FFF2-40B4-BE49-F238E27FC236}">
-                <a16:creationId xmlns:a16="http://schemas.microsoft.com/office/drawing/2014/main" id="{C3751185-F855-4918-B086-090DB565E6C5}"/>
-              </a:ext>
-            </a:extLst>
-          </p:cNvPr>
-          <p:cNvSpPr>
-            <a:spLocks noGrp="1"/>
-          </p:cNvSpPr>
-          <p:nvPr>
-            <p:ph type="title"/>
-          </p:nvPr>
-        </p:nvSpPr>
-        <p:spPr/>
-        <p:txBody>
-          <a:bodyPr/>
-          <a:lstStyle/>
-          <a:p>
-            <a:r>
-              <a:rPr lang="en-US" dirty="0"/>
-              <a:t>How are sprints graded?</a:t>
-            </a:r>
-          </a:p>
-        </p:txBody>
-      </p:sp>
-      <p:sp>
-        <p:nvSpPr>
-          <p:cNvPr id="3" name="Content Placeholder 2">
-            <a:extLst>
-              <a:ext uri="{FF2B5EF4-FFF2-40B4-BE49-F238E27FC236}">
-                <a16:creationId xmlns:a16="http://schemas.microsoft.com/office/drawing/2014/main" id="{23746DE9-A98C-4774-8E4D-FD4AAD9C11E8}"/>
-              </a:ext>
-            </a:extLst>
-          </p:cNvPr>
-          <p:cNvSpPr>
-            <a:spLocks noGrp="1"/>
-          </p:cNvSpPr>
-          <p:nvPr>
-            <p:ph idx="1"/>
-          </p:nvPr>
-        </p:nvSpPr>
-        <p:spPr/>
-        <p:txBody>
-          <a:bodyPr>
-            <a:normAutofit lnSpcReduction="10000"/>
-          </a:bodyPr>
-          <a:lstStyle/>
-          <a:p>
-            <a:pPr marL="514350" indent="-514350">
-              <a:buFont typeface="+mj-lt"/>
-              <a:buAutoNum type="arabicPeriod"/>
-            </a:pPr>
-            <a:r>
-              <a:rPr lang="en-US" dirty="0"/>
-              <a:t>Preparation</a:t>
-            </a:r>
-          </a:p>
-          <a:p>
-            <a:pPr marL="914400" lvl="1" indent="-514350">
-              <a:buFont typeface="+mj-lt"/>
-              <a:buAutoNum type="arabicPeriod"/>
-            </a:pPr>
-            <a:r>
-              <a:rPr lang="en-US" dirty="0"/>
-              <a:t>Do you have something to show?</a:t>
-            </a:r>
-          </a:p>
-          <a:p>
-            <a:pPr marL="514350" indent="-514350">
-              <a:buFont typeface="+mj-lt"/>
-              <a:buAutoNum type="arabicPeriod"/>
-            </a:pPr>
-            <a:r>
-              <a:rPr lang="en-US" dirty="0"/>
-              <a:t>Self assessment.</a:t>
-            </a:r>
-          </a:p>
-          <a:p>
-            <a:pPr marL="914400" lvl="1" indent="-514350">
-              <a:buFont typeface="+mj-lt"/>
-              <a:buAutoNum type="arabicPeriod"/>
-            </a:pPr>
-            <a:r>
-              <a:rPr lang="en-US" dirty="0"/>
-              <a:t>Did I spend hours and hours outside of class working on this sprint?</a:t>
-            </a:r>
-          </a:p>
-          <a:p>
-            <a:pPr marL="514350" indent="-514350">
-              <a:buFont typeface="+mj-lt"/>
-              <a:buAutoNum type="arabicPeriod"/>
-            </a:pPr>
-            <a:r>
-              <a:rPr lang="en-US" dirty="0"/>
-              <a:t>My assessment.</a:t>
-            </a:r>
-          </a:p>
-          <a:p>
-            <a:pPr marL="914400" lvl="1" indent="-514350">
-              <a:buFont typeface="+mj-lt"/>
-              <a:buAutoNum type="arabicPeriod"/>
-            </a:pPr>
-            <a:r>
-              <a:rPr lang="en-US" dirty="0"/>
-              <a:t>You can communicate fluently about the project.</a:t>
-            </a:r>
-          </a:p>
-          <a:p>
-            <a:pPr marL="914400" lvl="1" indent="-514350">
-              <a:buFont typeface="+mj-lt"/>
-              <a:buAutoNum type="arabicPeriod"/>
-            </a:pPr>
-            <a:r>
-              <a:rPr lang="en-US" dirty="0"/>
-              <a:t>You are participating in class.</a:t>
-            </a:r>
-          </a:p>
-          <a:p>
-            <a:pPr marL="914400" lvl="1" indent="-514350">
-              <a:buFont typeface="+mj-lt"/>
-              <a:buAutoNum type="arabicPeriod"/>
-            </a:pPr>
-            <a:r>
-              <a:rPr lang="en-US" dirty="0"/>
-              <a:t>What you achieved in your sprint.</a:t>
-            </a:r>
-          </a:p>
-        </p:txBody>
-      </p:sp>
-    </p:spTree>
-    <p:extLst>
-      <p:ext uri="{BB962C8B-B14F-4D97-AF65-F5344CB8AC3E}">
-        <p14:creationId xmlns:p14="http://schemas.microsoft.com/office/powerpoint/2010/main" val="813361690"/>
-      </p:ext>
-    </p:extLst>
-  </p:cSld>
-  <p:clrMapOvr>
-    <a:masterClrMapping/>
-  </p:clrMapOvr>
-</p:sld>
-</file>
-
-<file path=ppt/slides/slide13.xml><?xml version="1.0" encoding="utf-8"?>
-<p:sld xmlns:a="http://schemas.openxmlformats.org/drawingml/2006/main" xmlns:r="http://schemas.openxmlformats.org/officeDocument/2006/relationships" xmlns:p="http://schemas.openxmlformats.org/presentationml/2006/main">
-  <p:cSld>
-    <p:spTree>
-      <p:nvGrpSpPr>
-        <p:cNvPr id="1" name=""/>
-        <p:cNvGrpSpPr/>
-        <p:nvPr/>
-      </p:nvGrpSpPr>
-      <p:grpSpPr>
-        <a:xfrm>
-          <a:off x="0" y="0"/>
-          <a:ext cx="0" cy="0"/>
-          <a:chOff x="0" y="0"/>
-          <a:chExt cx="0" cy="0"/>
-        </a:xfrm>
-      </p:grpSpPr>
-      <p:sp>
-        <p:nvSpPr>
-          <p:cNvPr id="2" name="Title 1">
-            <a:extLst>
-              <a:ext uri="{FF2B5EF4-FFF2-40B4-BE49-F238E27FC236}">
-                <a16:creationId xmlns:a16="http://schemas.microsoft.com/office/drawing/2014/main" id="{5E68C443-861F-47C1-9FCD-AE2758DE2CC1}"/>
-              </a:ext>
-            </a:extLst>
-          </p:cNvPr>
-          <p:cNvSpPr>
-            <a:spLocks noGrp="1"/>
-          </p:cNvSpPr>
-          <p:nvPr>
-            <p:ph type="title"/>
-          </p:nvPr>
-        </p:nvSpPr>
-        <p:spPr/>
-        <p:txBody>
-          <a:bodyPr/>
-          <a:lstStyle/>
-          <a:p>
-            <a:r>
-              <a:rPr lang="en-US" dirty="0"/>
-              <a:t>Things to remember</a:t>
-            </a:r>
-          </a:p>
-        </p:txBody>
-      </p:sp>
-      <p:sp>
-        <p:nvSpPr>
-          <p:cNvPr id="3" name="Content Placeholder 2">
-            <a:extLst>
-              <a:ext uri="{FF2B5EF4-FFF2-40B4-BE49-F238E27FC236}">
-                <a16:creationId xmlns:a16="http://schemas.microsoft.com/office/drawing/2014/main" id="{3296FF32-E347-4F2E-B427-830FB22D1969}"/>
-              </a:ext>
-            </a:extLst>
-          </p:cNvPr>
-          <p:cNvSpPr>
-            <a:spLocks noGrp="1"/>
-          </p:cNvSpPr>
-          <p:nvPr>
-            <p:ph idx="1"/>
-          </p:nvPr>
-        </p:nvSpPr>
-        <p:spPr/>
-        <p:txBody>
-          <a:bodyPr/>
-          <a:lstStyle/>
-          <a:p>
-            <a:r>
-              <a:rPr lang="en-US" dirty="0"/>
-              <a:t>W = Instruction</a:t>
-            </a:r>
-          </a:p>
-          <a:p>
-            <a:r>
-              <a:rPr lang="en-US" dirty="0"/>
-              <a:t>M = Work on Sprint</a:t>
-            </a:r>
-          </a:p>
-          <a:p>
-            <a:r>
-              <a:rPr lang="en-US" dirty="0"/>
-              <a:t>3 Absences and you’re dropped.</a:t>
-            </a:r>
-          </a:p>
-          <a:p>
-            <a:r>
-              <a:rPr lang="en-US" dirty="0"/>
-              <a:t>Relax. </a:t>
-            </a:r>
-          </a:p>
-        </p:txBody>
-      </p:sp>
-    </p:spTree>
-    <p:extLst>
-      <p:ext uri="{BB962C8B-B14F-4D97-AF65-F5344CB8AC3E}">
-        <p14:creationId xmlns:p14="http://schemas.microsoft.com/office/powerpoint/2010/main" val="2746404873"/>
-      </p:ext>
-    </p:extLst>
-  </p:cSld>
-  <p:clrMapOvr>
-    <a:masterClrMapping/>
-  </p:clrMapOvr>
-</p:sld>
-</file>
-
-<file path=ppt/slides/slide2.xml><?xml version="1.0" encoding="utf-8"?>
-<p:sld xmlns:a="http://schemas.openxmlformats.org/drawingml/2006/main" xmlns:r="http://schemas.openxmlformats.org/officeDocument/2006/relationships" xmlns:p="http://schemas.openxmlformats.org/presentationml/2006/main" show="0">
-  <p:cSld>
-    <p:spTree>
-      <p:nvGrpSpPr>
-        <p:cNvPr id="1" name=""/>
-        <p:cNvGrpSpPr/>
-        <p:nvPr/>
-      </p:nvGrpSpPr>
-      <p:grpSpPr>
-        <a:xfrm>
-          <a:off x="0" y="0"/>
-          <a:ext cx="0" cy="0"/>
-          <a:chOff x="0" y="0"/>
-          <a:chExt cx="0" cy="0"/>
-        </a:xfrm>
-      </p:grpSpPr>
-      <p:sp>
-        <p:nvSpPr>
-          <p:cNvPr id="2" name="Title 1">
-            <a:extLst>
-              <a:ext uri="{FF2B5EF4-FFF2-40B4-BE49-F238E27FC236}">
-                <a16:creationId xmlns:a16="http://schemas.microsoft.com/office/drawing/2014/main" id="{BBFAC1D5-23B5-4911-A2B5-49907AC146DA}"/>
-              </a:ext>
-            </a:extLst>
-          </p:cNvPr>
-          <p:cNvSpPr>
-            <a:spLocks noGrp="1"/>
-          </p:cNvSpPr>
-          <p:nvPr>
-            <p:ph type="title"/>
-          </p:nvPr>
-        </p:nvSpPr>
-        <p:spPr/>
-        <p:txBody>
-          <a:bodyPr/>
-          <a:lstStyle/>
-          <a:p>
-            <a:r>
-              <a:rPr lang="en-US" dirty="0"/>
-              <a:t>Agile Classroom</a:t>
-            </a:r>
-          </a:p>
-        </p:txBody>
-      </p:sp>
-      <p:graphicFrame>
-        <p:nvGraphicFramePr>
-          <p:cNvPr id="7" name="Content Placeholder 6">
-            <a:extLst>
-              <a:ext uri="{FF2B5EF4-FFF2-40B4-BE49-F238E27FC236}">
-                <a16:creationId xmlns:a16="http://schemas.microsoft.com/office/drawing/2014/main" id="{AFAD626F-1F55-490D-B2A3-05C2F47AF9A9}"/>
-              </a:ext>
-            </a:extLst>
-          </p:cNvPr>
-          <p:cNvGraphicFramePr>
-            <a:graphicFrameLocks noGrp="1"/>
-          </p:cNvGraphicFramePr>
-          <p:nvPr>
-            <p:ph idx="1"/>
-            <p:extLst>
-              <p:ext uri="{D42A27DB-BD31-4B8C-83A1-F6EECF244321}">
-                <p14:modId xmlns:p14="http://schemas.microsoft.com/office/powerpoint/2010/main" val="4124118370"/>
-              </p:ext>
-            </p:extLst>
-          </p:nvPr>
-        </p:nvGraphicFramePr>
-        <p:xfrm>
-          <a:off x="457200" y="1600200"/>
-          <a:ext cx="8229600" cy="2931160"/>
-        </p:xfrm>
-        <a:graphic>
-          <a:graphicData uri="http://schemas.openxmlformats.org/drawingml/2006/table">
-            <a:tbl>
-              <a:tblPr firstRow="1" bandRow="1">
-                <a:tableStyleId>{3B4B98B0-60AC-42C2-AFA5-B58CD77FA1E5}</a:tableStyleId>
-              </a:tblPr>
-              <a:tblGrid>
-                <a:gridCol w="2057400">
-                  <a:extLst>
-                    <a:ext uri="{9D8B030D-6E8A-4147-A177-3AD203B41FA5}">
-                      <a16:colId xmlns:a16="http://schemas.microsoft.com/office/drawing/2014/main" val="4068273127"/>
-                    </a:ext>
-                  </a:extLst>
-                </a:gridCol>
-                <a:gridCol w="2057400">
-                  <a:extLst>
-                    <a:ext uri="{9D8B030D-6E8A-4147-A177-3AD203B41FA5}">
-                      <a16:colId xmlns:a16="http://schemas.microsoft.com/office/drawing/2014/main" val="1460305768"/>
-                    </a:ext>
-                  </a:extLst>
-                </a:gridCol>
-                <a:gridCol w="2057400">
-                  <a:extLst>
-                    <a:ext uri="{9D8B030D-6E8A-4147-A177-3AD203B41FA5}">
-                      <a16:colId xmlns:a16="http://schemas.microsoft.com/office/drawing/2014/main" val="715681352"/>
-                    </a:ext>
-                  </a:extLst>
-                </a:gridCol>
-                <a:gridCol w="2057400">
-                  <a:extLst>
-                    <a:ext uri="{9D8B030D-6E8A-4147-A177-3AD203B41FA5}">
-                      <a16:colId xmlns:a16="http://schemas.microsoft.com/office/drawing/2014/main" val="2199464591"/>
-                    </a:ext>
-                  </a:extLst>
-                </a:gridCol>
-              </a:tblGrid>
-              <a:tr h="370840">
-                <a:tc>
-                  <a:txBody>
-                    <a:bodyPr/>
-                    <a:lstStyle/>
-                    <a:p>
-                      <a:r>
-                        <a:rPr lang="en-US" dirty="0"/>
-                        <a:t>Day of the Week</a:t>
-                      </a:r>
-                    </a:p>
-                  </a:txBody>
-                  <a:tcPr/>
-                </a:tc>
-                <a:tc>
-                  <a:txBody>
-                    <a:bodyPr/>
-                    <a:lstStyle/>
-                    <a:p>
-                      <a:r>
-                        <a:rPr lang="en-US" dirty="0"/>
-                        <a:t>In Class</a:t>
-                      </a:r>
-                    </a:p>
-                  </a:txBody>
-                  <a:tcPr/>
-                </a:tc>
-                <a:tc>
-                  <a:txBody>
-                    <a:bodyPr/>
-                    <a:lstStyle/>
-                    <a:p>
-                      <a:r>
-                        <a:rPr lang="en-US" dirty="0"/>
-                        <a:t>Group A</a:t>
-                      </a:r>
-                    </a:p>
-                  </a:txBody>
-                  <a:tcPr/>
-                </a:tc>
-                <a:tc>
-                  <a:txBody>
-                    <a:bodyPr/>
-                    <a:lstStyle/>
-                    <a:p>
-                      <a:r>
-                        <a:rPr lang="en-US" dirty="0"/>
-                        <a:t>Group B</a:t>
-                      </a:r>
-                    </a:p>
-                  </a:txBody>
-                  <a:tcPr/>
-                </a:tc>
-                <a:extLst>
-                  <a:ext uri="{0D108BD9-81ED-4DB2-BD59-A6C34878D82A}">
-                    <a16:rowId xmlns:a16="http://schemas.microsoft.com/office/drawing/2014/main" val="2014624662"/>
-                  </a:ext>
-                </a:extLst>
-              </a:tr>
-              <a:tr h="370840">
-                <a:tc>
-                  <a:txBody>
-                    <a:bodyPr/>
-                    <a:lstStyle/>
-                    <a:p>
-                      <a:r>
-                        <a:rPr lang="en-US" dirty="0"/>
-                        <a:t>Wednesday</a:t>
-                      </a:r>
-                    </a:p>
-                  </a:txBody>
-                  <a:tcPr/>
-                </a:tc>
-                <a:tc>
-                  <a:txBody>
-                    <a:bodyPr/>
-                    <a:lstStyle/>
-                    <a:p>
-                      <a:r>
-                        <a:rPr lang="en-US" dirty="0"/>
-                        <a:t>Guided Programming</a:t>
-                      </a:r>
-                    </a:p>
-                  </a:txBody>
-                  <a:tcPr/>
-                </a:tc>
-                <a:tc>
-                  <a:txBody>
-                    <a:bodyPr/>
-                    <a:lstStyle/>
-                    <a:p>
-                      <a:r>
-                        <a:rPr lang="en-US" dirty="0"/>
-                        <a:t>Participate</a:t>
-                      </a:r>
-                    </a:p>
-                  </a:txBody>
-                  <a:tcPr/>
-                </a:tc>
-                <a:tc>
-                  <a:txBody>
-                    <a:bodyPr/>
-                    <a:lstStyle/>
-                    <a:p>
-                      <a:r>
-                        <a:rPr lang="en-US" dirty="0"/>
-                        <a:t>Patriciate</a:t>
-                      </a:r>
-                    </a:p>
-                  </a:txBody>
-                  <a:tcPr/>
-                </a:tc>
-                <a:extLst>
-                  <a:ext uri="{0D108BD9-81ED-4DB2-BD59-A6C34878D82A}">
-                    <a16:rowId xmlns:a16="http://schemas.microsoft.com/office/drawing/2014/main" val="424924670"/>
-                  </a:ext>
-                </a:extLst>
-              </a:tr>
-              <a:tr h="370840">
-                <a:tc>
-                  <a:txBody>
-                    <a:bodyPr/>
-                    <a:lstStyle/>
-                    <a:p>
-                      <a:r>
-                        <a:rPr lang="en-US" dirty="0"/>
-                        <a:t>Monday</a:t>
-                      </a:r>
-                    </a:p>
-                  </a:txBody>
-                  <a:tcPr/>
-                </a:tc>
-                <a:tc>
-                  <a:txBody>
-                    <a:bodyPr/>
-                    <a:lstStyle/>
-                    <a:p>
-                      <a:r>
-                        <a:rPr lang="en-US" dirty="0"/>
-                        <a:t>Work on Sprint</a:t>
-                      </a:r>
-                    </a:p>
-                  </a:txBody>
-                  <a:tcPr/>
-                </a:tc>
-                <a:tc>
-                  <a:txBody>
-                    <a:bodyPr/>
-                    <a:lstStyle/>
-                    <a:p>
-                      <a:r>
-                        <a:rPr lang="en-US" dirty="0"/>
-                        <a:t>Sprint reviews + Work on Sprint</a:t>
-                      </a:r>
-                    </a:p>
-                  </a:txBody>
-                  <a:tcPr/>
-                </a:tc>
-                <a:tc>
-                  <a:txBody>
-                    <a:bodyPr/>
-                    <a:lstStyle/>
-                    <a:p>
-                      <a:r>
-                        <a:rPr lang="en-US" dirty="0"/>
-                        <a:t>Work on Sprint</a:t>
-                      </a:r>
-                    </a:p>
-                  </a:txBody>
-                  <a:tcPr/>
-                </a:tc>
-                <a:extLst>
-                  <a:ext uri="{0D108BD9-81ED-4DB2-BD59-A6C34878D82A}">
-                    <a16:rowId xmlns:a16="http://schemas.microsoft.com/office/drawing/2014/main" val="4261032178"/>
-                  </a:ext>
-                </a:extLst>
-              </a:tr>
-              <a:tr h="370840">
-                <a:tc>
-                  <a:txBody>
-                    <a:bodyPr/>
-                    <a:lstStyle/>
-                    <a:p>
-                      <a:r>
-                        <a:rPr lang="en-US" dirty="0"/>
-                        <a:t>Wednesday</a:t>
-                      </a:r>
-                    </a:p>
-                  </a:txBody>
-                  <a:tcPr/>
-                </a:tc>
-                <a:tc>
-                  <a:txBody>
-                    <a:bodyPr/>
-                    <a:lstStyle/>
-                    <a:p>
-                      <a:r>
-                        <a:rPr lang="en-US" dirty="0"/>
-                        <a:t>Prof-led Programming</a:t>
-                      </a:r>
-                    </a:p>
-                  </a:txBody>
-                  <a:tcPr/>
-                </a:tc>
-                <a:tc>
-                  <a:txBody>
-                    <a:bodyPr/>
-                    <a:lstStyle/>
-                    <a:p>
-                      <a:r>
-                        <a:rPr lang="en-US" dirty="0"/>
-                        <a:t>Participate</a:t>
-                      </a:r>
-                    </a:p>
-                  </a:txBody>
-                  <a:tcPr/>
-                </a:tc>
-                <a:tc>
-                  <a:txBody>
-                    <a:bodyPr/>
-                    <a:lstStyle/>
-                    <a:p>
-                      <a:r>
-                        <a:rPr lang="en-US" dirty="0"/>
-                        <a:t>Participate</a:t>
-                      </a:r>
-                    </a:p>
-                  </a:txBody>
-                  <a:tcPr/>
-                </a:tc>
-                <a:extLst>
-                  <a:ext uri="{0D108BD9-81ED-4DB2-BD59-A6C34878D82A}">
-                    <a16:rowId xmlns:a16="http://schemas.microsoft.com/office/drawing/2014/main" val="1461751459"/>
-                  </a:ext>
-                </a:extLst>
-              </a:tr>
-              <a:tr h="370840">
-                <a:tc>
-                  <a:txBody>
-                    <a:bodyPr/>
-                    <a:lstStyle/>
-                    <a:p>
-                      <a:r>
-                        <a:rPr lang="en-US" dirty="0"/>
-                        <a:t>Monday</a:t>
-                      </a:r>
-                    </a:p>
-                  </a:txBody>
-                  <a:tcPr/>
-                </a:tc>
-                <a:tc>
-                  <a:txBody>
-                    <a:bodyPr/>
-                    <a:lstStyle/>
-                    <a:p>
-                      <a:r>
-                        <a:rPr lang="en-US" dirty="0"/>
-                        <a:t>Guided Programming</a:t>
-                      </a:r>
-                    </a:p>
-                  </a:txBody>
-                  <a:tcPr/>
-                </a:tc>
-                <a:tc>
-                  <a:txBody>
-                    <a:bodyPr/>
-                    <a:lstStyle/>
-                    <a:p>
-                      <a:r>
-                        <a:rPr lang="en-US" dirty="0"/>
-                        <a:t>Work on Sprint</a:t>
-                      </a:r>
-                    </a:p>
-                  </a:txBody>
-                  <a:tcPr/>
-                </a:tc>
-                <a:tc>
-                  <a:txBody>
-                    <a:bodyPr/>
-                    <a:lstStyle/>
-                    <a:p>
-                      <a:r>
-                        <a:rPr lang="en-US" dirty="0"/>
-                        <a:t>Sprint Reviews + Work on Sprint</a:t>
-                      </a:r>
-                    </a:p>
-                  </a:txBody>
-                  <a:tcPr/>
-                </a:tc>
-                <a:extLst>
-                  <a:ext uri="{0D108BD9-81ED-4DB2-BD59-A6C34878D82A}">
-                    <a16:rowId xmlns:a16="http://schemas.microsoft.com/office/drawing/2014/main" val="1648805972"/>
-                  </a:ext>
-                </a:extLst>
-              </a:tr>
-            </a:tbl>
-          </a:graphicData>
-        </a:graphic>
-      </p:graphicFrame>
-    </p:spTree>
-    <p:extLst>
-      <p:ext uri="{BB962C8B-B14F-4D97-AF65-F5344CB8AC3E}">
-        <p14:creationId xmlns:p14="http://schemas.microsoft.com/office/powerpoint/2010/main" val="1825005763"/>
-      </p:ext>
-    </p:extLst>
-  </p:cSld>
-  <p:clrMapOvr>
-    <a:masterClrMapping/>
-  </p:clrMapOvr>
-</p:sld>
-</file>
-
-<file path=ppt/slides/slide3.xml><?xml version="1.0" encoding="utf-8"?>
-<p:sld xmlns:a="http://schemas.openxmlformats.org/drawingml/2006/main" xmlns:r="http://schemas.openxmlformats.org/officeDocument/2006/relationships" xmlns:p="http://schemas.openxmlformats.org/presentationml/2006/main" show="0">
-  <p:cSld>
-    <p:spTree>
-      <p:nvGrpSpPr>
-        <p:cNvPr id="1" name=""/>
-        <p:cNvGrpSpPr/>
-        <p:nvPr/>
-      </p:nvGrpSpPr>
-      <p:grpSpPr>
-        <a:xfrm>
-          <a:off x="0" y="0"/>
-          <a:ext cx="0" cy="0"/>
-          <a:chOff x="0" y="0"/>
-          <a:chExt cx="0" cy="0"/>
-        </a:xfrm>
-      </p:grpSpPr>
-      <p:sp>
-        <p:nvSpPr>
-          <p:cNvPr id="5" name="Rectangle: Rounded Corners 4">
-            <a:extLst>
-              <a:ext uri="{FF2B5EF4-FFF2-40B4-BE49-F238E27FC236}">
-                <a16:creationId xmlns:a16="http://schemas.microsoft.com/office/drawing/2014/main" id="{3D904E24-919D-40EC-A71D-58A14306F52F}"/>
-              </a:ext>
-            </a:extLst>
-          </p:cNvPr>
-          <p:cNvSpPr/>
-          <p:nvPr/>
-        </p:nvSpPr>
-        <p:spPr>
-          <a:xfrm>
-            <a:off x="228600" y="228600"/>
-            <a:ext cx="3429000" cy="6400800"/>
-          </a:xfrm>
-          <a:prstGeom prst="roundRect">
-            <a:avLst/>
-          </a:prstGeom>
-          <a:noFill/>
-        </p:spPr>
-        <p:style>
-          <a:lnRef idx="2">
-            <a:schemeClr val="accent1">
-              <a:shade val="50000"/>
-            </a:schemeClr>
-          </a:lnRef>
-          <a:fillRef idx="1">
-            <a:schemeClr val="accent1"/>
-          </a:fillRef>
-          <a:effectRef idx="0">
-            <a:schemeClr val="accent1"/>
-          </a:effectRef>
-          <a:fontRef idx="minor">
-            <a:schemeClr val="lt1"/>
-          </a:fontRef>
-        </p:style>
-        <p:txBody>
-          <a:bodyPr rtlCol="0" anchor="ctr"/>
-          <a:lstStyle/>
-          <a:p>
-            <a:pPr algn="ctr"/>
-            <a:endParaRPr lang="en-US" dirty="0"/>
-          </a:p>
-        </p:txBody>
-      </p:sp>
-      <p:sp>
-        <p:nvSpPr>
-          <p:cNvPr id="6" name="TextBox 5">
-            <a:extLst>
-              <a:ext uri="{FF2B5EF4-FFF2-40B4-BE49-F238E27FC236}">
-                <a16:creationId xmlns:a16="http://schemas.microsoft.com/office/drawing/2014/main" id="{6E7E0898-1254-4E64-8175-97EDD7C9479E}"/>
-              </a:ext>
-            </a:extLst>
-          </p:cNvPr>
-          <p:cNvSpPr txBox="1"/>
-          <p:nvPr/>
-        </p:nvSpPr>
-        <p:spPr>
-          <a:xfrm>
-            <a:off x="533400" y="685800"/>
-            <a:ext cx="2819400" cy="369332"/>
-          </a:xfrm>
-          <a:prstGeom prst="rect">
-            <a:avLst/>
-          </a:prstGeom>
-          <a:ln>
-            <a:noFill/>
-          </a:ln>
-        </p:spPr>
-        <p:style>
-          <a:lnRef idx="2">
-            <a:schemeClr val="dk1"/>
-          </a:lnRef>
-          <a:fillRef idx="1">
-            <a:schemeClr val="lt1"/>
-          </a:fillRef>
-          <a:effectRef idx="0">
-            <a:schemeClr val="dk1"/>
-          </a:effectRef>
-          <a:fontRef idx="minor">
-            <a:schemeClr val="dk1"/>
-          </a:fontRef>
-        </p:style>
-        <p:txBody>
-          <a:bodyPr wrap="square" rtlCol="0">
-            <a:spAutoFit/>
-          </a:bodyPr>
-          <a:lstStyle/>
-          <a:p>
-            <a:pPr algn="ctr"/>
-            <a:r>
-              <a:rPr lang="en-US" dirty="0"/>
-              <a:t>Week 1</a:t>
-            </a:r>
-          </a:p>
-        </p:txBody>
-      </p:sp>
-      <p:sp>
-        <p:nvSpPr>
-          <p:cNvPr id="7" name="TextBox 6">
-            <a:extLst>
-              <a:ext uri="{FF2B5EF4-FFF2-40B4-BE49-F238E27FC236}">
-                <a16:creationId xmlns:a16="http://schemas.microsoft.com/office/drawing/2014/main" id="{CDAA671B-4D26-4715-BF76-F10BBE9BA1D0}"/>
-              </a:ext>
-            </a:extLst>
-          </p:cNvPr>
-          <p:cNvSpPr txBox="1"/>
-          <p:nvPr/>
-        </p:nvSpPr>
-        <p:spPr>
-          <a:xfrm>
-            <a:off x="533400" y="5943600"/>
-            <a:ext cx="2819400" cy="369332"/>
-          </a:xfrm>
-          <a:prstGeom prst="rect">
-            <a:avLst/>
-          </a:prstGeom>
-          <a:ln>
-            <a:noFill/>
-          </a:ln>
-        </p:spPr>
-        <p:style>
-          <a:lnRef idx="2">
-            <a:schemeClr val="dk1"/>
-          </a:lnRef>
-          <a:fillRef idx="1">
-            <a:schemeClr val="lt1"/>
-          </a:fillRef>
-          <a:effectRef idx="0">
-            <a:schemeClr val="dk1"/>
-          </a:effectRef>
-          <a:fontRef idx="minor">
-            <a:schemeClr val="dk1"/>
-          </a:fontRef>
-        </p:style>
-        <p:txBody>
-          <a:bodyPr wrap="square" rtlCol="0">
-            <a:spAutoFit/>
-          </a:bodyPr>
-          <a:lstStyle/>
-          <a:p>
-            <a:pPr algn="ctr"/>
-            <a:r>
-              <a:rPr lang="en-US" dirty="0"/>
-              <a:t>Week 16</a:t>
-            </a:r>
-          </a:p>
-        </p:txBody>
-      </p:sp>
-      <p:cxnSp>
-        <p:nvCxnSpPr>
-          <p:cNvPr id="9" name="Straight Arrow Connector 8">
-            <a:extLst>
-              <a:ext uri="{FF2B5EF4-FFF2-40B4-BE49-F238E27FC236}">
-                <a16:creationId xmlns:a16="http://schemas.microsoft.com/office/drawing/2014/main" id="{44C92200-A3DA-4CBB-866D-BADFC4819C98}"/>
-              </a:ext>
-            </a:extLst>
-          </p:cNvPr>
-          <p:cNvCxnSpPr>
-            <a:cxnSpLocks/>
-          </p:cNvCxnSpPr>
-          <p:nvPr/>
-        </p:nvCxnSpPr>
-        <p:spPr>
-          <a:xfrm>
-            <a:off x="1943100" y="1371600"/>
-            <a:ext cx="0" cy="4419600"/>
-          </a:xfrm>
-          <a:prstGeom prst="straightConnector1">
-            <a:avLst/>
-          </a:prstGeom>
-          <a:ln w="76200">
-            <a:tailEnd type="triangle"/>
-          </a:ln>
-        </p:spPr>
-        <p:style>
-          <a:lnRef idx="1">
-            <a:schemeClr val="dk1"/>
-          </a:lnRef>
-          <a:fillRef idx="0">
-            <a:schemeClr val="dk1"/>
-          </a:fillRef>
-          <a:effectRef idx="0">
-            <a:schemeClr val="dk1"/>
-          </a:effectRef>
-          <a:fontRef idx="minor">
-            <a:schemeClr val="tx1"/>
-          </a:fontRef>
-        </p:style>
-      </p:cxnSp>
-      <p:sp>
-        <p:nvSpPr>
-          <p:cNvPr id="39" name="Rectangle: Rounded Corners 38">
-            <a:extLst>
-              <a:ext uri="{FF2B5EF4-FFF2-40B4-BE49-F238E27FC236}">
-                <a16:creationId xmlns:a16="http://schemas.microsoft.com/office/drawing/2014/main" id="{F280A80E-A6F4-439A-B911-6AF19FFCC119}"/>
-              </a:ext>
-            </a:extLst>
-          </p:cNvPr>
-          <p:cNvSpPr/>
-          <p:nvPr/>
-        </p:nvSpPr>
-        <p:spPr>
-          <a:xfrm>
-            <a:off x="3671584" y="5988995"/>
-            <a:ext cx="4995154" cy="457200"/>
-          </a:xfrm>
-          <a:prstGeom prst="roundRect">
-            <a:avLst/>
-          </a:prstGeom>
-        </p:spPr>
-        <p:style>
-          <a:lnRef idx="2">
-            <a:schemeClr val="accent6"/>
-          </a:lnRef>
-          <a:fillRef idx="1">
-            <a:schemeClr val="lt1"/>
-          </a:fillRef>
-          <a:effectRef idx="0">
-            <a:schemeClr val="accent6"/>
-          </a:effectRef>
-          <a:fontRef idx="minor">
-            <a:schemeClr val="dk1"/>
-          </a:fontRef>
-        </p:style>
-        <p:txBody>
-          <a:bodyPr rtlCol="0" anchor="ctr"/>
-          <a:lstStyle/>
-          <a:p>
-            <a:pPr algn="ctr"/>
-            <a:r>
-              <a:rPr lang="en-US" dirty="0">
-                <a:solidFill>
-                  <a:sysClr val="windowText" lastClr="000000"/>
-                </a:solidFill>
-              </a:rPr>
-              <a:t>Final Presentation</a:t>
-            </a:r>
-          </a:p>
-        </p:txBody>
-      </p:sp>
-      <p:sp>
-        <p:nvSpPr>
-          <p:cNvPr id="17" name="Rectangle: Rounded Corners 16">
-            <a:extLst>
-              <a:ext uri="{FF2B5EF4-FFF2-40B4-BE49-F238E27FC236}">
-                <a16:creationId xmlns:a16="http://schemas.microsoft.com/office/drawing/2014/main" id="{7B4B4608-67E0-4C11-81BC-5B1D276920CA}"/>
-              </a:ext>
-            </a:extLst>
-          </p:cNvPr>
-          <p:cNvSpPr/>
-          <p:nvPr/>
-        </p:nvSpPr>
-        <p:spPr>
-          <a:xfrm>
-            <a:off x="3671584" y="457200"/>
-            <a:ext cx="4995154" cy="787477"/>
-          </a:xfrm>
-          <a:prstGeom prst="roundRect">
-            <a:avLst/>
-          </a:prstGeom>
-        </p:spPr>
-        <p:style>
-          <a:lnRef idx="2">
-            <a:schemeClr val="accent4"/>
-          </a:lnRef>
-          <a:fillRef idx="1">
-            <a:schemeClr val="lt1"/>
-          </a:fillRef>
-          <a:effectRef idx="0">
-            <a:schemeClr val="accent4"/>
-          </a:effectRef>
-          <a:fontRef idx="minor">
-            <a:schemeClr val="dk1"/>
-          </a:fontRef>
-        </p:style>
-        <p:txBody>
-          <a:bodyPr rtlCol="0" anchor="ctr"/>
-          <a:lstStyle/>
-          <a:p>
-            <a:pPr algn="ctr"/>
-            <a:r>
-              <a:rPr lang="en-US" dirty="0">
-                <a:solidFill>
-                  <a:sysClr val="windowText" lastClr="000000"/>
-                </a:solidFill>
-              </a:rPr>
-              <a:t>Sprint</a:t>
-            </a:r>
-          </a:p>
-        </p:txBody>
-      </p:sp>
-      <p:sp>
-        <p:nvSpPr>
-          <p:cNvPr id="29" name="Rectangle: Rounded Corners 28">
-            <a:extLst>
-              <a:ext uri="{FF2B5EF4-FFF2-40B4-BE49-F238E27FC236}">
-                <a16:creationId xmlns:a16="http://schemas.microsoft.com/office/drawing/2014/main" id="{8D0E19F6-0C7A-48CE-B222-ADD29692F8F9}"/>
-              </a:ext>
-            </a:extLst>
-          </p:cNvPr>
-          <p:cNvSpPr/>
-          <p:nvPr/>
-        </p:nvSpPr>
-        <p:spPr>
-          <a:xfrm>
-            <a:off x="3671584" y="1244677"/>
-            <a:ext cx="4995154" cy="787477"/>
-          </a:xfrm>
-          <a:prstGeom prst="roundRect">
-            <a:avLst/>
-          </a:prstGeom>
-        </p:spPr>
-        <p:style>
-          <a:lnRef idx="2">
-            <a:schemeClr val="accent4"/>
-          </a:lnRef>
-          <a:fillRef idx="1">
-            <a:schemeClr val="lt1"/>
-          </a:fillRef>
-          <a:effectRef idx="0">
-            <a:schemeClr val="accent4"/>
-          </a:effectRef>
-          <a:fontRef idx="minor">
-            <a:schemeClr val="dk1"/>
-          </a:fontRef>
-        </p:style>
-        <p:txBody>
-          <a:bodyPr rtlCol="0" anchor="ctr"/>
-          <a:lstStyle/>
-          <a:p>
-            <a:pPr algn="ctr"/>
-            <a:r>
-              <a:rPr lang="en-US" dirty="0">
-                <a:solidFill>
-                  <a:sysClr val="windowText" lastClr="000000"/>
-                </a:solidFill>
-              </a:rPr>
-              <a:t>Sprint</a:t>
-            </a:r>
-          </a:p>
-        </p:txBody>
-      </p:sp>
-      <p:sp>
-        <p:nvSpPr>
-          <p:cNvPr id="30" name="Rectangle: Rounded Corners 29">
-            <a:extLst>
-              <a:ext uri="{FF2B5EF4-FFF2-40B4-BE49-F238E27FC236}">
-                <a16:creationId xmlns:a16="http://schemas.microsoft.com/office/drawing/2014/main" id="{65BD8DDE-05F8-4E79-9D77-3F64E350A49C}"/>
-              </a:ext>
-            </a:extLst>
-          </p:cNvPr>
-          <p:cNvSpPr/>
-          <p:nvPr/>
-        </p:nvSpPr>
-        <p:spPr>
-          <a:xfrm>
-            <a:off x="3671584" y="2032154"/>
-            <a:ext cx="4995154" cy="787477"/>
-          </a:xfrm>
-          <a:prstGeom prst="roundRect">
-            <a:avLst/>
-          </a:prstGeom>
-        </p:spPr>
-        <p:style>
-          <a:lnRef idx="2">
-            <a:schemeClr val="accent4"/>
-          </a:lnRef>
-          <a:fillRef idx="1">
-            <a:schemeClr val="lt1"/>
-          </a:fillRef>
-          <a:effectRef idx="0">
-            <a:schemeClr val="accent4"/>
-          </a:effectRef>
-          <a:fontRef idx="minor">
-            <a:schemeClr val="dk1"/>
-          </a:fontRef>
-        </p:style>
-        <p:txBody>
-          <a:bodyPr rtlCol="0" anchor="ctr"/>
-          <a:lstStyle/>
-          <a:p>
-            <a:pPr algn="ctr"/>
-            <a:r>
-              <a:rPr lang="en-US" dirty="0">
-                <a:solidFill>
-                  <a:sysClr val="windowText" lastClr="000000"/>
-                </a:solidFill>
-              </a:rPr>
-              <a:t>Sprint</a:t>
-            </a:r>
-          </a:p>
-        </p:txBody>
-      </p:sp>
-      <p:sp>
-        <p:nvSpPr>
-          <p:cNvPr id="31" name="Rectangle: Rounded Corners 30">
-            <a:extLst>
-              <a:ext uri="{FF2B5EF4-FFF2-40B4-BE49-F238E27FC236}">
-                <a16:creationId xmlns:a16="http://schemas.microsoft.com/office/drawing/2014/main" id="{C91AA173-B302-46E8-B437-5197EA061CF2}"/>
-              </a:ext>
-            </a:extLst>
-          </p:cNvPr>
-          <p:cNvSpPr/>
-          <p:nvPr/>
-        </p:nvSpPr>
-        <p:spPr>
-          <a:xfrm>
-            <a:off x="3671584" y="2819631"/>
-            <a:ext cx="4995154" cy="787477"/>
-          </a:xfrm>
-          <a:prstGeom prst="roundRect">
-            <a:avLst/>
-          </a:prstGeom>
-        </p:spPr>
-        <p:style>
-          <a:lnRef idx="2">
-            <a:schemeClr val="accent4"/>
-          </a:lnRef>
-          <a:fillRef idx="1">
-            <a:schemeClr val="lt1"/>
-          </a:fillRef>
-          <a:effectRef idx="0">
-            <a:schemeClr val="accent4"/>
-          </a:effectRef>
-          <a:fontRef idx="minor">
-            <a:schemeClr val="dk1"/>
-          </a:fontRef>
-        </p:style>
-        <p:txBody>
-          <a:bodyPr rtlCol="0" anchor="ctr"/>
-          <a:lstStyle/>
-          <a:p>
-            <a:pPr algn="ctr"/>
-            <a:r>
-              <a:rPr lang="en-US" dirty="0">
-                <a:solidFill>
-                  <a:sysClr val="windowText" lastClr="000000"/>
-                </a:solidFill>
-              </a:rPr>
-              <a:t>Sprint</a:t>
-            </a:r>
-          </a:p>
-        </p:txBody>
-      </p:sp>
-      <p:sp>
-        <p:nvSpPr>
-          <p:cNvPr id="32" name="Rectangle: Rounded Corners 31">
-            <a:extLst>
-              <a:ext uri="{FF2B5EF4-FFF2-40B4-BE49-F238E27FC236}">
-                <a16:creationId xmlns:a16="http://schemas.microsoft.com/office/drawing/2014/main" id="{CB38590B-0FE5-452D-B99B-2E04F5EBC5CF}"/>
-              </a:ext>
-            </a:extLst>
-          </p:cNvPr>
-          <p:cNvSpPr/>
-          <p:nvPr/>
-        </p:nvSpPr>
-        <p:spPr>
-          <a:xfrm>
-            <a:off x="3671584" y="3607109"/>
-            <a:ext cx="4995154" cy="787477"/>
-          </a:xfrm>
-          <a:prstGeom prst="roundRect">
-            <a:avLst/>
-          </a:prstGeom>
-        </p:spPr>
-        <p:style>
-          <a:lnRef idx="2">
-            <a:schemeClr val="accent4"/>
-          </a:lnRef>
-          <a:fillRef idx="1">
-            <a:schemeClr val="lt1"/>
-          </a:fillRef>
-          <a:effectRef idx="0">
-            <a:schemeClr val="accent4"/>
-          </a:effectRef>
-          <a:fontRef idx="minor">
-            <a:schemeClr val="dk1"/>
-          </a:fontRef>
-        </p:style>
-        <p:txBody>
-          <a:bodyPr rtlCol="0" anchor="ctr"/>
-          <a:lstStyle/>
-          <a:p>
-            <a:pPr algn="ctr"/>
-            <a:r>
-              <a:rPr lang="en-US" dirty="0">
-                <a:solidFill>
-                  <a:sysClr val="windowText" lastClr="000000"/>
-                </a:solidFill>
-              </a:rPr>
-              <a:t>Sprint</a:t>
-            </a:r>
-          </a:p>
-        </p:txBody>
-      </p:sp>
-      <p:sp>
-        <p:nvSpPr>
-          <p:cNvPr id="40" name="Rectangle: Rounded Corners 39">
-            <a:extLst>
-              <a:ext uri="{FF2B5EF4-FFF2-40B4-BE49-F238E27FC236}">
-                <a16:creationId xmlns:a16="http://schemas.microsoft.com/office/drawing/2014/main" id="{510B2D71-88EE-46C9-B96D-85CE8364331B}"/>
-              </a:ext>
-            </a:extLst>
-          </p:cNvPr>
-          <p:cNvSpPr/>
-          <p:nvPr/>
-        </p:nvSpPr>
-        <p:spPr>
-          <a:xfrm>
-            <a:off x="3671584" y="4394586"/>
-            <a:ext cx="4995154" cy="787477"/>
-          </a:xfrm>
-          <a:prstGeom prst="roundRect">
-            <a:avLst/>
-          </a:prstGeom>
-        </p:spPr>
-        <p:style>
-          <a:lnRef idx="2">
-            <a:schemeClr val="accent4"/>
-          </a:lnRef>
-          <a:fillRef idx="1">
-            <a:schemeClr val="lt1"/>
-          </a:fillRef>
-          <a:effectRef idx="0">
-            <a:schemeClr val="accent4"/>
-          </a:effectRef>
-          <a:fontRef idx="minor">
-            <a:schemeClr val="dk1"/>
-          </a:fontRef>
-        </p:style>
-        <p:txBody>
-          <a:bodyPr rtlCol="0" anchor="ctr"/>
-          <a:lstStyle/>
-          <a:p>
-            <a:pPr algn="ctr"/>
-            <a:r>
-              <a:rPr lang="en-US" dirty="0">
-                <a:solidFill>
-                  <a:sysClr val="windowText" lastClr="000000"/>
-                </a:solidFill>
-              </a:rPr>
-              <a:t>Sprint</a:t>
-            </a:r>
-          </a:p>
-        </p:txBody>
-      </p:sp>
-      <p:sp>
-        <p:nvSpPr>
-          <p:cNvPr id="41" name="Rectangle: Rounded Corners 40">
-            <a:extLst>
-              <a:ext uri="{FF2B5EF4-FFF2-40B4-BE49-F238E27FC236}">
-                <a16:creationId xmlns:a16="http://schemas.microsoft.com/office/drawing/2014/main" id="{AB8FF17B-2452-438C-A99D-0B57E76FDFED}"/>
-              </a:ext>
-            </a:extLst>
-          </p:cNvPr>
-          <p:cNvSpPr/>
-          <p:nvPr/>
-        </p:nvSpPr>
-        <p:spPr>
-          <a:xfrm>
-            <a:off x="3671584" y="5182063"/>
-            <a:ext cx="4995154" cy="787477"/>
-          </a:xfrm>
-          <a:prstGeom prst="roundRect">
-            <a:avLst/>
-          </a:prstGeom>
-        </p:spPr>
-        <p:style>
-          <a:lnRef idx="2">
-            <a:schemeClr val="accent4"/>
-          </a:lnRef>
-          <a:fillRef idx="1">
-            <a:schemeClr val="lt1"/>
-          </a:fillRef>
-          <a:effectRef idx="0">
-            <a:schemeClr val="accent4"/>
-          </a:effectRef>
-          <a:fontRef idx="minor">
-            <a:schemeClr val="dk1"/>
-          </a:fontRef>
-        </p:style>
-        <p:txBody>
-          <a:bodyPr rtlCol="0" anchor="ctr"/>
-          <a:lstStyle/>
-          <a:p>
-            <a:pPr algn="ctr"/>
-            <a:r>
-              <a:rPr lang="en-US" dirty="0">
-                <a:solidFill>
-                  <a:sysClr val="windowText" lastClr="000000"/>
-                </a:solidFill>
-              </a:rPr>
-              <a:t>Sprint</a:t>
-            </a:r>
-          </a:p>
-        </p:txBody>
-      </p:sp>
-    </p:spTree>
-    <p:extLst>
-      <p:ext uri="{BB962C8B-B14F-4D97-AF65-F5344CB8AC3E}">
-        <p14:creationId xmlns:p14="http://schemas.microsoft.com/office/powerpoint/2010/main" val="173242436"/>
-      </p:ext>
-    </p:extLst>
-  </p:cSld>
-  <p:clrMapOvr>
-    <a:masterClrMapping/>
-  </p:clrMapOvr>
-</p:sld>
-</file>
-
-<file path=ppt/slides/slide4.xml><?xml version="1.0" encoding="utf-8"?>
-<p:sld xmlns:a="http://schemas.openxmlformats.org/drawingml/2006/main" xmlns:r="http://schemas.openxmlformats.org/officeDocument/2006/relationships" xmlns:p="http://schemas.openxmlformats.org/presentationml/2006/main" show="0">
-  <p:cSld>
-    <p:spTree>
-      <p:nvGrpSpPr>
-        <p:cNvPr id="1" name=""/>
-        <p:cNvGrpSpPr/>
-        <p:nvPr/>
-      </p:nvGrpSpPr>
-      <p:grpSpPr>
-        <a:xfrm>
-          <a:off x="0" y="0"/>
-          <a:ext cx="0" cy="0"/>
-          <a:chOff x="0" y="0"/>
-          <a:chExt cx="0" cy="0"/>
-        </a:xfrm>
-      </p:grpSpPr>
-      <p:grpSp>
-        <p:nvGrpSpPr>
-          <p:cNvPr id="77" name="Group 76">
-            <a:extLst>
-              <a:ext uri="{FF2B5EF4-FFF2-40B4-BE49-F238E27FC236}">
-                <a16:creationId xmlns:a16="http://schemas.microsoft.com/office/drawing/2014/main" id="{10E810AF-C656-4EA5-BEDB-693270ADECFC}"/>
-              </a:ext>
-            </a:extLst>
-          </p:cNvPr>
-          <p:cNvGrpSpPr/>
-          <p:nvPr/>
-        </p:nvGrpSpPr>
-        <p:grpSpPr>
-          <a:xfrm>
-            <a:off x="2286000" y="228600"/>
-            <a:ext cx="1371599" cy="6400800"/>
-            <a:chOff x="248054" y="228600"/>
-            <a:chExt cx="3409545" cy="6400800"/>
-          </a:xfrm>
-        </p:grpSpPr>
-        <p:sp>
-          <p:nvSpPr>
-            <p:cNvPr id="53" name="Rectangle: Rounded Corners 52">
-              <a:extLst>
-                <a:ext uri="{FF2B5EF4-FFF2-40B4-BE49-F238E27FC236}">
-                  <a16:creationId xmlns:a16="http://schemas.microsoft.com/office/drawing/2014/main" id="{BFFD1D47-75C6-4A22-96E6-DBCFABC54A6E}"/>
-                </a:ext>
-              </a:extLst>
-            </p:cNvPr>
-            <p:cNvSpPr/>
-            <p:nvPr/>
-          </p:nvSpPr>
-          <p:spPr>
-            <a:xfrm>
-              <a:off x="248054" y="228600"/>
-              <a:ext cx="3409545" cy="6400800"/>
-            </a:xfrm>
-            <a:prstGeom prst="roundRect">
-              <a:avLst/>
-            </a:prstGeom>
-            <a:noFill/>
-          </p:spPr>
-          <p:style>
-            <a:lnRef idx="2">
-              <a:schemeClr val="accent1">
-                <a:shade val="50000"/>
-              </a:schemeClr>
-            </a:lnRef>
-            <a:fillRef idx="1">
-              <a:schemeClr val="accent1"/>
-            </a:fillRef>
-            <a:effectRef idx="0">
-              <a:schemeClr val="accent1"/>
-            </a:effectRef>
-            <a:fontRef idx="minor">
-              <a:schemeClr val="lt1"/>
-            </a:fontRef>
-          </p:style>
-          <p:txBody>
-            <a:bodyPr rtlCol="0" anchor="ctr"/>
-            <a:lstStyle/>
-            <a:p>
-              <a:pPr algn="ctr"/>
-              <a:endParaRPr lang="en-US" dirty="0"/>
-            </a:p>
-          </p:txBody>
-        </p:sp>
-        <p:sp>
-          <p:nvSpPr>
-            <p:cNvPr id="54" name="TextBox 53">
-              <a:extLst>
-                <a:ext uri="{FF2B5EF4-FFF2-40B4-BE49-F238E27FC236}">
-                  <a16:creationId xmlns:a16="http://schemas.microsoft.com/office/drawing/2014/main" id="{B01D54D1-7D07-4310-BD9A-F6C22200C008}"/>
-                </a:ext>
-              </a:extLst>
-            </p:cNvPr>
-            <p:cNvSpPr txBox="1"/>
-            <p:nvPr/>
-          </p:nvSpPr>
-          <p:spPr>
-            <a:xfrm>
-              <a:off x="533400" y="685800"/>
-              <a:ext cx="2819400" cy="369332"/>
-            </a:xfrm>
-            <a:prstGeom prst="rect">
-              <a:avLst/>
-            </a:prstGeom>
-            <a:ln>
-              <a:noFill/>
-            </a:ln>
-          </p:spPr>
-          <p:style>
-            <a:lnRef idx="2">
-              <a:schemeClr val="dk1"/>
-            </a:lnRef>
-            <a:fillRef idx="1">
-              <a:schemeClr val="lt1"/>
-            </a:fillRef>
-            <a:effectRef idx="0">
-              <a:schemeClr val="dk1"/>
-            </a:effectRef>
-            <a:fontRef idx="minor">
-              <a:schemeClr val="dk1"/>
-            </a:fontRef>
-          </p:style>
-          <p:txBody>
-            <a:bodyPr wrap="square" rtlCol="0">
-              <a:spAutoFit/>
-            </a:bodyPr>
-            <a:lstStyle/>
-            <a:p>
-              <a:pPr algn="ctr"/>
-              <a:r>
-                <a:rPr lang="en-US" dirty="0"/>
-                <a:t>Week 1</a:t>
-              </a:r>
-            </a:p>
-          </p:txBody>
-        </p:sp>
-        <p:sp>
-          <p:nvSpPr>
-            <p:cNvPr id="55" name="TextBox 54">
-              <a:extLst>
-                <a:ext uri="{FF2B5EF4-FFF2-40B4-BE49-F238E27FC236}">
-                  <a16:creationId xmlns:a16="http://schemas.microsoft.com/office/drawing/2014/main" id="{A5219C69-F94A-487F-AB53-74EC69BDF1BC}"/>
-                </a:ext>
-              </a:extLst>
-            </p:cNvPr>
-            <p:cNvSpPr txBox="1"/>
-            <p:nvPr/>
-          </p:nvSpPr>
-          <p:spPr>
-            <a:xfrm>
-              <a:off x="533400" y="5943600"/>
-              <a:ext cx="2819400" cy="369332"/>
-            </a:xfrm>
-            <a:prstGeom prst="rect">
-              <a:avLst/>
-            </a:prstGeom>
-            <a:ln>
-              <a:noFill/>
-            </a:ln>
-          </p:spPr>
-          <p:style>
-            <a:lnRef idx="2">
-              <a:schemeClr val="dk1"/>
-            </a:lnRef>
-            <a:fillRef idx="1">
-              <a:schemeClr val="lt1"/>
-            </a:fillRef>
-            <a:effectRef idx="0">
-              <a:schemeClr val="dk1"/>
-            </a:effectRef>
-            <a:fontRef idx="minor">
-              <a:schemeClr val="dk1"/>
-            </a:fontRef>
-          </p:style>
-          <p:txBody>
-            <a:bodyPr wrap="square" rtlCol="0">
-              <a:spAutoFit/>
-            </a:bodyPr>
-            <a:lstStyle/>
-            <a:p>
-              <a:pPr algn="ctr"/>
-              <a:r>
-                <a:rPr lang="en-US" dirty="0"/>
-                <a:t>Week 16</a:t>
-              </a:r>
-            </a:p>
-          </p:txBody>
-        </p:sp>
-        <p:cxnSp>
-          <p:nvCxnSpPr>
-            <p:cNvPr id="56" name="Straight Arrow Connector 55">
-              <a:extLst>
-                <a:ext uri="{FF2B5EF4-FFF2-40B4-BE49-F238E27FC236}">
-                  <a16:creationId xmlns:a16="http://schemas.microsoft.com/office/drawing/2014/main" id="{699D09AE-C31C-4FC0-A09A-777A6D771D11}"/>
-                </a:ext>
-              </a:extLst>
-            </p:cNvPr>
-            <p:cNvCxnSpPr>
-              <a:cxnSpLocks/>
-            </p:cNvCxnSpPr>
-            <p:nvPr/>
-          </p:nvCxnSpPr>
-          <p:spPr>
-            <a:xfrm>
-              <a:off x="1943100" y="1371600"/>
-              <a:ext cx="0" cy="4419600"/>
-            </a:xfrm>
-            <a:prstGeom prst="straightConnector1">
-              <a:avLst/>
-            </a:prstGeom>
-            <a:ln w="76200">
-              <a:tailEnd type="triangle"/>
-            </a:ln>
-          </p:spPr>
-          <p:style>
-            <a:lnRef idx="1">
-              <a:schemeClr val="dk1"/>
-            </a:lnRef>
-            <a:fillRef idx="0">
-              <a:schemeClr val="dk1"/>
-            </a:fillRef>
-            <a:effectRef idx="0">
-              <a:schemeClr val="dk1"/>
-            </a:effectRef>
-            <a:fontRef idx="minor">
-              <a:schemeClr val="tx1"/>
-            </a:fontRef>
-          </p:style>
-        </p:cxnSp>
-      </p:grpSp>
-      <p:sp>
-        <p:nvSpPr>
-          <p:cNvPr id="57" name="Rectangle: Rounded Corners 56">
-            <a:extLst>
-              <a:ext uri="{FF2B5EF4-FFF2-40B4-BE49-F238E27FC236}">
-                <a16:creationId xmlns:a16="http://schemas.microsoft.com/office/drawing/2014/main" id="{FE0DE934-8FB6-472D-BCE4-F4A6399CE126}"/>
-              </a:ext>
-            </a:extLst>
-          </p:cNvPr>
-          <p:cNvSpPr/>
-          <p:nvPr/>
-        </p:nvSpPr>
-        <p:spPr>
-          <a:xfrm>
-            <a:off x="5238347" y="457200"/>
-            <a:ext cx="1665051" cy="457200"/>
-          </a:xfrm>
-          <a:prstGeom prst="roundRect">
-            <a:avLst/>
-          </a:prstGeom>
-        </p:spPr>
-        <p:style>
-          <a:lnRef idx="2">
-            <a:schemeClr val="accent2"/>
-          </a:lnRef>
-          <a:fillRef idx="1">
-            <a:schemeClr val="lt1"/>
-          </a:fillRef>
-          <a:effectRef idx="0">
-            <a:schemeClr val="accent2"/>
-          </a:effectRef>
-          <a:fontRef idx="minor">
-            <a:schemeClr val="dk1"/>
-          </a:fontRef>
-        </p:style>
-        <p:txBody>
-          <a:bodyPr rtlCol="0" anchor="ctr"/>
-          <a:lstStyle/>
-          <a:p>
-            <a:pPr algn="ctr"/>
-            <a:r>
-              <a:rPr lang="en-US" dirty="0">
-                <a:solidFill>
-                  <a:sysClr val="windowText" lastClr="000000"/>
-                </a:solidFill>
-              </a:rPr>
-              <a:t>HW</a:t>
-            </a:r>
-          </a:p>
-        </p:txBody>
-      </p:sp>
-      <p:sp>
-        <p:nvSpPr>
-          <p:cNvPr id="58" name="Rectangle: Rounded Corners 57">
-            <a:extLst>
-              <a:ext uri="{FF2B5EF4-FFF2-40B4-BE49-F238E27FC236}">
-                <a16:creationId xmlns:a16="http://schemas.microsoft.com/office/drawing/2014/main" id="{C1D7FA72-2D6F-4C64-B0BA-6FA583350535}"/>
-              </a:ext>
-            </a:extLst>
-          </p:cNvPr>
-          <p:cNvSpPr/>
-          <p:nvPr/>
-        </p:nvSpPr>
-        <p:spPr>
-          <a:xfrm>
-            <a:off x="5238347" y="914400"/>
-            <a:ext cx="1665051" cy="457200"/>
-          </a:xfrm>
-          <a:prstGeom prst="roundRect">
-            <a:avLst/>
-          </a:prstGeom>
-        </p:spPr>
-        <p:style>
-          <a:lnRef idx="2">
-            <a:schemeClr val="accent2"/>
-          </a:lnRef>
-          <a:fillRef idx="1">
-            <a:schemeClr val="lt1"/>
-          </a:fillRef>
-          <a:effectRef idx="0">
-            <a:schemeClr val="accent2"/>
-          </a:effectRef>
-          <a:fontRef idx="minor">
-            <a:schemeClr val="dk1"/>
-          </a:fontRef>
-        </p:style>
-        <p:txBody>
-          <a:bodyPr rtlCol="0" anchor="ctr"/>
-          <a:lstStyle/>
-          <a:p>
-            <a:pPr algn="ctr"/>
-            <a:r>
-              <a:rPr lang="en-US" dirty="0">
-                <a:solidFill>
-                  <a:sysClr val="windowText" lastClr="000000"/>
-                </a:solidFill>
-              </a:rPr>
-              <a:t>HW</a:t>
-            </a:r>
-          </a:p>
-        </p:txBody>
-      </p:sp>
-      <p:sp>
-        <p:nvSpPr>
-          <p:cNvPr id="59" name="Rectangle: Rounded Corners 58">
-            <a:extLst>
-              <a:ext uri="{FF2B5EF4-FFF2-40B4-BE49-F238E27FC236}">
-                <a16:creationId xmlns:a16="http://schemas.microsoft.com/office/drawing/2014/main" id="{5D4D12B7-0E59-4079-9EE1-1DB766016EE9}"/>
-              </a:ext>
-            </a:extLst>
-          </p:cNvPr>
-          <p:cNvSpPr/>
-          <p:nvPr/>
-        </p:nvSpPr>
-        <p:spPr>
-          <a:xfrm>
-            <a:off x="5238347" y="1371600"/>
-            <a:ext cx="1665051" cy="457200"/>
-          </a:xfrm>
-          <a:prstGeom prst="roundRect">
-            <a:avLst/>
-          </a:prstGeom>
-        </p:spPr>
-        <p:style>
-          <a:lnRef idx="2">
-            <a:schemeClr val="accent2"/>
-          </a:lnRef>
-          <a:fillRef idx="1">
-            <a:schemeClr val="lt1"/>
-          </a:fillRef>
-          <a:effectRef idx="0">
-            <a:schemeClr val="accent2"/>
-          </a:effectRef>
-          <a:fontRef idx="minor">
-            <a:schemeClr val="dk1"/>
-          </a:fontRef>
-        </p:style>
-        <p:txBody>
-          <a:bodyPr rtlCol="0" anchor="ctr"/>
-          <a:lstStyle/>
-          <a:p>
-            <a:pPr algn="ctr"/>
-            <a:r>
-              <a:rPr lang="en-US" dirty="0">
-                <a:solidFill>
-                  <a:sysClr val="windowText" lastClr="000000"/>
-                </a:solidFill>
-              </a:rPr>
-              <a:t>HW</a:t>
-            </a:r>
-          </a:p>
-        </p:txBody>
-      </p:sp>
-      <p:sp>
-        <p:nvSpPr>
-          <p:cNvPr id="60" name="Rectangle: Rounded Corners 59">
-            <a:extLst>
-              <a:ext uri="{FF2B5EF4-FFF2-40B4-BE49-F238E27FC236}">
-                <a16:creationId xmlns:a16="http://schemas.microsoft.com/office/drawing/2014/main" id="{289601BE-F15C-43C0-A1D5-9B6B0BB8EA0A}"/>
-              </a:ext>
-            </a:extLst>
-          </p:cNvPr>
-          <p:cNvSpPr/>
-          <p:nvPr/>
-        </p:nvSpPr>
-        <p:spPr>
-          <a:xfrm>
-            <a:off x="5238347" y="1828800"/>
-            <a:ext cx="1665051" cy="457200"/>
-          </a:xfrm>
-          <a:prstGeom prst="roundRect">
-            <a:avLst/>
-          </a:prstGeom>
-        </p:spPr>
-        <p:style>
-          <a:lnRef idx="2">
-            <a:schemeClr val="accent2"/>
-          </a:lnRef>
-          <a:fillRef idx="1">
-            <a:schemeClr val="lt1"/>
-          </a:fillRef>
-          <a:effectRef idx="0">
-            <a:schemeClr val="accent2"/>
-          </a:effectRef>
-          <a:fontRef idx="minor">
-            <a:schemeClr val="dk1"/>
-          </a:fontRef>
-        </p:style>
-        <p:txBody>
-          <a:bodyPr rtlCol="0" anchor="ctr"/>
-          <a:lstStyle/>
-          <a:p>
-            <a:pPr algn="ctr"/>
-            <a:r>
-              <a:rPr lang="en-US" dirty="0">
-                <a:solidFill>
-                  <a:sysClr val="windowText" lastClr="000000"/>
-                </a:solidFill>
-              </a:rPr>
-              <a:t>HW</a:t>
-            </a:r>
-          </a:p>
-        </p:txBody>
-      </p:sp>
-      <p:sp>
-        <p:nvSpPr>
-          <p:cNvPr id="61" name="Rectangle: Rounded Corners 60">
-            <a:extLst>
-              <a:ext uri="{FF2B5EF4-FFF2-40B4-BE49-F238E27FC236}">
-                <a16:creationId xmlns:a16="http://schemas.microsoft.com/office/drawing/2014/main" id="{AC4AACA7-FD19-4D2F-9C47-471A6DC6CB40}"/>
-              </a:ext>
-            </a:extLst>
-          </p:cNvPr>
-          <p:cNvSpPr/>
-          <p:nvPr/>
-        </p:nvSpPr>
-        <p:spPr>
-          <a:xfrm>
-            <a:off x="5238347" y="2286000"/>
-            <a:ext cx="1665051" cy="457200"/>
-          </a:xfrm>
-          <a:prstGeom prst="roundRect">
-            <a:avLst/>
-          </a:prstGeom>
-        </p:spPr>
-        <p:style>
-          <a:lnRef idx="2">
-            <a:schemeClr val="accent2"/>
-          </a:lnRef>
-          <a:fillRef idx="1">
-            <a:schemeClr val="lt1"/>
-          </a:fillRef>
-          <a:effectRef idx="0">
-            <a:schemeClr val="accent2"/>
-          </a:effectRef>
-          <a:fontRef idx="minor">
-            <a:schemeClr val="dk1"/>
-          </a:fontRef>
-        </p:style>
-        <p:txBody>
-          <a:bodyPr rtlCol="0" anchor="ctr"/>
-          <a:lstStyle/>
-          <a:p>
-            <a:pPr algn="ctr"/>
-            <a:r>
-              <a:rPr lang="en-US" dirty="0">
-                <a:solidFill>
-                  <a:sysClr val="windowText" lastClr="000000"/>
-                </a:solidFill>
-              </a:rPr>
-              <a:t>HW</a:t>
-            </a:r>
-          </a:p>
-        </p:txBody>
-      </p:sp>
-      <p:sp>
-        <p:nvSpPr>
-          <p:cNvPr id="62" name="Rectangle: Rounded Corners 61">
-            <a:extLst>
-              <a:ext uri="{FF2B5EF4-FFF2-40B4-BE49-F238E27FC236}">
-                <a16:creationId xmlns:a16="http://schemas.microsoft.com/office/drawing/2014/main" id="{DF891A36-43A3-43AC-9A97-ACDE085599AE}"/>
-              </a:ext>
-            </a:extLst>
-          </p:cNvPr>
-          <p:cNvSpPr/>
-          <p:nvPr/>
-        </p:nvSpPr>
-        <p:spPr>
-          <a:xfrm>
-            <a:off x="5238347" y="2743200"/>
-            <a:ext cx="1665051" cy="457200"/>
-          </a:xfrm>
-          <a:prstGeom prst="roundRect">
-            <a:avLst/>
-          </a:prstGeom>
-        </p:spPr>
-        <p:style>
-          <a:lnRef idx="2">
-            <a:schemeClr val="accent2"/>
-          </a:lnRef>
-          <a:fillRef idx="1">
-            <a:schemeClr val="lt1"/>
-          </a:fillRef>
-          <a:effectRef idx="0">
-            <a:schemeClr val="accent2"/>
-          </a:effectRef>
-          <a:fontRef idx="minor">
-            <a:schemeClr val="dk1"/>
-          </a:fontRef>
-        </p:style>
-        <p:txBody>
-          <a:bodyPr rtlCol="0" anchor="ctr"/>
-          <a:lstStyle/>
-          <a:p>
-            <a:pPr algn="ctr"/>
-            <a:r>
-              <a:rPr lang="en-US" dirty="0">
-                <a:solidFill>
-                  <a:sysClr val="windowText" lastClr="000000"/>
-                </a:solidFill>
-              </a:rPr>
-              <a:t>HW</a:t>
-            </a:r>
-          </a:p>
-        </p:txBody>
-      </p:sp>
-      <p:sp>
-        <p:nvSpPr>
-          <p:cNvPr id="63" name="Rectangle: Rounded Corners 62">
-            <a:extLst>
-              <a:ext uri="{FF2B5EF4-FFF2-40B4-BE49-F238E27FC236}">
-                <a16:creationId xmlns:a16="http://schemas.microsoft.com/office/drawing/2014/main" id="{1C565CE6-7857-40A8-9739-A66480639DC0}"/>
-              </a:ext>
-            </a:extLst>
-          </p:cNvPr>
-          <p:cNvSpPr/>
-          <p:nvPr/>
-        </p:nvSpPr>
-        <p:spPr>
-          <a:xfrm>
-            <a:off x="5238347" y="3200400"/>
-            <a:ext cx="1665051" cy="457200"/>
-          </a:xfrm>
-          <a:prstGeom prst="roundRect">
-            <a:avLst/>
-          </a:prstGeom>
-        </p:spPr>
-        <p:style>
-          <a:lnRef idx="2">
-            <a:schemeClr val="accent2"/>
-          </a:lnRef>
-          <a:fillRef idx="1">
-            <a:schemeClr val="lt1"/>
-          </a:fillRef>
-          <a:effectRef idx="0">
-            <a:schemeClr val="accent2"/>
-          </a:effectRef>
-          <a:fontRef idx="minor">
-            <a:schemeClr val="dk1"/>
-          </a:fontRef>
-        </p:style>
-        <p:txBody>
-          <a:bodyPr rtlCol="0" anchor="ctr"/>
-          <a:lstStyle/>
-          <a:p>
-            <a:pPr algn="ctr"/>
-            <a:r>
-              <a:rPr lang="en-US" dirty="0">
-                <a:solidFill>
-                  <a:sysClr val="windowText" lastClr="000000"/>
-                </a:solidFill>
-              </a:rPr>
-              <a:t>HW</a:t>
-            </a:r>
-          </a:p>
-        </p:txBody>
-      </p:sp>
-      <p:sp>
-        <p:nvSpPr>
-          <p:cNvPr id="64" name="Rectangle: Rounded Corners 63">
-            <a:extLst>
-              <a:ext uri="{FF2B5EF4-FFF2-40B4-BE49-F238E27FC236}">
-                <a16:creationId xmlns:a16="http://schemas.microsoft.com/office/drawing/2014/main" id="{4EFB80E4-7EB9-47A2-95E9-CAF6AD1F431F}"/>
-              </a:ext>
-            </a:extLst>
-          </p:cNvPr>
-          <p:cNvSpPr/>
-          <p:nvPr/>
-        </p:nvSpPr>
-        <p:spPr>
-          <a:xfrm>
-            <a:off x="5238347" y="3657600"/>
-            <a:ext cx="1665051" cy="457200"/>
-          </a:xfrm>
-          <a:prstGeom prst="roundRect">
-            <a:avLst/>
-          </a:prstGeom>
-        </p:spPr>
-        <p:style>
-          <a:lnRef idx="2">
-            <a:schemeClr val="accent2"/>
-          </a:lnRef>
-          <a:fillRef idx="1">
-            <a:schemeClr val="lt1"/>
-          </a:fillRef>
-          <a:effectRef idx="0">
-            <a:schemeClr val="accent2"/>
-          </a:effectRef>
-          <a:fontRef idx="minor">
-            <a:schemeClr val="dk1"/>
-          </a:fontRef>
-        </p:style>
-        <p:txBody>
-          <a:bodyPr rtlCol="0" anchor="ctr"/>
-          <a:lstStyle/>
-          <a:p>
-            <a:pPr algn="ctr"/>
-            <a:r>
-              <a:rPr lang="en-US" dirty="0">
-                <a:solidFill>
-                  <a:sysClr val="windowText" lastClr="000000"/>
-                </a:solidFill>
-              </a:rPr>
-              <a:t>HW</a:t>
-            </a:r>
-          </a:p>
-        </p:txBody>
-      </p:sp>
-      <p:sp>
-        <p:nvSpPr>
-          <p:cNvPr id="65" name="Rectangle: Rounded Corners 64">
-            <a:extLst>
-              <a:ext uri="{FF2B5EF4-FFF2-40B4-BE49-F238E27FC236}">
-                <a16:creationId xmlns:a16="http://schemas.microsoft.com/office/drawing/2014/main" id="{252FA2B2-804E-43C7-9CE5-17F5C5DF2ED8}"/>
-              </a:ext>
-            </a:extLst>
-          </p:cNvPr>
-          <p:cNvSpPr/>
-          <p:nvPr/>
-        </p:nvSpPr>
-        <p:spPr>
-          <a:xfrm>
-            <a:off x="5238347" y="4114800"/>
-            <a:ext cx="1665051" cy="457200"/>
-          </a:xfrm>
-          <a:prstGeom prst="roundRect">
-            <a:avLst/>
-          </a:prstGeom>
-        </p:spPr>
-        <p:style>
-          <a:lnRef idx="2">
-            <a:schemeClr val="accent2"/>
-          </a:lnRef>
-          <a:fillRef idx="1">
-            <a:schemeClr val="lt1"/>
-          </a:fillRef>
-          <a:effectRef idx="0">
-            <a:schemeClr val="accent2"/>
-          </a:effectRef>
-          <a:fontRef idx="minor">
-            <a:schemeClr val="dk1"/>
-          </a:fontRef>
-        </p:style>
-        <p:txBody>
-          <a:bodyPr rtlCol="0" anchor="ctr"/>
-          <a:lstStyle/>
-          <a:p>
-            <a:pPr algn="ctr"/>
-            <a:r>
-              <a:rPr lang="en-US" dirty="0">
-                <a:solidFill>
-                  <a:sysClr val="windowText" lastClr="000000"/>
-                </a:solidFill>
-              </a:rPr>
-              <a:t>HW</a:t>
-            </a:r>
-          </a:p>
-        </p:txBody>
-      </p:sp>
-      <p:sp>
-        <p:nvSpPr>
-          <p:cNvPr id="66" name="Rectangle: Rounded Corners 65">
-            <a:extLst>
-              <a:ext uri="{FF2B5EF4-FFF2-40B4-BE49-F238E27FC236}">
-                <a16:creationId xmlns:a16="http://schemas.microsoft.com/office/drawing/2014/main" id="{BFEF67A6-F4EB-4566-B8AA-0F3362EE4EEF}"/>
-              </a:ext>
-            </a:extLst>
-          </p:cNvPr>
-          <p:cNvSpPr/>
-          <p:nvPr/>
-        </p:nvSpPr>
-        <p:spPr>
-          <a:xfrm>
-            <a:off x="5238347" y="4572000"/>
-            <a:ext cx="1665051" cy="457200"/>
-          </a:xfrm>
-          <a:prstGeom prst="roundRect">
-            <a:avLst/>
-          </a:prstGeom>
-        </p:spPr>
-        <p:style>
-          <a:lnRef idx="2">
-            <a:schemeClr val="accent2"/>
-          </a:lnRef>
-          <a:fillRef idx="1">
-            <a:schemeClr val="lt1"/>
-          </a:fillRef>
-          <a:effectRef idx="0">
-            <a:schemeClr val="accent2"/>
-          </a:effectRef>
-          <a:fontRef idx="minor">
-            <a:schemeClr val="dk1"/>
-          </a:fontRef>
-        </p:style>
-        <p:txBody>
-          <a:bodyPr rtlCol="0" anchor="ctr"/>
-          <a:lstStyle/>
-          <a:p>
-            <a:pPr algn="ctr"/>
-            <a:r>
-              <a:rPr lang="en-US" dirty="0">
-                <a:solidFill>
-                  <a:sysClr val="windowText" lastClr="000000"/>
-                </a:solidFill>
-              </a:rPr>
-              <a:t>HW</a:t>
-            </a:r>
-          </a:p>
-        </p:txBody>
-      </p:sp>
-      <p:sp>
-        <p:nvSpPr>
-          <p:cNvPr id="67" name="Rectangle: Rounded Corners 66">
-            <a:extLst>
-              <a:ext uri="{FF2B5EF4-FFF2-40B4-BE49-F238E27FC236}">
-                <a16:creationId xmlns:a16="http://schemas.microsoft.com/office/drawing/2014/main" id="{DDDCCE09-C9AD-4D35-8884-1AF8EA1D1D38}"/>
-              </a:ext>
-            </a:extLst>
-          </p:cNvPr>
-          <p:cNvSpPr/>
-          <p:nvPr/>
-        </p:nvSpPr>
-        <p:spPr>
-          <a:xfrm>
-            <a:off x="5238347" y="5029200"/>
-            <a:ext cx="1665051" cy="457200"/>
-          </a:xfrm>
-          <a:prstGeom prst="roundRect">
-            <a:avLst/>
-          </a:prstGeom>
-        </p:spPr>
-        <p:style>
-          <a:lnRef idx="2">
-            <a:schemeClr val="accent2"/>
-          </a:lnRef>
-          <a:fillRef idx="1">
-            <a:schemeClr val="lt1"/>
-          </a:fillRef>
-          <a:effectRef idx="0">
-            <a:schemeClr val="accent2"/>
-          </a:effectRef>
-          <a:fontRef idx="minor">
-            <a:schemeClr val="dk1"/>
-          </a:fontRef>
-        </p:style>
-        <p:txBody>
-          <a:bodyPr rtlCol="0" anchor="ctr"/>
-          <a:lstStyle/>
-          <a:p>
-            <a:pPr algn="ctr"/>
-            <a:r>
-              <a:rPr lang="en-US" dirty="0">
-                <a:solidFill>
-                  <a:sysClr val="windowText" lastClr="000000"/>
-                </a:solidFill>
-              </a:rPr>
-              <a:t>HW</a:t>
-            </a:r>
-          </a:p>
-        </p:txBody>
-      </p:sp>
-      <p:sp>
-        <p:nvSpPr>
-          <p:cNvPr id="68" name="Rectangle: Rounded Corners 67">
-            <a:extLst>
-              <a:ext uri="{FF2B5EF4-FFF2-40B4-BE49-F238E27FC236}">
-                <a16:creationId xmlns:a16="http://schemas.microsoft.com/office/drawing/2014/main" id="{0216C90F-5D34-4856-AB98-6647331886A5}"/>
-              </a:ext>
-            </a:extLst>
-          </p:cNvPr>
-          <p:cNvSpPr/>
-          <p:nvPr/>
-        </p:nvSpPr>
-        <p:spPr>
-          <a:xfrm>
-            <a:off x="5238347" y="5486400"/>
-            <a:ext cx="1665051" cy="457200"/>
-          </a:xfrm>
-          <a:prstGeom prst="roundRect">
-            <a:avLst/>
-          </a:prstGeom>
-        </p:spPr>
-        <p:style>
-          <a:lnRef idx="2">
-            <a:schemeClr val="accent2"/>
-          </a:lnRef>
-          <a:fillRef idx="1">
-            <a:schemeClr val="lt1"/>
-          </a:fillRef>
-          <a:effectRef idx="0">
-            <a:schemeClr val="accent2"/>
-          </a:effectRef>
-          <a:fontRef idx="minor">
-            <a:schemeClr val="dk1"/>
-          </a:fontRef>
-        </p:style>
-        <p:txBody>
-          <a:bodyPr rtlCol="0" anchor="ctr"/>
-          <a:lstStyle/>
-          <a:p>
-            <a:pPr algn="ctr"/>
-            <a:r>
-              <a:rPr lang="en-US" dirty="0">
-                <a:solidFill>
-                  <a:sysClr val="windowText" lastClr="000000"/>
-                </a:solidFill>
-              </a:rPr>
-              <a:t>HW</a:t>
-            </a:r>
-          </a:p>
-        </p:txBody>
-      </p:sp>
-      <p:sp>
-        <p:nvSpPr>
-          <p:cNvPr id="69" name="Rectangle: Rounded Corners 68">
-            <a:extLst>
-              <a:ext uri="{FF2B5EF4-FFF2-40B4-BE49-F238E27FC236}">
-                <a16:creationId xmlns:a16="http://schemas.microsoft.com/office/drawing/2014/main" id="{D3BC6B64-D924-4329-857C-603E645FED06}"/>
-              </a:ext>
-            </a:extLst>
-          </p:cNvPr>
-          <p:cNvSpPr/>
-          <p:nvPr/>
-        </p:nvSpPr>
-        <p:spPr>
-          <a:xfrm>
-            <a:off x="6921231" y="431260"/>
-            <a:ext cx="1665051" cy="1371600"/>
-          </a:xfrm>
-          <a:prstGeom prst="roundRect">
-            <a:avLst/>
-          </a:prstGeom>
-        </p:spPr>
-        <p:style>
-          <a:lnRef idx="2">
-            <a:schemeClr val="accent3"/>
-          </a:lnRef>
-          <a:fillRef idx="1">
-            <a:schemeClr val="lt1"/>
-          </a:fillRef>
-          <a:effectRef idx="0">
-            <a:schemeClr val="accent3"/>
-          </a:effectRef>
-          <a:fontRef idx="minor">
-            <a:schemeClr val="dk1"/>
-          </a:fontRef>
-        </p:style>
-        <p:txBody>
-          <a:bodyPr rtlCol="0" anchor="ctr"/>
-          <a:lstStyle/>
-          <a:p>
-            <a:pPr algn="ctr"/>
-            <a:r>
-              <a:rPr lang="en-US" dirty="0">
-                <a:solidFill>
-                  <a:sysClr val="windowText" lastClr="000000"/>
-                </a:solidFill>
-              </a:rPr>
-              <a:t>Project</a:t>
-            </a:r>
-          </a:p>
-        </p:txBody>
-      </p:sp>
-      <p:sp>
-        <p:nvSpPr>
-          <p:cNvPr id="70" name="Rectangle: Rounded Corners 69">
-            <a:extLst>
-              <a:ext uri="{FF2B5EF4-FFF2-40B4-BE49-F238E27FC236}">
-                <a16:creationId xmlns:a16="http://schemas.microsoft.com/office/drawing/2014/main" id="{518536E2-C7EF-4097-B147-EDAA42509B46}"/>
-              </a:ext>
-            </a:extLst>
-          </p:cNvPr>
-          <p:cNvSpPr/>
-          <p:nvPr/>
-        </p:nvSpPr>
-        <p:spPr>
-          <a:xfrm>
-            <a:off x="6939065" y="1809345"/>
-            <a:ext cx="1665051" cy="1371600"/>
-          </a:xfrm>
-          <a:prstGeom prst="roundRect">
-            <a:avLst/>
-          </a:prstGeom>
-        </p:spPr>
-        <p:style>
-          <a:lnRef idx="2">
-            <a:schemeClr val="accent3"/>
-          </a:lnRef>
-          <a:fillRef idx="1">
-            <a:schemeClr val="lt1"/>
-          </a:fillRef>
-          <a:effectRef idx="0">
-            <a:schemeClr val="accent3"/>
-          </a:effectRef>
-          <a:fontRef idx="minor">
-            <a:schemeClr val="dk1"/>
-          </a:fontRef>
-        </p:style>
-        <p:txBody>
-          <a:bodyPr rtlCol="0" anchor="ctr"/>
-          <a:lstStyle/>
-          <a:p>
-            <a:pPr algn="ctr"/>
-            <a:r>
-              <a:rPr lang="en-US" dirty="0">
-                <a:solidFill>
-                  <a:sysClr val="windowText" lastClr="000000"/>
-                </a:solidFill>
-              </a:rPr>
-              <a:t>Project</a:t>
-            </a:r>
-          </a:p>
-        </p:txBody>
-      </p:sp>
-      <p:sp>
-        <p:nvSpPr>
-          <p:cNvPr id="71" name="Rectangle: Rounded Corners 70">
-            <a:extLst>
-              <a:ext uri="{FF2B5EF4-FFF2-40B4-BE49-F238E27FC236}">
-                <a16:creationId xmlns:a16="http://schemas.microsoft.com/office/drawing/2014/main" id="{8DFAABA7-DCD4-433F-98F8-A2AE332711B3}"/>
-              </a:ext>
-            </a:extLst>
-          </p:cNvPr>
-          <p:cNvSpPr/>
-          <p:nvPr/>
-        </p:nvSpPr>
-        <p:spPr>
-          <a:xfrm>
-            <a:off x="6921231" y="3187430"/>
-            <a:ext cx="1665051" cy="1371600"/>
-          </a:xfrm>
-          <a:prstGeom prst="roundRect">
-            <a:avLst/>
-          </a:prstGeom>
-        </p:spPr>
-        <p:style>
-          <a:lnRef idx="2">
-            <a:schemeClr val="accent3"/>
-          </a:lnRef>
-          <a:fillRef idx="1">
-            <a:schemeClr val="lt1"/>
-          </a:fillRef>
-          <a:effectRef idx="0">
-            <a:schemeClr val="accent3"/>
-          </a:effectRef>
-          <a:fontRef idx="minor">
-            <a:schemeClr val="dk1"/>
-          </a:fontRef>
-        </p:style>
-        <p:txBody>
-          <a:bodyPr rtlCol="0" anchor="ctr"/>
-          <a:lstStyle/>
-          <a:p>
-            <a:pPr algn="ctr"/>
-            <a:r>
-              <a:rPr lang="en-US" dirty="0">
-                <a:solidFill>
-                  <a:sysClr val="windowText" lastClr="000000"/>
-                </a:solidFill>
-              </a:rPr>
-              <a:t>Project</a:t>
-            </a:r>
-          </a:p>
-        </p:txBody>
-      </p:sp>
-      <p:sp>
-        <p:nvSpPr>
-          <p:cNvPr id="72" name="Rectangle: Rounded Corners 71">
-            <a:extLst>
-              <a:ext uri="{FF2B5EF4-FFF2-40B4-BE49-F238E27FC236}">
-                <a16:creationId xmlns:a16="http://schemas.microsoft.com/office/drawing/2014/main" id="{45E527D2-612F-4AD6-AB8C-B38DE6BBD83B}"/>
-              </a:ext>
-            </a:extLst>
-          </p:cNvPr>
-          <p:cNvSpPr/>
-          <p:nvPr/>
-        </p:nvSpPr>
-        <p:spPr>
-          <a:xfrm>
-            <a:off x="6921231" y="4572000"/>
-            <a:ext cx="1665051" cy="1371600"/>
-          </a:xfrm>
-          <a:prstGeom prst="roundRect">
-            <a:avLst/>
-          </a:prstGeom>
-        </p:spPr>
-        <p:style>
-          <a:lnRef idx="2">
-            <a:schemeClr val="accent3"/>
-          </a:lnRef>
-          <a:fillRef idx="1">
-            <a:schemeClr val="lt1"/>
-          </a:fillRef>
-          <a:effectRef idx="0">
-            <a:schemeClr val="accent3"/>
-          </a:effectRef>
-          <a:fontRef idx="minor">
-            <a:schemeClr val="dk1"/>
-          </a:fontRef>
-        </p:style>
-        <p:txBody>
-          <a:bodyPr rtlCol="0" anchor="ctr"/>
-          <a:lstStyle/>
-          <a:p>
-            <a:pPr algn="ctr"/>
-            <a:r>
-              <a:rPr lang="en-US" dirty="0">
-                <a:solidFill>
-                  <a:sysClr val="windowText" lastClr="000000"/>
-                </a:solidFill>
-              </a:rPr>
-              <a:t>Project</a:t>
-            </a:r>
-          </a:p>
-        </p:txBody>
-      </p:sp>
-      <p:sp>
-        <p:nvSpPr>
-          <p:cNvPr id="73" name="Rectangle: Rounded Corners 72">
-            <a:extLst>
-              <a:ext uri="{FF2B5EF4-FFF2-40B4-BE49-F238E27FC236}">
-                <a16:creationId xmlns:a16="http://schemas.microsoft.com/office/drawing/2014/main" id="{A2D6E9DF-B57D-4720-A46B-6902820B9710}"/>
-              </a:ext>
-            </a:extLst>
-          </p:cNvPr>
-          <p:cNvSpPr/>
-          <p:nvPr/>
-        </p:nvSpPr>
-        <p:spPr>
-          <a:xfrm>
-            <a:off x="8621949" y="2292485"/>
-            <a:ext cx="1665051" cy="457200"/>
-          </a:xfrm>
-          <a:prstGeom prst="roundRect">
-            <a:avLst/>
-          </a:prstGeom>
-        </p:spPr>
-        <p:style>
-          <a:lnRef idx="2">
-            <a:schemeClr val="accent5"/>
-          </a:lnRef>
-          <a:fillRef idx="1">
-            <a:schemeClr val="lt1"/>
-          </a:fillRef>
-          <a:effectRef idx="0">
-            <a:schemeClr val="accent5"/>
-          </a:effectRef>
-          <a:fontRef idx="minor">
-            <a:schemeClr val="dk1"/>
-          </a:fontRef>
-        </p:style>
-        <p:txBody>
-          <a:bodyPr rtlCol="0" anchor="ctr"/>
-          <a:lstStyle/>
-          <a:p>
-            <a:pPr algn="ctr"/>
-            <a:r>
-              <a:rPr lang="en-US" dirty="0">
-                <a:solidFill>
-                  <a:sysClr val="windowText" lastClr="000000"/>
-                </a:solidFill>
-              </a:rPr>
-              <a:t>Midterm</a:t>
-            </a:r>
-          </a:p>
-        </p:txBody>
-      </p:sp>
-      <p:sp>
-        <p:nvSpPr>
-          <p:cNvPr id="74" name="Rectangle: Rounded Corners 73">
-            <a:extLst>
-              <a:ext uri="{FF2B5EF4-FFF2-40B4-BE49-F238E27FC236}">
-                <a16:creationId xmlns:a16="http://schemas.microsoft.com/office/drawing/2014/main" id="{F44B2E25-4A39-475F-BECC-CB7968C8EF0A}"/>
-              </a:ext>
-            </a:extLst>
-          </p:cNvPr>
-          <p:cNvSpPr/>
-          <p:nvPr/>
-        </p:nvSpPr>
-        <p:spPr>
-          <a:xfrm>
-            <a:off x="8603305" y="4121285"/>
-            <a:ext cx="1665051" cy="457200"/>
-          </a:xfrm>
-          <a:prstGeom prst="roundRect">
-            <a:avLst/>
-          </a:prstGeom>
-        </p:spPr>
-        <p:style>
-          <a:lnRef idx="2">
-            <a:schemeClr val="accent5"/>
-          </a:lnRef>
-          <a:fillRef idx="1">
-            <a:schemeClr val="lt1"/>
-          </a:fillRef>
-          <a:effectRef idx="0">
-            <a:schemeClr val="accent5"/>
-          </a:effectRef>
-          <a:fontRef idx="minor">
-            <a:schemeClr val="dk1"/>
-          </a:fontRef>
-        </p:style>
-        <p:txBody>
-          <a:bodyPr rtlCol="0" anchor="ctr"/>
-          <a:lstStyle/>
-          <a:p>
-            <a:pPr algn="ctr"/>
-            <a:r>
-              <a:rPr lang="en-US" dirty="0">
-                <a:solidFill>
-                  <a:sysClr val="windowText" lastClr="000000"/>
-                </a:solidFill>
-              </a:rPr>
-              <a:t>Midterm</a:t>
-            </a:r>
-          </a:p>
-        </p:txBody>
-      </p:sp>
-      <p:sp>
-        <p:nvSpPr>
-          <p:cNvPr id="75" name="Rectangle: Rounded Corners 74">
-            <a:extLst>
-              <a:ext uri="{FF2B5EF4-FFF2-40B4-BE49-F238E27FC236}">
-                <a16:creationId xmlns:a16="http://schemas.microsoft.com/office/drawing/2014/main" id="{BC35DE89-E4EB-43EA-B048-920EFCFAF73A}"/>
-              </a:ext>
-            </a:extLst>
-          </p:cNvPr>
-          <p:cNvSpPr/>
-          <p:nvPr/>
-        </p:nvSpPr>
-        <p:spPr>
-          <a:xfrm>
-            <a:off x="5238347" y="5969540"/>
-            <a:ext cx="4995154" cy="457200"/>
-          </a:xfrm>
-          <a:prstGeom prst="roundRect">
-            <a:avLst/>
-          </a:prstGeom>
-        </p:spPr>
-        <p:style>
-          <a:lnRef idx="2">
-            <a:schemeClr val="accent6"/>
-          </a:lnRef>
-          <a:fillRef idx="1">
-            <a:schemeClr val="lt1"/>
-          </a:fillRef>
-          <a:effectRef idx="0">
-            <a:schemeClr val="accent6"/>
-          </a:effectRef>
-          <a:fontRef idx="minor">
-            <a:schemeClr val="dk1"/>
-          </a:fontRef>
-        </p:style>
-        <p:txBody>
-          <a:bodyPr rtlCol="0" anchor="ctr"/>
-          <a:lstStyle/>
-          <a:p>
-            <a:pPr algn="ctr"/>
-            <a:r>
-              <a:rPr lang="en-US" dirty="0">
-                <a:solidFill>
-                  <a:sysClr val="windowText" lastClr="000000"/>
-                </a:solidFill>
-              </a:rPr>
-              <a:t>Final</a:t>
-            </a:r>
-          </a:p>
-        </p:txBody>
-      </p:sp>
-    </p:spTree>
-    <p:extLst>
-      <p:ext uri="{BB962C8B-B14F-4D97-AF65-F5344CB8AC3E}">
-        <p14:creationId xmlns:p14="http://schemas.microsoft.com/office/powerpoint/2010/main" val="3998987576"/>
-      </p:ext>
-    </p:extLst>
-  </p:cSld>
-  <p:clrMapOvr>
-    <a:masterClrMapping/>
-  </p:clrMapOvr>
-</p:sld>
-</file>
-
-<file path=ppt/slides/slide5.xml><?xml version="1.0" encoding="utf-8"?>
-<p:sld xmlns:a="http://schemas.openxmlformats.org/drawingml/2006/main" xmlns:r="http://schemas.openxmlformats.org/officeDocument/2006/relationships" xmlns:p="http://schemas.openxmlformats.org/presentationml/2006/main">
-  <p:cSld>
-    <p:spTree>
-      <p:nvGrpSpPr>
-        <p:cNvPr id="1" name=""/>
-        <p:cNvGrpSpPr/>
-        <p:nvPr/>
-      </p:nvGrpSpPr>
-      <p:grpSpPr>
-        <a:xfrm>
-          <a:off x="0" y="0"/>
-          <a:ext cx="0" cy="0"/>
-          <a:chOff x="0" y="0"/>
-          <a:chExt cx="0" cy="0"/>
-        </a:xfrm>
-      </p:grpSpPr>
-      <p:sp>
-        <p:nvSpPr>
           <p:cNvPr id="2" name="Title 1">
             <a:extLst>
               <a:ext uri="{FF2B5EF4-FFF2-40B4-BE49-F238E27FC236}">
@@ -7608,7 +3466,7 @@
         <p:spPr/>
         <p:txBody>
           <a:bodyPr>
-            <a:normAutofit fontScale="85000" lnSpcReduction="20000"/>
+            <a:normAutofit fontScale="77500" lnSpcReduction="20000"/>
           </a:bodyPr>
           <a:lstStyle/>
           <a:p>
@@ -7683,7 +3541,7 @@
 </p:sld>
 </file>
 
-<file path=ppt/slides/slide6.xml><?xml version="1.0" encoding="utf-8"?>
+<file path=ppt/slides/slide2.xml><?xml version="1.0" encoding="utf-8"?>
 <p:sld xmlns:a="http://schemas.openxmlformats.org/drawingml/2006/main" xmlns:r="http://schemas.openxmlformats.org/officeDocument/2006/relationships" xmlns:p="http://schemas.openxmlformats.org/presentationml/2006/main">
   <p:cSld>
     <p:spTree>
@@ -7714,8 +3572,8 @@
         </p:nvGrpSpPr>
         <p:grpSpPr>
           <a:xfrm>
-            <a:off x="857656" y="1103701"/>
-            <a:ext cx="7428687" cy="5597035"/>
+            <a:off x="1516636" y="1600200"/>
+            <a:ext cx="6110728" cy="4604038"/>
             <a:chOff x="228600" y="228600"/>
             <a:chExt cx="8495487" cy="6400800"/>
           </a:xfrm>
@@ -8912,7 +4770,9 @@
           <a:p>
             <a:pPr algn="ctr"/>
             <a:r>
-              <a:rPr lang="en-US" sz="3600" dirty="0"/>
+              <a:rPr lang="en-US" sz="3600" dirty="0">
+                <a:latin typeface="Bookman Old Style" panose="02050604050505020204" pitchFamily="18" charset="0"/>
+              </a:rPr>
               <a:t>Traditional Class</a:t>
             </a:r>
           </a:p>
@@ -8931,7 +4791,7 @@
 </p:sld>
 </file>
 
-<file path=ppt/slides/slide7.xml><?xml version="1.0" encoding="utf-8"?>
+<file path=ppt/slides/slide3.xml><?xml version="1.0" encoding="utf-8"?>
 <p:sld xmlns:a="http://schemas.openxmlformats.org/drawingml/2006/main" xmlns:r="http://schemas.openxmlformats.org/officeDocument/2006/relationships" xmlns:p="http://schemas.openxmlformats.org/presentationml/2006/main">
   <p:cSld>
     <p:spTree>
@@ -8978,7 +4838,9 @@
           <a:p>
             <a:pPr algn="ctr"/>
             <a:r>
-              <a:rPr lang="en-US" sz="3600" dirty="0"/>
+              <a:rPr lang="en-US" sz="3600" dirty="0">
+                <a:latin typeface="Bookman Old Style" panose="02050604050505020204" pitchFamily="18" charset="0"/>
+              </a:rPr>
               <a:t>Agile Class</a:t>
             </a:r>
           </a:p>
@@ -8998,8 +4860,8 @@
         </p:nvGrpSpPr>
         <p:grpSpPr>
           <a:xfrm>
-            <a:off x="762000" y="1109472"/>
-            <a:ext cx="7424928" cy="5596128"/>
+            <a:off x="1311995" y="1524000"/>
+            <a:ext cx="6324938" cy="4767072"/>
             <a:chOff x="228600" y="228600"/>
             <a:chExt cx="8438138" cy="6400800"/>
           </a:xfrm>
@@ -9621,7 +5483,7 @@
 </p:sld>
 </file>
 
-<file path=ppt/slides/slide8.xml><?xml version="1.0" encoding="utf-8"?>
+<file path=ppt/slides/slide4.xml><?xml version="1.0" encoding="utf-8"?>
 <p:sld xmlns:a="http://schemas.openxmlformats.org/drawingml/2006/main" xmlns:r="http://schemas.openxmlformats.org/officeDocument/2006/relationships" xmlns:p="http://schemas.openxmlformats.org/presentationml/2006/main">
   <p:cSld>
     <p:spTree>
@@ -9688,8 +5550,8 @@
         </p:blipFill>
         <p:spPr>
           <a:xfrm>
-            <a:off x="304800" y="1417638"/>
-            <a:ext cx="4163307" cy="4139741"/>
+            <a:off x="641670" y="1752601"/>
+            <a:ext cx="3489568" cy="3469816"/>
           </a:xfrm>
           <a:prstGeom prst="rect">
             <a:avLst/>
@@ -9718,8 +5580,8 @@
         </p:blipFill>
         <p:spPr>
           <a:xfrm>
-            <a:off x="4675895" y="1417638"/>
-            <a:ext cx="4283576" cy="4139741"/>
+            <a:off x="5022496" y="1752602"/>
+            <a:ext cx="3590374" cy="3469814"/>
           </a:xfrm>
           <a:prstGeom prst="rect">
             <a:avLst/>
@@ -9730,6 +5592,1020 @@
     <p:extLst>
       <p:ext uri="{BB962C8B-B14F-4D97-AF65-F5344CB8AC3E}">
         <p14:creationId xmlns:p14="http://schemas.microsoft.com/office/powerpoint/2010/main" val="3530903957"/>
+      </p:ext>
+    </p:extLst>
+  </p:cSld>
+  <p:clrMapOvr>
+    <a:masterClrMapping/>
+  </p:clrMapOvr>
+</p:sld>
+</file>
+
+<file path=ppt/slides/slide5.xml><?xml version="1.0" encoding="utf-8"?>
+<p:sld xmlns:a="http://schemas.openxmlformats.org/drawingml/2006/main" xmlns:r="http://schemas.openxmlformats.org/officeDocument/2006/relationships" xmlns:p="http://schemas.openxmlformats.org/presentationml/2006/main">
+  <p:cSld>
+    <p:spTree>
+      <p:nvGrpSpPr>
+        <p:cNvPr id="1" name=""/>
+        <p:cNvGrpSpPr/>
+        <p:nvPr/>
+      </p:nvGrpSpPr>
+      <p:grpSpPr>
+        <a:xfrm>
+          <a:off x="0" y="0"/>
+          <a:ext cx="0" cy="0"/>
+          <a:chOff x="0" y="0"/>
+          <a:chExt cx="0" cy="0"/>
+        </a:xfrm>
+      </p:grpSpPr>
+      <p:sp>
+        <p:nvSpPr>
+          <p:cNvPr id="2" name="Title 1">
+            <a:extLst>
+              <a:ext uri="{FF2B5EF4-FFF2-40B4-BE49-F238E27FC236}">
+                <a16:creationId xmlns:a16="http://schemas.microsoft.com/office/drawing/2014/main" id="{75E0EAE5-9AA9-4848-8E2D-54D7F57AB360}"/>
+              </a:ext>
+            </a:extLst>
+          </p:cNvPr>
+          <p:cNvSpPr>
+            <a:spLocks noGrp="1"/>
+          </p:cNvSpPr>
+          <p:nvPr>
+            <p:ph type="title"/>
+          </p:nvPr>
+        </p:nvSpPr>
+        <p:spPr>
+          <a:xfrm>
+            <a:off x="457200" y="152400"/>
+            <a:ext cx="8229600" cy="1143000"/>
+          </a:xfrm>
+        </p:spPr>
+        <p:txBody>
+          <a:bodyPr>
+            <a:normAutofit/>
+          </a:bodyPr>
+          <a:lstStyle/>
+          <a:p>
+            <a:r>
+              <a:rPr lang="en-US" dirty="0"/>
+              <a:t>Sprint Details</a:t>
+            </a:r>
+          </a:p>
+        </p:txBody>
+      </p:sp>
+      <p:grpSp>
+        <p:nvGrpSpPr>
+          <p:cNvPr id="3" name="Group 2">
+            <a:extLst>
+              <a:ext uri="{FF2B5EF4-FFF2-40B4-BE49-F238E27FC236}">
+                <a16:creationId xmlns:a16="http://schemas.microsoft.com/office/drawing/2014/main" id="{0A62E352-F2DE-4EDC-93DC-5422F2672DA7}"/>
+              </a:ext>
+            </a:extLst>
+          </p:cNvPr>
+          <p:cNvGrpSpPr/>
+          <p:nvPr/>
+        </p:nvGrpSpPr>
+        <p:grpSpPr>
+          <a:xfrm>
+            <a:off x="2787724" y="1524000"/>
+            <a:ext cx="3705188" cy="4894692"/>
+            <a:chOff x="4282966" y="1343694"/>
+            <a:chExt cx="3978165" cy="5255304"/>
+          </a:xfrm>
+        </p:grpSpPr>
+        <p:sp>
+          <p:nvSpPr>
+            <p:cNvPr id="25" name="Rectangle: Rounded Corners 24">
+              <a:extLst>
+                <a:ext uri="{FF2B5EF4-FFF2-40B4-BE49-F238E27FC236}">
+                  <a16:creationId xmlns:a16="http://schemas.microsoft.com/office/drawing/2014/main" id="{9502171D-92EF-4D7B-BF68-A2C6AA8DF8BE}"/>
+                </a:ext>
+              </a:extLst>
+            </p:cNvPr>
+            <p:cNvSpPr/>
+            <p:nvPr/>
+          </p:nvSpPr>
+          <p:spPr>
+            <a:xfrm>
+              <a:off x="4282966" y="1783337"/>
+              <a:ext cx="1905000" cy="1200140"/>
+            </a:xfrm>
+            <a:prstGeom prst="roundRect">
+              <a:avLst/>
+            </a:prstGeom>
+          </p:spPr>
+          <p:style>
+            <a:lnRef idx="2">
+              <a:schemeClr val="accent4"/>
+            </a:lnRef>
+            <a:fillRef idx="1">
+              <a:schemeClr val="lt1"/>
+            </a:fillRef>
+            <a:effectRef idx="0">
+              <a:schemeClr val="accent4"/>
+            </a:effectRef>
+            <a:fontRef idx="minor">
+              <a:schemeClr val="dk1"/>
+            </a:fontRef>
+          </p:style>
+          <p:txBody>
+            <a:bodyPr rtlCol="0" anchor="ctr"/>
+            <a:lstStyle/>
+            <a:p>
+              <a:pPr algn="ctr"/>
+              <a:r>
+                <a:rPr lang="en-US" dirty="0"/>
+                <a:t>Lecture</a:t>
+              </a:r>
+            </a:p>
+          </p:txBody>
+        </p:sp>
+        <p:sp>
+          <p:nvSpPr>
+            <p:cNvPr id="26" name="Rectangle: Rounded Corners 25">
+              <a:extLst>
+                <a:ext uri="{FF2B5EF4-FFF2-40B4-BE49-F238E27FC236}">
+                  <a16:creationId xmlns:a16="http://schemas.microsoft.com/office/drawing/2014/main" id="{D666A055-54C4-40D9-9DBC-46C61BA05C83}"/>
+                </a:ext>
+              </a:extLst>
+            </p:cNvPr>
+            <p:cNvSpPr/>
+            <p:nvPr/>
+          </p:nvSpPr>
+          <p:spPr>
+            <a:xfrm>
+              <a:off x="4282966" y="2983477"/>
+              <a:ext cx="1905000" cy="1200140"/>
+            </a:xfrm>
+            <a:prstGeom prst="roundRect">
+              <a:avLst/>
+            </a:prstGeom>
+          </p:spPr>
+          <p:style>
+            <a:lnRef idx="2">
+              <a:schemeClr val="accent4"/>
+            </a:lnRef>
+            <a:fillRef idx="1">
+              <a:schemeClr val="lt1"/>
+            </a:fillRef>
+            <a:effectRef idx="0">
+              <a:schemeClr val="accent4"/>
+            </a:effectRef>
+            <a:fontRef idx="minor">
+              <a:schemeClr val="dk1"/>
+            </a:fontRef>
+          </p:style>
+          <p:txBody>
+            <a:bodyPr rtlCol="0" anchor="ctr"/>
+            <a:lstStyle/>
+            <a:p>
+              <a:pPr algn="ctr"/>
+              <a:r>
+                <a:rPr lang="en-US" dirty="0"/>
+                <a:t>Sprint Day</a:t>
+              </a:r>
+            </a:p>
+          </p:txBody>
+        </p:sp>
+        <p:sp>
+          <p:nvSpPr>
+            <p:cNvPr id="29" name="Rectangle: Rounded Corners 28">
+              <a:extLst>
+                <a:ext uri="{FF2B5EF4-FFF2-40B4-BE49-F238E27FC236}">
+                  <a16:creationId xmlns:a16="http://schemas.microsoft.com/office/drawing/2014/main" id="{D658552E-B03F-4AC9-9965-7A9F39C7BC0A}"/>
+                </a:ext>
+              </a:extLst>
+            </p:cNvPr>
+            <p:cNvSpPr/>
+            <p:nvPr/>
+          </p:nvSpPr>
+          <p:spPr>
+            <a:xfrm>
+              <a:off x="4290849" y="4189280"/>
+              <a:ext cx="1905000" cy="1200140"/>
+            </a:xfrm>
+            <a:prstGeom prst="roundRect">
+              <a:avLst/>
+            </a:prstGeom>
+          </p:spPr>
+          <p:style>
+            <a:lnRef idx="2">
+              <a:schemeClr val="accent4"/>
+            </a:lnRef>
+            <a:fillRef idx="1">
+              <a:schemeClr val="lt1"/>
+            </a:fillRef>
+            <a:effectRef idx="0">
+              <a:schemeClr val="accent4"/>
+            </a:effectRef>
+            <a:fontRef idx="minor">
+              <a:schemeClr val="dk1"/>
+            </a:fontRef>
+          </p:style>
+          <p:txBody>
+            <a:bodyPr rtlCol="0" anchor="ctr"/>
+            <a:lstStyle/>
+            <a:p>
+              <a:pPr algn="ctr"/>
+              <a:r>
+                <a:rPr lang="en-US" dirty="0"/>
+                <a:t>Lecture</a:t>
+              </a:r>
+            </a:p>
+          </p:txBody>
+        </p:sp>
+        <p:sp>
+          <p:nvSpPr>
+            <p:cNvPr id="30" name="Rectangle: Rounded Corners 29">
+              <a:extLst>
+                <a:ext uri="{FF2B5EF4-FFF2-40B4-BE49-F238E27FC236}">
+                  <a16:creationId xmlns:a16="http://schemas.microsoft.com/office/drawing/2014/main" id="{267E08F5-CA69-4292-B5EC-82F7A7735579}"/>
+                </a:ext>
+              </a:extLst>
+            </p:cNvPr>
+            <p:cNvSpPr/>
+            <p:nvPr/>
+          </p:nvSpPr>
+          <p:spPr>
+            <a:xfrm>
+              <a:off x="4290849" y="5389420"/>
+              <a:ext cx="1905000" cy="1200140"/>
+            </a:xfrm>
+            <a:prstGeom prst="roundRect">
+              <a:avLst/>
+            </a:prstGeom>
+          </p:spPr>
+          <p:style>
+            <a:lnRef idx="2">
+              <a:schemeClr val="accent4"/>
+            </a:lnRef>
+            <a:fillRef idx="1">
+              <a:schemeClr val="lt1"/>
+            </a:fillRef>
+            <a:effectRef idx="0">
+              <a:schemeClr val="accent4"/>
+            </a:effectRef>
+            <a:fontRef idx="minor">
+              <a:schemeClr val="dk1"/>
+            </a:fontRef>
+          </p:style>
+          <p:txBody>
+            <a:bodyPr rtlCol="0" anchor="ctr"/>
+            <a:lstStyle/>
+            <a:p>
+              <a:pPr algn="ctr"/>
+              <a:r>
+                <a:rPr lang="en-US" dirty="0"/>
+                <a:t>Sprint Review</a:t>
+              </a:r>
+            </a:p>
+          </p:txBody>
+        </p:sp>
+        <p:sp>
+          <p:nvSpPr>
+            <p:cNvPr id="32" name="Rectangle: Rounded Corners 31">
+              <a:extLst>
+                <a:ext uri="{FF2B5EF4-FFF2-40B4-BE49-F238E27FC236}">
+                  <a16:creationId xmlns:a16="http://schemas.microsoft.com/office/drawing/2014/main" id="{2BAF78FA-4D2F-4049-AF13-6170C6715753}"/>
+                </a:ext>
+              </a:extLst>
+            </p:cNvPr>
+            <p:cNvSpPr/>
+            <p:nvPr/>
+          </p:nvSpPr>
+          <p:spPr>
+            <a:xfrm>
+              <a:off x="4290849" y="1343694"/>
+              <a:ext cx="1905000" cy="408906"/>
+            </a:xfrm>
+            <a:prstGeom prst="roundRect">
+              <a:avLst/>
+            </a:prstGeom>
+            <a:ln w="3175"/>
+          </p:spPr>
+          <p:style>
+            <a:lnRef idx="2">
+              <a:schemeClr val="accent4"/>
+            </a:lnRef>
+            <a:fillRef idx="1">
+              <a:schemeClr val="lt1"/>
+            </a:fillRef>
+            <a:effectRef idx="0">
+              <a:schemeClr val="accent4"/>
+            </a:effectRef>
+            <a:fontRef idx="minor">
+              <a:schemeClr val="dk1"/>
+            </a:fontRef>
+          </p:style>
+          <p:txBody>
+            <a:bodyPr rtlCol="0" anchor="ctr"/>
+            <a:lstStyle/>
+            <a:p>
+              <a:pPr algn="ctr"/>
+              <a:r>
+                <a:rPr lang="en-US" dirty="0"/>
+                <a:t>In Class</a:t>
+              </a:r>
+            </a:p>
+          </p:txBody>
+        </p:sp>
+        <p:sp>
+          <p:nvSpPr>
+            <p:cNvPr id="33" name="Rectangle: Rounded Corners 32">
+              <a:extLst>
+                <a:ext uri="{FF2B5EF4-FFF2-40B4-BE49-F238E27FC236}">
+                  <a16:creationId xmlns:a16="http://schemas.microsoft.com/office/drawing/2014/main" id="{8D2616A8-561E-4426-8BDD-D1CA008D2306}"/>
+                </a:ext>
+              </a:extLst>
+            </p:cNvPr>
+            <p:cNvSpPr/>
+            <p:nvPr/>
+          </p:nvSpPr>
+          <p:spPr>
+            <a:xfrm>
+              <a:off x="6348249" y="1768236"/>
+              <a:ext cx="1905000" cy="4830762"/>
+            </a:xfrm>
+            <a:prstGeom prst="roundRect">
+              <a:avLst/>
+            </a:prstGeom>
+          </p:spPr>
+          <p:style>
+            <a:lnRef idx="2">
+              <a:schemeClr val="accent4"/>
+            </a:lnRef>
+            <a:fillRef idx="1">
+              <a:schemeClr val="lt1"/>
+            </a:fillRef>
+            <a:effectRef idx="0">
+              <a:schemeClr val="accent4"/>
+            </a:effectRef>
+            <a:fontRef idx="minor">
+              <a:schemeClr val="dk1"/>
+            </a:fontRef>
+          </p:style>
+          <p:txBody>
+            <a:bodyPr rtlCol="0" anchor="ctr"/>
+            <a:lstStyle/>
+            <a:p>
+              <a:pPr algn="ctr"/>
+              <a:r>
+                <a:rPr lang="en-US" dirty="0"/>
+                <a:t>Hours and Hours Working on the Sprint</a:t>
+              </a:r>
+            </a:p>
+          </p:txBody>
+        </p:sp>
+        <p:sp>
+          <p:nvSpPr>
+            <p:cNvPr id="34" name="Rectangle: Rounded Corners 33">
+              <a:extLst>
+                <a:ext uri="{FF2B5EF4-FFF2-40B4-BE49-F238E27FC236}">
+                  <a16:creationId xmlns:a16="http://schemas.microsoft.com/office/drawing/2014/main" id="{C1EB6F74-F803-4D49-ABF7-8B54A3067C9E}"/>
+                </a:ext>
+              </a:extLst>
+            </p:cNvPr>
+            <p:cNvSpPr/>
+            <p:nvPr/>
+          </p:nvSpPr>
+          <p:spPr>
+            <a:xfrm>
+              <a:off x="6356131" y="1343694"/>
+              <a:ext cx="1905000" cy="408906"/>
+            </a:xfrm>
+            <a:prstGeom prst="roundRect">
+              <a:avLst/>
+            </a:prstGeom>
+            <a:ln w="3175"/>
+          </p:spPr>
+          <p:style>
+            <a:lnRef idx="2">
+              <a:schemeClr val="accent4"/>
+            </a:lnRef>
+            <a:fillRef idx="1">
+              <a:schemeClr val="lt1"/>
+            </a:fillRef>
+            <a:effectRef idx="0">
+              <a:schemeClr val="accent4"/>
+            </a:effectRef>
+            <a:fontRef idx="minor">
+              <a:schemeClr val="dk1"/>
+            </a:fontRef>
+          </p:style>
+          <p:txBody>
+            <a:bodyPr rtlCol="0" anchor="ctr"/>
+            <a:lstStyle/>
+            <a:p>
+              <a:pPr algn="ctr"/>
+              <a:r>
+                <a:rPr lang="en-US" dirty="0"/>
+                <a:t>At Home</a:t>
+              </a:r>
+            </a:p>
+          </p:txBody>
+        </p:sp>
+      </p:grpSp>
+    </p:spTree>
+    <p:extLst>
+      <p:ext uri="{BB962C8B-B14F-4D97-AF65-F5344CB8AC3E}">
+        <p14:creationId xmlns:p14="http://schemas.microsoft.com/office/powerpoint/2010/main" val="4224519607"/>
+      </p:ext>
+    </p:extLst>
+  </p:cSld>
+  <p:clrMapOvr>
+    <a:masterClrMapping/>
+  </p:clrMapOvr>
+</p:sld>
+</file>
+
+<file path=ppt/slides/slide6.xml><?xml version="1.0" encoding="utf-8"?>
+<p:sld xmlns:a="http://schemas.openxmlformats.org/drawingml/2006/main" xmlns:r="http://schemas.openxmlformats.org/officeDocument/2006/relationships" xmlns:p="http://schemas.openxmlformats.org/presentationml/2006/main">
+  <p:cSld>
+    <p:spTree>
+      <p:nvGrpSpPr>
+        <p:cNvPr id="1" name=""/>
+        <p:cNvGrpSpPr/>
+        <p:nvPr/>
+      </p:nvGrpSpPr>
+      <p:grpSpPr>
+        <a:xfrm>
+          <a:off x="0" y="0"/>
+          <a:ext cx="0" cy="0"/>
+          <a:chOff x="0" y="0"/>
+          <a:chExt cx="0" cy="0"/>
+        </a:xfrm>
+      </p:grpSpPr>
+      <p:sp>
+        <p:nvSpPr>
+          <p:cNvPr id="17" name="Rectangle: Rounded Corners 16">
+            <a:extLst>
+              <a:ext uri="{FF2B5EF4-FFF2-40B4-BE49-F238E27FC236}">
+                <a16:creationId xmlns:a16="http://schemas.microsoft.com/office/drawing/2014/main" id="{0E440D4A-FC74-41CD-A135-19CE2715DEB7}"/>
+              </a:ext>
+            </a:extLst>
+          </p:cNvPr>
+          <p:cNvSpPr/>
+          <p:nvPr/>
+        </p:nvSpPr>
+        <p:spPr>
+          <a:xfrm>
+            <a:off x="5532383" y="3223832"/>
+            <a:ext cx="1905000" cy="3264243"/>
+          </a:xfrm>
+          <a:prstGeom prst="roundRect">
+            <a:avLst/>
+          </a:prstGeom>
+        </p:spPr>
+        <p:style>
+          <a:lnRef idx="2">
+            <a:schemeClr val="accent4"/>
+          </a:lnRef>
+          <a:fillRef idx="1">
+            <a:schemeClr val="lt1"/>
+          </a:fillRef>
+          <a:effectRef idx="0">
+            <a:schemeClr val="accent4"/>
+          </a:effectRef>
+          <a:fontRef idx="minor">
+            <a:schemeClr val="dk1"/>
+          </a:fontRef>
+        </p:style>
+        <p:txBody>
+          <a:bodyPr rtlCol="0" anchor="ctr"/>
+          <a:lstStyle/>
+          <a:p>
+            <a:pPr algn="ctr"/>
+            <a:r>
+              <a:rPr lang="en-US" dirty="0"/>
+              <a:t>Sprint Group B</a:t>
+            </a:r>
+          </a:p>
+        </p:txBody>
+      </p:sp>
+      <p:sp>
+        <p:nvSpPr>
+          <p:cNvPr id="18" name="Rectangle: Rounded Corners 17">
+            <a:extLst>
+              <a:ext uri="{FF2B5EF4-FFF2-40B4-BE49-F238E27FC236}">
+                <a16:creationId xmlns:a16="http://schemas.microsoft.com/office/drawing/2014/main" id="{513FA99E-E6C9-4987-83A1-D49A8393BB51}"/>
+              </a:ext>
+            </a:extLst>
+          </p:cNvPr>
+          <p:cNvSpPr/>
+          <p:nvPr/>
+        </p:nvSpPr>
+        <p:spPr>
+          <a:xfrm>
+            <a:off x="3619500" y="983769"/>
+            <a:ext cx="1905000" cy="1627877"/>
+          </a:xfrm>
+          <a:prstGeom prst="roundRect">
+            <a:avLst/>
+          </a:prstGeom>
+        </p:spPr>
+        <p:style>
+          <a:lnRef idx="2">
+            <a:schemeClr val="accent4"/>
+          </a:lnRef>
+          <a:fillRef idx="1">
+            <a:schemeClr val="lt1"/>
+          </a:fillRef>
+          <a:effectRef idx="0">
+            <a:schemeClr val="accent4"/>
+          </a:effectRef>
+          <a:fontRef idx="minor">
+            <a:schemeClr val="dk1"/>
+          </a:fontRef>
+        </p:style>
+        <p:txBody>
+          <a:bodyPr rtlCol="0" anchor="ctr"/>
+          <a:lstStyle/>
+          <a:p>
+            <a:pPr algn="ctr"/>
+            <a:r>
+              <a:rPr lang="en-US" dirty="0"/>
+              <a:t>Week </a:t>
+            </a:r>
+          </a:p>
+        </p:txBody>
+      </p:sp>
+      <p:sp>
+        <p:nvSpPr>
+          <p:cNvPr id="22" name="Rectangle: Rounded Corners 21">
+            <a:extLst>
+              <a:ext uri="{FF2B5EF4-FFF2-40B4-BE49-F238E27FC236}">
+                <a16:creationId xmlns:a16="http://schemas.microsoft.com/office/drawing/2014/main" id="{214C748F-B946-4C4D-9244-4CD4A8ADAE6D}"/>
+              </a:ext>
+            </a:extLst>
+          </p:cNvPr>
+          <p:cNvSpPr/>
+          <p:nvPr/>
+        </p:nvSpPr>
+        <p:spPr>
+          <a:xfrm>
+            <a:off x="1706617" y="1628052"/>
+            <a:ext cx="1905000" cy="3264243"/>
+          </a:xfrm>
+          <a:prstGeom prst="roundRect">
+            <a:avLst/>
+          </a:prstGeom>
+        </p:spPr>
+        <p:style>
+          <a:lnRef idx="2">
+            <a:schemeClr val="accent4"/>
+          </a:lnRef>
+          <a:fillRef idx="1">
+            <a:schemeClr val="lt1"/>
+          </a:fillRef>
+          <a:effectRef idx="0">
+            <a:schemeClr val="accent4"/>
+          </a:effectRef>
+          <a:fontRef idx="minor">
+            <a:schemeClr val="dk1"/>
+          </a:fontRef>
+        </p:style>
+        <p:txBody>
+          <a:bodyPr rtlCol="0" anchor="ctr"/>
+          <a:lstStyle/>
+          <a:p>
+            <a:pPr algn="ctr"/>
+            <a:r>
+              <a:rPr lang="en-US" dirty="0"/>
+              <a:t>Sprint Group A</a:t>
+            </a:r>
+          </a:p>
+        </p:txBody>
+      </p:sp>
+      <p:sp>
+        <p:nvSpPr>
+          <p:cNvPr id="23" name="Rectangle: Rounded Corners 22">
+            <a:extLst>
+              <a:ext uri="{FF2B5EF4-FFF2-40B4-BE49-F238E27FC236}">
+                <a16:creationId xmlns:a16="http://schemas.microsoft.com/office/drawing/2014/main" id="{8946E746-24E5-44F8-8C66-CAFD2A8A184B}"/>
+              </a:ext>
+            </a:extLst>
+          </p:cNvPr>
+          <p:cNvSpPr/>
+          <p:nvPr/>
+        </p:nvSpPr>
+        <p:spPr>
+          <a:xfrm>
+            <a:off x="3619500" y="2611646"/>
+            <a:ext cx="1905000" cy="1627877"/>
+          </a:xfrm>
+          <a:prstGeom prst="roundRect">
+            <a:avLst/>
+          </a:prstGeom>
+        </p:spPr>
+        <p:style>
+          <a:lnRef idx="2">
+            <a:schemeClr val="accent4"/>
+          </a:lnRef>
+          <a:fillRef idx="1">
+            <a:schemeClr val="lt1"/>
+          </a:fillRef>
+          <a:effectRef idx="0">
+            <a:schemeClr val="accent4"/>
+          </a:effectRef>
+          <a:fontRef idx="minor">
+            <a:schemeClr val="dk1"/>
+          </a:fontRef>
+        </p:style>
+        <p:txBody>
+          <a:bodyPr rtlCol="0" anchor="ctr"/>
+          <a:lstStyle/>
+          <a:p>
+            <a:pPr algn="ctr"/>
+            <a:r>
+              <a:rPr lang="en-US" dirty="0"/>
+              <a:t>Week </a:t>
+            </a:r>
+          </a:p>
+        </p:txBody>
+      </p:sp>
+      <p:sp>
+        <p:nvSpPr>
+          <p:cNvPr id="24" name="Rectangle: Rounded Corners 23">
+            <a:extLst>
+              <a:ext uri="{FF2B5EF4-FFF2-40B4-BE49-F238E27FC236}">
+                <a16:creationId xmlns:a16="http://schemas.microsoft.com/office/drawing/2014/main" id="{15EBF89F-E4C5-4D04-B851-94C5C971ABA2}"/>
+              </a:ext>
+            </a:extLst>
+          </p:cNvPr>
+          <p:cNvSpPr/>
+          <p:nvPr/>
+        </p:nvSpPr>
+        <p:spPr>
+          <a:xfrm>
+            <a:off x="3619500" y="4239523"/>
+            <a:ext cx="1905000" cy="1627877"/>
+          </a:xfrm>
+          <a:prstGeom prst="roundRect">
+            <a:avLst/>
+          </a:prstGeom>
+        </p:spPr>
+        <p:style>
+          <a:lnRef idx="2">
+            <a:schemeClr val="accent4"/>
+          </a:lnRef>
+          <a:fillRef idx="1">
+            <a:schemeClr val="lt1"/>
+          </a:fillRef>
+          <a:effectRef idx="0">
+            <a:schemeClr val="accent4"/>
+          </a:effectRef>
+          <a:fontRef idx="minor">
+            <a:schemeClr val="dk1"/>
+          </a:fontRef>
+        </p:style>
+        <p:txBody>
+          <a:bodyPr rtlCol="0" anchor="ctr"/>
+          <a:lstStyle/>
+          <a:p>
+            <a:pPr algn="ctr"/>
+            <a:r>
+              <a:rPr lang="en-US" dirty="0"/>
+              <a:t>Week</a:t>
+            </a:r>
+          </a:p>
+        </p:txBody>
+      </p:sp>
+      <p:sp>
+        <p:nvSpPr>
+          <p:cNvPr id="13" name="Rectangle: Rounded Corners 12">
+            <a:extLst>
+              <a:ext uri="{FF2B5EF4-FFF2-40B4-BE49-F238E27FC236}">
+                <a16:creationId xmlns:a16="http://schemas.microsoft.com/office/drawing/2014/main" id="{681684BB-59A4-484F-ACDE-6C14558F2CCD}"/>
+              </a:ext>
+            </a:extLst>
+          </p:cNvPr>
+          <p:cNvSpPr/>
+          <p:nvPr/>
+        </p:nvSpPr>
+        <p:spPr>
+          <a:xfrm>
+            <a:off x="3619500" y="5874231"/>
+            <a:ext cx="1905000" cy="1627877"/>
+          </a:xfrm>
+          <a:prstGeom prst="roundRect">
+            <a:avLst/>
+          </a:prstGeom>
+        </p:spPr>
+        <p:style>
+          <a:lnRef idx="2">
+            <a:schemeClr val="accent4"/>
+          </a:lnRef>
+          <a:fillRef idx="1">
+            <a:schemeClr val="lt1"/>
+          </a:fillRef>
+          <a:effectRef idx="0">
+            <a:schemeClr val="accent4"/>
+          </a:effectRef>
+          <a:fontRef idx="minor">
+            <a:schemeClr val="dk1"/>
+          </a:fontRef>
+        </p:style>
+        <p:txBody>
+          <a:bodyPr rtlCol="0" anchor="ctr"/>
+          <a:lstStyle/>
+          <a:p>
+            <a:pPr algn="ctr"/>
+            <a:r>
+              <a:rPr lang="en-US" dirty="0"/>
+              <a:t>Week </a:t>
+            </a:r>
+          </a:p>
+        </p:txBody>
+      </p:sp>
+      <p:sp>
+        <p:nvSpPr>
+          <p:cNvPr id="2" name="Title 1">
+            <a:extLst>
+              <a:ext uri="{FF2B5EF4-FFF2-40B4-BE49-F238E27FC236}">
+                <a16:creationId xmlns:a16="http://schemas.microsoft.com/office/drawing/2014/main" id="{75E0EAE5-9AA9-4848-8E2D-54D7F57AB360}"/>
+              </a:ext>
+            </a:extLst>
+          </p:cNvPr>
+          <p:cNvSpPr>
+            <a:spLocks noGrp="1"/>
+          </p:cNvSpPr>
+          <p:nvPr>
+            <p:ph type="title"/>
+          </p:nvPr>
+        </p:nvSpPr>
+        <p:spPr>
+          <a:solidFill>
+            <a:schemeClr val="bg1"/>
+          </a:solidFill>
+        </p:spPr>
+        <p:txBody>
+          <a:bodyPr/>
+          <a:lstStyle/>
+          <a:p>
+            <a:r>
+              <a:rPr lang="en-US" dirty="0"/>
+              <a:t>Two groups in class</a:t>
+            </a:r>
+          </a:p>
+        </p:txBody>
+      </p:sp>
+    </p:spTree>
+    <p:extLst>
+      <p:ext uri="{BB962C8B-B14F-4D97-AF65-F5344CB8AC3E}">
+        <p14:creationId xmlns:p14="http://schemas.microsoft.com/office/powerpoint/2010/main" val="2551999765"/>
+      </p:ext>
+    </p:extLst>
+  </p:cSld>
+  <p:clrMapOvr>
+    <a:masterClrMapping/>
+  </p:clrMapOvr>
+</p:sld>
+</file>
+
+<file path=ppt/slides/slide7.xml><?xml version="1.0" encoding="utf-8"?>
+<p:sld xmlns:a="http://schemas.openxmlformats.org/drawingml/2006/main" xmlns:r="http://schemas.openxmlformats.org/officeDocument/2006/relationships" xmlns:p="http://schemas.openxmlformats.org/presentationml/2006/main">
+  <p:cSld>
+    <p:spTree>
+      <p:nvGrpSpPr>
+        <p:cNvPr id="1" name=""/>
+        <p:cNvGrpSpPr/>
+        <p:nvPr/>
+      </p:nvGrpSpPr>
+      <p:grpSpPr>
+        <a:xfrm>
+          <a:off x="0" y="0"/>
+          <a:ext cx="0" cy="0"/>
+          <a:chOff x="0" y="0"/>
+          <a:chExt cx="0" cy="0"/>
+        </a:xfrm>
+      </p:grpSpPr>
+      <p:sp>
+        <p:nvSpPr>
+          <p:cNvPr id="2" name="Title 1">
+            <a:extLst>
+              <a:ext uri="{FF2B5EF4-FFF2-40B4-BE49-F238E27FC236}">
+                <a16:creationId xmlns:a16="http://schemas.microsoft.com/office/drawing/2014/main" id="{0C24082B-EC41-4186-B4DC-CB298AF8084D}"/>
+              </a:ext>
+            </a:extLst>
+          </p:cNvPr>
+          <p:cNvSpPr>
+            <a:spLocks noGrp="1"/>
+          </p:cNvSpPr>
+          <p:nvPr>
+            <p:ph type="title"/>
+          </p:nvPr>
+        </p:nvSpPr>
+        <p:spPr/>
+        <p:txBody>
+          <a:bodyPr>
+            <a:normAutofit/>
+          </a:bodyPr>
+          <a:lstStyle/>
+          <a:p>
+            <a:r>
+              <a:rPr lang="en-US" dirty="0"/>
+              <a:t>Sprint “Homework”</a:t>
+            </a:r>
+          </a:p>
+        </p:txBody>
+      </p:sp>
+      <p:sp>
+        <p:nvSpPr>
+          <p:cNvPr id="3" name="Content Placeholder 2">
+            <a:extLst>
+              <a:ext uri="{FF2B5EF4-FFF2-40B4-BE49-F238E27FC236}">
+                <a16:creationId xmlns:a16="http://schemas.microsoft.com/office/drawing/2014/main" id="{A231C8C5-B0CC-4008-AA5D-DCA2F8E57EB8}"/>
+              </a:ext>
+            </a:extLst>
+          </p:cNvPr>
+          <p:cNvSpPr>
+            <a:spLocks noGrp="1"/>
+          </p:cNvSpPr>
+          <p:nvPr>
+            <p:ph idx="1"/>
+          </p:nvPr>
+        </p:nvSpPr>
+        <p:spPr/>
+        <p:txBody>
+          <a:bodyPr>
+            <a:normAutofit/>
+          </a:bodyPr>
+          <a:lstStyle/>
+          <a:p>
+            <a:pPr marL="0" indent="0">
+              <a:buNone/>
+            </a:pPr>
+            <a:r>
+              <a:rPr lang="en-US" sz="2400" dirty="0"/>
+              <a:t>It’s up to you, as long as…</a:t>
+            </a:r>
+          </a:p>
+          <a:p>
+            <a:r>
+              <a:rPr lang="en-US" sz="2400" dirty="0"/>
+              <a:t>It’s relevant</a:t>
+            </a:r>
+          </a:p>
+          <a:p>
+            <a:r>
+              <a:rPr lang="en-US" sz="2400" dirty="0"/>
+              <a:t>Covers the themes</a:t>
+            </a:r>
+          </a:p>
+          <a:p>
+            <a:r>
+              <a:rPr lang="en-US" sz="2400" dirty="0"/>
+              <a:t>It isn’t for another class, etc.</a:t>
+            </a:r>
+          </a:p>
+        </p:txBody>
+      </p:sp>
+    </p:spTree>
+    <p:extLst>
+      <p:ext uri="{BB962C8B-B14F-4D97-AF65-F5344CB8AC3E}">
+        <p14:creationId xmlns:p14="http://schemas.microsoft.com/office/powerpoint/2010/main" val="2710456142"/>
+      </p:ext>
+    </p:extLst>
+  </p:cSld>
+  <p:clrMapOvr>
+    <a:masterClrMapping/>
+  </p:clrMapOvr>
+</p:sld>
+</file>
+
+<file path=ppt/slides/slide8.xml><?xml version="1.0" encoding="utf-8"?>
+<p:sld xmlns:a="http://schemas.openxmlformats.org/drawingml/2006/main" xmlns:r="http://schemas.openxmlformats.org/officeDocument/2006/relationships" xmlns:p="http://schemas.openxmlformats.org/presentationml/2006/main">
+  <p:cSld>
+    <p:spTree>
+      <p:nvGrpSpPr>
+        <p:cNvPr id="1" name=""/>
+        <p:cNvGrpSpPr/>
+        <p:nvPr/>
+      </p:nvGrpSpPr>
+      <p:grpSpPr>
+        <a:xfrm>
+          <a:off x="0" y="0"/>
+          <a:ext cx="0" cy="0"/>
+          <a:chOff x="0" y="0"/>
+          <a:chExt cx="0" cy="0"/>
+        </a:xfrm>
+      </p:grpSpPr>
+      <p:sp>
+        <p:nvSpPr>
+          <p:cNvPr id="2" name="Title 1">
+            <a:extLst>
+              <a:ext uri="{FF2B5EF4-FFF2-40B4-BE49-F238E27FC236}">
+                <a16:creationId xmlns:a16="http://schemas.microsoft.com/office/drawing/2014/main" id="{C3751185-F855-4918-B086-090DB565E6C5}"/>
+              </a:ext>
+            </a:extLst>
+          </p:cNvPr>
+          <p:cNvSpPr>
+            <a:spLocks noGrp="1"/>
+          </p:cNvSpPr>
+          <p:nvPr>
+            <p:ph type="title"/>
+          </p:nvPr>
+        </p:nvSpPr>
+        <p:spPr/>
+        <p:txBody>
+          <a:bodyPr/>
+          <a:lstStyle/>
+          <a:p>
+            <a:r>
+              <a:rPr lang="en-US" dirty="0"/>
+              <a:t>Sprint Grading?</a:t>
+            </a:r>
+          </a:p>
+        </p:txBody>
+      </p:sp>
+      <p:sp>
+        <p:nvSpPr>
+          <p:cNvPr id="3" name="Content Placeholder 2">
+            <a:extLst>
+              <a:ext uri="{FF2B5EF4-FFF2-40B4-BE49-F238E27FC236}">
+                <a16:creationId xmlns:a16="http://schemas.microsoft.com/office/drawing/2014/main" id="{23746DE9-A98C-4774-8E4D-FD4AAD9C11E8}"/>
+              </a:ext>
+            </a:extLst>
+          </p:cNvPr>
+          <p:cNvSpPr>
+            <a:spLocks noGrp="1"/>
+          </p:cNvSpPr>
+          <p:nvPr>
+            <p:ph idx="1"/>
+          </p:nvPr>
+        </p:nvSpPr>
+        <p:spPr/>
+        <p:txBody>
+          <a:bodyPr>
+            <a:normAutofit/>
+          </a:bodyPr>
+          <a:lstStyle/>
+          <a:p>
+            <a:pPr marL="514350" indent="-514350">
+              <a:buFont typeface="+mj-lt"/>
+              <a:buAutoNum type="arabicPeriod"/>
+            </a:pPr>
+            <a:r>
+              <a:rPr lang="en-US" sz="2400" dirty="0"/>
+              <a:t>Your self assessment.</a:t>
+            </a:r>
+          </a:p>
+          <a:p>
+            <a:pPr marL="914400" lvl="1" indent="-514350">
+              <a:buFont typeface="+mj-lt"/>
+              <a:buAutoNum type="arabicPeriod"/>
+            </a:pPr>
+            <a:r>
+              <a:rPr lang="en-US" sz="2000" dirty="0"/>
+              <a:t>Did you spend hours and hours outside of class working on this sprint?</a:t>
+            </a:r>
+          </a:p>
+          <a:p>
+            <a:pPr marL="514350" indent="-514350">
+              <a:buFont typeface="+mj-lt"/>
+              <a:buAutoNum type="arabicPeriod"/>
+            </a:pPr>
+            <a:r>
+              <a:rPr lang="en-US" sz="2400" dirty="0"/>
+              <a:t>My assessment.</a:t>
+            </a:r>
+          </a:p>
+          <a:p>
+            <a:pPr marL="914400" lvl="1" indent="-514350">
+              <a:buFont typeface="+mj-lt"/>
+              <a:buAutoNum type="arabicPeriod"/>
+            </a:pPr>
+            <a:r>
+              <a:rPr lang="en-US" sz="2000" dirty="0"/>
+              <a:t>You can communicate about the project.</a:t>
+            </a:r>
+          </a:p>
+          <a:p>
+            <a:pPr marL="914400" lvl="1" indent="-514350">
+              <a:buFont typeface="+mj-lt"/>
+              <a:buAutoNum type="arabicPeriod"/>
+            </a:pPr>
+            <a:r>
+              <a:rPr lang="en-US" sz="2000" dirty="0"/>
+              <a:t>You are participating in class.</a:t>
+            </a:r>
+          </a:p>
+          <a:p>
+            <a:pPr marL="914400" lvl="1" indent="-514350">
+              <a:buFont typeface="+mj-lt"/>
+              <a:buAutoNum type="arabicPeriod"/>
+            </a:pPr>
+            <a:r>
+              <a:rPr lang="en-US" sz="2000" dirty="0"/>
+              <a:t>What you achieved in your sprint.</a:t>
+            </a:r>
+          </a:p>
+        </p:txBody>
+      </p:sp>
+    </p:spTree>
+    <p:extLst>
+      <p:ext uri="{BB962C8B-B14F-4D97-AF65-F5344CB8AC3E}">
+        <p14:creationId xmlns:p14="http://schemas.microsoft.com/office/powerpoint/2010/main" val="813361690"/>
       </p:ext>
     </p:extLst>
   </p:cSld>
@@ -9761,7 +6637,7 @@
           <p:cNvPr id="2" name="Title 1">
             <a:extLst>
               <a:ext uri="{FF2B5EF4-FFF2-40B4-BE49-F238E27FC236}">
-                <a16:creationId xmlns:a16="http://schemas.microsoft.com/office/drawing/2014/main" id="{75E0EAE5-9AA9-4848-8E2D-54D7F57AB360}"/>
+                <a16:creationId xmlns:a16="http://schemas.microsoft.com/office/drawing/2014/main" id="{5E68C443-861F-47C1-9FCD-AE2758DE2CC1}"/>
               </a:ext>
             </a:extLst>
           </p:cNvPr>
@@ -9779,524 +6655,49 @@
           <a:p>
             <a:r>
               <a:rPr lang="en-US" dirty="0"/>
-              <a:t>What a sprint will look like to you</a:t>
-            </a:r>
-          </a:p>
-        </p:txBody>
-      </p:sp>
-      <p:sp>
-        <p:nvSpPr>
-          <p:cNvPr id="22" name="Rectangle: Rounded Corners 21">
+              <a:t>Things to remember</a:t>
+            </a:r>
+          </a:p>
+        </p:txBody>
+      </p:sp>
+      <p:sp>
+        <p:nvSpPr>
+          <p:cNvPr id="3" name="Content Placeholder 2">
             <a:extLst>
               <a:ext uri="{FF2B5EF4-FFF2-40B4-BE49-F238E27FC236}">
-                <a16:creationId xmlns:a16="http://schemas.microsoft.com/office/drawing/2014/main" id="{214C748F-B946-4C4D-9244-4CD4A8ADAE6D}"/>
+                <a16:creationId xmlns:a16="http://schemas.microsoft.com/office/drawing/2014/main" id="{3296FF32-E347-4F2E-B427-830FB22D1969}"/>
               </a:ext>
             </a:extLst>
           </p:cNvPr>
-          <p:cNvSpPr/>
-          <p:nvPr/>
-        </p:nvSpPr>
-        <p:spPr>
-          <a:xfrm>
-            <a:off x="2254468" y="1762455"/>
-            <a:ext cx="990600" cy="4813077"/>
-          </a:xfrm>
-          <a:prstGeom prst="roundRect">
-            <a:avLst/>
-          </a:prstGeom>
-        </p:spPr>
-        <p:style>
-          <a:lnRef idx="2">
-            <a:schemeClr val="accent1"/>
-          </a:lnRef>
-          <a:fillRef idx="1">
-            <a:schemeClr val="lt1"/>
-          </a:fillRef>
-          <a:effectRef idx="0">
-            <a:schemeClr val="accent1"/>
-          </a:effectRef>
-          <a:fontRef idx="minor">
-            <a:schemeClr val="dk1"/>
-          </a:fontRef>
-        </p:style>
-        <p:txBody>
-          <a:bodyPr rtlCol="0" anchor="ctr"/>
+          <p:cNvSpPr>
+            <a:spLocks noGrp="1"/>
+          </p:cNvSpPr>
+          <p:nvPr>
+            <p:ph idx="1"/>
+          </p:nvPr>
+        </p:nvSpPr>
+        <p:spPr/>
+        <p:txBody>
+          <a:bodyPr>
+            <a:normAutofit/>
+          </a:bodyPr>
           <a:lstStyle/>
           <a:p>
-            <a:pPr algn="ctr"/>
-            <a:r>
-              <a:rPr lang="en-US" dirty="0"/>
-              <a:t>Sprint</a:t>
-            </a:r>
-          </a:p>
-        </p:txBody>
-      </p:sp>
-      <p:sp>
-        <p:nvSpPr>
-          <p:cNvPr id="23" name="Rectangle: Rounded Corners 22">
-            <a:extLst>
-              <a:ext uri="{FF2B5EF4-FFF2-40B4-BE49-F238E27FC236}">
-                <a16:creationId xmlns:a16="http://schemas.microsoft.com/office/drawing/2014/main" id="{8946E746-24E5-44F8-8C66-CAFD2A8A184B}"/>
-              </a:ext>
-            </a:extLst>
-          </p:cNvPr>
-          <p:cNvSpPr/>
-          <p:nvPr/>
-        </p:nvSpPr>
-        <p:spPr>
-          <a:xfrm>
-            <a:off x="3268717" y="1761072"/>
-            <a:ext cx="990600" cy="1222405"/>
-          </a:xfrm>
-          <a:prstGeom prst="roundRect">
-            <a:avLst/>
-          </a:prstGeom>
-        </p:spPr>
-        <p:style>
-          <a:lnRef idx="2">
-            <a:schemeClr val="dk1"/>
-          </a:lnRef>
-          <a:fillRef idx="1">
-            <a:schemeClr val="lt1"/>
-          </a:fillRef>
-          <a:effectRef idx="0">
-            <a:schemeClr val="dk1"/>
-          </a:effectRef>
-          <a:fontRef idx="minor">
-            <a:schemeClr val="dk1"/>
-          </a:fontRef>
-        </p:style>
-        <p:txBody>
-          <a:bodyPr rtlCol="0" anchor="ctr"/>
-          <a:lstStyle/>
-          <a:p>
-            <a:pPr algn="ctr"/>
-            <a:r>
-              <a:rPr lang="en-US" dirty="0"/>
-              <a:t>Week</a:t>
-            </a:r>
-          </a:p>
-        </p:txBody>
-      </p:sp>
-      <p:sp>
-        <p:nvSpPr>
-          <p:cNvPr id="24" name="Rectangle: Rounded Corners 23">
-            <a:extLst>
-              <a:ext uri="{FF2B5EF4-FFF2-40B4-BE49-F238E27FC236}">
-                <a16:creationId xmlns:a16="http://schemas.microsoft.com/office/drawing/2014/main" id="{15EBF89F-E4C5-4D04-B851-94C5C971ABA2}"/>
-              </a:ext>
-            </a:extLst>
-          </p:cNvPr>
-          <p:cNvSpPr/>
-          <p:nvPr/>
-        </p:nvSpPr>
-        <p:spPr>
-          <a:xfrm>
-            <a:off x="3268717" y="2989140"/>
-            <a:ext cx="990600" cy="2400280"/>
-          </a:xfrm>
-          <a:prstGeom prst="roundRect">
-            <a:avLst/>
-          </a:prstGeom>
-        </p:spPr>
-        <p:style>
-          <a:lnRef idx="2">
-            <a:schemeClr val="dk1"/>
-          </a:lnRef>
-          <a:fillRef idx="1">
-            <a:schemeClr val="lt1"/>
-          </a:fillRef>
-          <a:effectRef idx="0">
-            <a:schemeClr val="dk1"/>
-          </a:effectRef>
-          <a:fontRef idx="minor">
-            <a:schemeClr val="dk1"/>
-          </a:fontRef>
-        </p:style>
-        <p:txBody>
-          <a:bodyPr rtlCol="0" anchor="ctr"/>
-          <a:lstStyle/>
-          <a:p>
-            <a:pPr algn="ctr"/>
-            <a:r>
-              <a:rPr lang="en-US" dirty="0"/>
-              <a:t>Week</a:t>
-            </a:r>
-          </a:p>
-        </p:txBody>
-      </p:sp>
-      <p:sp>
-        <p:nvSpPr>
-          <p:cNvPr id="25" name="Rectangle: Rounded Corners 24">
-            <a:extLst>
-              <a:ext uri="{FF2B5EF4-FFF2-40B4-BE49-F238E27FC236}">
-                <a16:creationId xmlns:a16="http://schemas.microsoft.com/office/drawing/2014/main" id="{9502171D-92EF-4D7B-BF68-A2C6AA8DF8BE}"/>
-              </a:ext>
-            </a:extLst>
-          </p:cNvPr>
-          <p:cNvSpPr/>
-          <p:nvPr/>
-        </p:nvSpPr>
-        <p:spPr>
-          <a:xfrm>
-            <a:off x="4282966" y="1783337"/>
-            <a:ext cx="1905000" cy="1200140"/>
-          </a:xfrm>
-          <a:prstGeom prst="roundRect">
-            <a:avLst/>
-          </a:prstGeom>
-        </p:spPr>
-        <p:style>
-          <a:lnRef idx="2">
-            <a:schemeClr val="accent4"/>
-          </a:lnRef>
-          <a:fillRef idx="1">
-            <a:schemeClr val="lt1"/>
-          </a:fillRef>
-          <a:effectRef idx="0">
-            <a:schemeClr val="accent4"/>
-          </a:effectRef>
-          <a:fontRef idx="minor">
-            <a:schemeClr val="dk1"/>
-          </a:fontRef>
-        </p:style>
-        <p:txBody>
-          <a:bodyPr rtlCol="0" anchor="ctr"/>
-          <a:lstStyle/>
-          <a:p>
-            <a:pPr algn="ctr"/>
-            <a:r>
-              <a:rPr lang="en-US" dirty="0"/>
-              <a:t>Guided Programming</a:t>
-            </a:r>
-          </a:p>
-        </p:txBody>
-      </p:sp>
-      <p:sp>
-        <p:nvSpPr>
-          <p:cNvPr id="26" name="Rectangle: Rounded Corners 25">
-            <a:extLst>
-              <a:ext uri="{FF2B5EF4-FFF2-40B4-BE49-F238E27FC236}">
-                <a16:creationId xmlns:a16="http://schemas.microsoft.com/office/drawing/2014/main" id="{D666A055-54C4-40D9-9DBC-46C61BA05C83}"/>
-              </a:ext>
-            </a:extLst>
-          </p:cNvPr>
-          <p:cNvSpPr/>
-          <p:nvPr/>
-        </p:nvSpPr>
-        <p:spPr>
-          <a:xfrm>
-            <a:off x="4282966" y="2983477"/>
-            <a:ext cx="1905000" cy="1200140"/>
-          </a:xfrm>
-          <a:prstGeom prst="roundRect">
-            <a:avLst/>
-          </a:prstGeom>
-        </p:spPr>
-        <p:style>
-          <a:lnRef idx="2">
-            <a:schemeClr val="accent4"/>
-          </a:lnRef>
-          <a:fillRef idx="1">
-            <a:schemeClr val="lt1"/>
-          </a:fillRef>
-          <a:effectRef idx="0">
-            <a:schemeClr val="accent4"/>
-          </a:effectRef>
-          <a:fontRef idx="minor">
-            <a:schemeClr val="dk1"/>
-          </a:fontRef>
-        </p:style>
-        <p:txBody>
-          <a:bodyPr rtlCol="0" anchor="ctr"/>
-          <a:lstStyle/>
-          <a:p>
-            <a:pPr algn="ctr"/>
-            <a:r>
-              <a:rPr lang="en-US" dirty="0"/>
-              <a:t>Work on Sprint + Get Help</a:t>
-            </a:r>
-          </a:p>
-        </p:txBody>
-      </p:sp>
-      <p:sp>
-        <p:nvSpPr>
-          <p:cNvPr id="29" name="Rectangle: Rounded Corners 28">
-            <a:extLst>
-              <a:ext uri="{FF2B5EF4-FFF2-40B4-BE49-F238E27FC236}">
-                <a16:creationId xmlns:a16="http://schemas.microsoft.com/office/drawing/2014/main" id="{D658552E-B03F-4AC9-9965-7A9F39C7BC0A}"/>
-              </a:ext>
-            </a:extLst>
-          </p:cNvPr>
-          <p:cNvSpPr/>
-          <p:nvPr/>
-        </p:nvSpPr>
-        <p:spPr>
-          <a:xfrm>
-            <a:off x="4290849" y="4189280"/>
-            <a:ext cx="1905000" cy="1200140"/>
-          </a:xfrm>
-          <a:prstGeom prst="roundRect">
-            <a:avLst/>
-          </a:prstGeom>
-        </p:spPr>
-        <p:style>
-          <a:lnRef idx="2">
-            <a:schemeClr val="accent4"/>
-          </a:lnRef>
-          <a:fillRef idx="1">
-            <a:schemeClr val="lt1"/>
-          </a:fillRef>
-          <a:effectRef idx="0">
-            <a:schemeClr val="accent4"/>
-          </a:effectRef>
-          <a:fontRef idx="minor">
-            <a:schemeClr val="dk1"/>
-          </a:fontRef>
-        </p:style>
-        <p:txBody>
-          <a:bodyPr rtlCol="0" anchor="ctr"/>
-          <a:lstStyle/>
-          <a:p>
-            <a:pPr algn="ctr"/>
-            <a:r>
-              <a:rPr lang="en-US" dirty="0"/>
-              <a:t>Guided Programming</a:t>
-            </a:r>
-          </a:p>
-        </p:txBody>
-      </p:sp>
-      <p:sp>
-        <p:nvSpPr>
-          <p:cNvPr id="30" name="Rectangle: Rounded Corners 29">
-            <a:extLst>
-              <a:ext uri="{FF2B5EF4-FFF2-40B4-BE49-F238E27FC236}">
-                <a16:creationId xmlns:a16="http://schemas.microsoft.com/office/drawing/2014/main" id="{267E08F5-CA69-4292-B5EC-82F7A7735579}"/>
-              </a:ext>
-            </a:extLst>
-          </p:cNvPr>
-          <p:cNvSpPr/>
-          <p:nvPr/>
-        </p:nvSpPr>
-        <p:spPr>
-          <a:xfrm>
-            <a:off x="4290849" y="5389420"/>
-            <a:ext cx="1905000" cy="1200140"/>
-          </a:xfrm>
-          <a:prstGeom prst="roundRect">
-            <a:avLst/>
-          </a:prstGeom>
-        </p:spPr>
-        <p:style>
-          <a:lnRef idx="2">
-            <a:schemeClr val="accent4"/>
-          </a:lnRef>
-          <a:fillRef idx="1">
-            <a:schemeClr val="lt1"/>
-          </a:fillRef>
-          <a:effectRef idx="0">
-            <a:schemeClr val="accent4"/>
-          </a:effectRef>
-          <a:fontRef idx="minor">
-            <a:schemeClr val="dk1"/>
-          </a:fontRef>
-        </p:style>
-        <p:txBody>
-          <a:bodyPr rtlCol="0" anchor="ctr"/>
-          <a:lstStyle/>
-          <a:p>
-            <a:pPr algn="ctr"/>
-            <a:r>
-              <a:rPr lang="en-US" dirty="0"/>
-              <a:t>Sprint Review + Work on Sprint</a:t>
-            </a:r>
-          </a:p>
-        </p:txBody>
-      </p:sp>
-      <p:sp>
-        <p:nvSpPr>
-          <p:cNvPr id="32" name="Rectangle: Rounded Corners 31">
-            <a:extLst>
-              <a:ext uri="{FF2B5EF4-FFF2-40B4-BE49-F238E27FC236}">
-                <a16:creationId xmlns:a16="http://schemas.microsoft.com/office/drawing/2014/main" id="{2BAF78FA-4D2F-4049-AF13-6170C6715753}"/>
-              </a:ext>
-            </a:extLst>
-          </p:cNvPr>
-          <p:cNvSpPr/>
-          <p:nvPr/>
-        </p:nvSpPr>
-        <p:spPr>
-          <a:xfrm>
-            <a:off x="4290849" y="1343694"/>
-            <a:ext cx="1905000" cy="408906"/>
-          </a:xfrm>
-          <a:prstGeom prst="roundRect">
-            <a:avLst/>
-          </a:prstGeom>
-        </p:spPr>
-        <p:style>
-          <a:lnRef idx="2">
-            <a:schemeClr val="accent4"/>
-          </a:lnRef>
-          <a:fillRef idx="1">
-            <a:schemeClr val="lt1"/>
-          </a:fillRef>
-          <a:effectRef idx="0">
-            <a:schemeClr val="accent4"/>
-          </a:effectRef>
-          <a:fontRef idx="minor">
-            <a:schemeClr val="dk1"/>
-          </a:fontRef>
-        </p:style>
-        <p:txBody>
-          <a:bodyPr rtlCol="0" anchor="ctr"/>
-          <a:lstStyle/>
-          <a:p>
-            <a:pPr algn="ctr"/>
-            <a:r>
-              <a:rPr lang="en-US" dirty="0"/>
-              <a:t>In Class</a:t>
-            </a:r>
-          </a:p>
-        </p:txBody>
-      </p:sp>
-      <p:sp>
-        <p:nvSpPr>
-          <p:cNvPr id="33" name="Rectangle: Rounded Corners 32">
-            <a:extLst>
-              <a:ext uri="{FF2B5EF4-FFF2-40B4-BE49-F238E27FC236}">
-                <a16:creationId xmlns:a16="http://schemas.microsoft.com/office/drawing/2014/main" id="{8D2616A8-561E-4426-8BDD-D1CA008D2306}"/>
-              </a:ext>
-            </a:extLst>
-          </p:cNvPr>
-          <p:cNvSpPr/>
-          <p:nvPr/>
-        </p:nvSpPr>
-        <p:spPr>
-          <a:xfrm>
-            <a:off x="6211615" y="1768236"/>
-            <a:ext cx="1905000" cy="4830762"/>
-          </a:xfrm>
-          <a:prstGeom prst="roundRect">
-            <a:avLst/>
-          </a:prstGeom>
-        </p:spPr>
-        <p:style>
-          <a:lnRef idx="2">
-            <a:schemeClr val="accent4"/>
-          </a:lnRef>
-          <a:fillRef idx="1">
-            <a:schemeClr val="lt1"/>
-          </a:fillRef>
-          <a:effectRef idx="0">
-            <a:schemeClr val="accent4"/>
-          </a:effectRef>
-          <a:fontRef idx="minor">
-            <a:schemeClr val="dk1"/>
-          </a:fontRef>
-        </p:style>
-        <p:txBody>
-          <a:bodyPr rtlCol="0" anchor="ctr"/>
-          <a:lstStyle/>
-          <a:p>
-            <a:pPr algn="ctr"/>
-            <a:r>
-              <a:rPr lang="en-US" dirty="0"/>
-              <a:t>Hours and Hours Working on the Sprint</a:t>
-            </a:r>
-          </a:p>
-        </p:txBody>
-      </p:sp>
-      <p:sp>
-        <p:nvSpPr>
-          <p:cNvPr id="34" name="Rectangle: Rounded Corners 33">
-            <a:extLst>
-              <a:ext uri="{FF2B5EF4-FFF2-40B4-BE49-F238E27FC236}">
-                <a16:creationId xmlns:a16="http://schemas.microsoft.com/office/drawing/2014/main" id="{C1EB6F74-F803-4D49-ABF7-8B54A3067C9E}"/>
-              </a:ext>
-            </a:extLst>
-          </p:cNvPr>
-          <p:cNvSpPr/>
-          <p:nvPr/>
-        </p:nvSpPr>
-        <p:spPr>
-          <a:xfrm>
-            <a:off x="6219497" y="1343694"/>
-            <a:ext cx="1905000" cy="408906"/>
-          </a:xfrm>
-          <a:prstGeom prst="roundRect">
-            <a:avLst/>
-          </a:prstGeom>
-        </p:spPr>
-        <p:style>
-          <a:lnRef idx="2">
-            <a:schemeClr val="accent4"/>
-          </a:lnRef>
-          <a:fillRef idx="1">
-            <a:schemeClr val="lt1"/>
-          </a:fillRef>
-          <a:effectRef idx="0">
-            <a:schemeClr val="accent4"/>
-          </a:effectRef>
-          <a:fontRef idx="minor">
-            <a:schemeClr val="dk1"/>
-          </a:fontRef>
-        </p:style>
-        <p:txBody>
-          <a:bodyPr rtlCol="0" anchor="ctr"/>
-          <a:lstStyle/>
-          <a:p>
-            <a:pPr algn="ctr"/>
-            <a:r>
-              <a:rPr lang="en-US" dirty="0"/>
-              <a:t>At Home</a:t>
-            </a:r>
-          </a:p>
-        </p:txBody>
-      </p:sp>
-      <p:sp>
-        <p:nvSpPr>
-          <p:cNvPr id="35" name="Rectangle: Rounded Corners 34">
-            <a:extLst>
-              <a:ext uri="{FF2B5EF4-FFF2-40B4-BE49-F238E27FC236}">
-                <a16:creationId xmlns:a16="http://schemas.microsoft.com/office/drawing/2014/main" id="{FB8E2477-4B57-4064-B7E5-E556E720D618}"/>
-              </a:ext>
-            </a:extLst>
-          </p:cNvPr>
-          <p:cNvSpPr/>
-          <p:nvPr/>
-        </p:nvSpPr>
-        <p:spPr>
-          <a:xfrm>
-            <a:off x="3268717" y="5413379"/>
-            <a:ext cx="990600" cy="1222405"/>
-          </a:xfrm>
-          <a:prstGeom prst="roundRect">
-            <a:avLst/>
-          </a:prstGeom>
-        </p:spPr>
-        <p:style>
-          <a:lnRef idx="2">
-            <a:schemeClr val="dk1"/>
-          </a:lnRef>
-          <a:fillRef idx="1">
-            <a:schemeClr val="lt1"/>
-          </a:fillRef>
-          <a:effectRef idx="0">
-            <a:schemeClr val="dk1"/>
-          </a:effectRef>
-          <a:fontRef idx="minor">
-            <a:schemeClr val="dk1"/>
-          </a:fontRef>
-        </p:style>
-        <p:txBody>
-          <a:bodyPr rtlCol="0" anchor="ctr"/>
-          <a:lstStyle/>
-          <a:p>
-            <a:pPr algn="ctr"/>
-            <a:r>
-              <a:rPr lang="en-US" dirty="0"/>
-              <a:t>Week</a:t>
+            <a:r>
+              <a:rPr lang="en-US" sz="2400" dirty="0"/>
+              <a:t>Come to class</a:t>
+            </a:r>
+          </a:p>
+          <a:p>
+            <a:r>
+              <a:rPr lang="en-US" sz="2400" dirty="0"/>
+              <a:t>Work at home</a:t>
+            </a:r>
+          </a:p>
+          <a:p>
+            <a:r>
+              <a:rPr lang="en-US" sz="2400" dirty="0"/>
+              <a:t>Relax</a:t>
             </a:r>
           </a:p>
         </p:txBody>
@@ -10304,7 +6705,7 @@
     </p:spTree>
     <p:extLst>
       <p:ext uri="{BB962C8B-B14F-4D97-AF65-F5344CB8AC3E}">
-        <p14:creationId xmlns:p14="http://schemas.microsoft.com/office/powerpoint/2010/main" val="4224519607"/>
+        <p14:creationId xmlns:p14="http://schemas.microsoft.com/office/powerpoint/2010/main" val="2746404873"/>
       </p:ext>
     </p:extLst>
   </p:cSld>
